--- a/slides/10801/Python進階程式設計/[W2] OOP in Python.pptx
+++ b/slides/10801/Python進階程式設計/[W2] OOP in Python.pptx
@@ -5,20 +5,30 @@
     <p:sldMasterId id="2147483714" r:id="rId1"/>
   </p:sldMasterIdLst>
   <p:notesMasterIdLst>
-    <p:notesMasterId r:id="rId13"/>
+    <p:notesMasterId r:id="rId23"/>
   </p:notesMasterIdLst>
   <p:sldIdLst>
     <p:sldId id="257" r:id="rId2"/>
-    <p:sldId id="258" r:id="rId3"/>
-    <p:sldId id="259" r:id="rId4"/>
-    <p:sldId id="260" r:id="rId5"/>
-    <p:sldId id="261" r:id="rId6"/>
-    <p:sldId id="262" r:id="rId7"/>
-    <p:sldId id="263" r:id="rId8"/>
-    <p:sldId id="264" r:id="rId9"/>
-    <p:sldId id="265" r:id="rId10"/>
-    <p:sldId id="266" r:id="rId11"/>
-    <p:sldId id="267" r:id="rId12"/>
+    <p:sldId id="268" r:id="rId3"/>
+    <p:sldId id="269" r:id="rId4"/>
+    <p:sldId id="258" r:id="rId5"/>
+    <p:sldId id="259" r:id="rId6"/>
+    <p:sldId id="260" r:id="rId7"/>
+    <p:sldId id="261" r:id="rId8"/>
+    <p:sldId id="262" r:id="rId9"/>
+    <p:sldId id="263" r:id="rId10"/>
+    <p:sldId id="264" r:id="rId11"/>
+    <p:sldId id="265" r:id="rId12"/>
+    <p:sldId id="266" r:id="rId13"/>
+    <p:sldId id="270" r:id="rId14"/>
+    <p:sldId id="271" r:id="rId15"/>
+    <p:sldId id="272" r:id="rId16"/>
+    <p:sldId id="274" r:id="rId17"/>
+    <p:sldId id="273" r:id="rId18"/>
+    <p:sldId id="275" r:id="rId19"/>
+    <p:sldId id="276" r:id="rId20"/>
+    <p:sldId id="277" r:id="rId21"/>
+    <p:sldId id="267" r:id="rId22"/>
   </p:sldIdLst>
   <p:sldSz cx="12192000" cy="6858000"/>
   <p:notesSz cx="6858000" cy="9144000"/>
@@ -117,6 +127,11 @@
       </a:defRPr>
     </a:lvl9pPr>
   </p:defaultTextStyle>
+  <p:extLst>
+    <p:ext uri="{EFAFB233-063F-42B5-8137-9DF3F51BA10A}">
+      <p15:sldGuideLst xmlns:p15="http://schemas.microsoft.com/office/powerpoint/2012/main"/>
+    </p:ext>
+  </p:extLst>
 </p:presentation>
 </file>
 
@@ -202,7 +217,7 @@
           <a:p>
             <a:fld id="{A6B8042F-DD52-4BEF-B10F-42BE4FF859B7}" type="datetimeFigureOut">
               <a:rPr lang="zh-TW" altLang="en-US" smtClean="0"/>
-              <a:t>2019/9/10</a:t>
+              <a:t>2019/9/17</a:t>
             </a:fld>
             <a:endParaRPr lang="zh-TW" altLang="en-US"/>
           </a:p>
@@ -699,7 +714,7 @@
           <a:p>
             <a:fld id="{69A16C07-AB0F-4312-86D7-8500AE850141}" type="datetime1">
               <a:rPr lang="zh-TW" altLang="en-US" smtClean="0"/>
-              <a:t>2019/9/10</a:t>
+              <a:t>2019/9/17</a:t>
             </a:fld>
             <a:endParaRPr lang="zh-TW" altLang="en-US"/>
           </a:p>
@@ -1033,7 +1048,7 @@
           <a:p>
             <a:fld id="{3BEAF975-1CB3-4131-83CB-239EED1F079E}" type="datetime1">
               <a:rPr lang="zh-TW" altLang="en-US" smtClean="0"/>
-              <a:t>2019/9/10</a:t>
+              <a:t>2019/9/17</a:t>
             </a:fld>
             <a:endParaRPr lang="zh-TW" altLang="en-US"/>
           </a:p>
@@ -1311,7 +1326,7 @@
           <a:p>
             <a:fld id="{F909829C-93DB-48CA-8A35-655FC847EAE2}" type="datetime1">
               <a:rPr lang="zh-TW" altLang="en-US" smtClean="0"/>
-              <a:t>2019/9/10</a:t>
+              <a:t>2019/9/17</a:t>
             </a:fld>
             <a:endParaRPr lang="zh-TW" altLang="en-US"/>
           </a:p>
@@ -1879,7 +1894,7 @@
           <a:p>
             <a:fld id="{CD225578-E034-4670-B516-C30AFFCDD57D}" type="datetime1">
               <a:rPr lang="zh-TW" altLang="en-US" smtClean="0"/>
-              <a:t>2019/9/10</a:t>
+              <a:t>2019/9/17</a:t>
             </a:fld>
             <a:endParaRPr lang="zh-TW" altLang="en-US"/>
           </a:p>
@@ -2157,7 +2172,7 @@
           <a:p>
             <a:fld id="{A21F373E-6C29-4626-B848-E1A2D4FEAB29}" type="datetime1">
               <a:rPr lang="zh-TW" altLang="en-US" smtClean="0"/>
-              <a:t>2019/9/10</a:t>
+              <a:t>2019/9/17</a:t>
             </a:fld>
             <a:endParaRPr lang="zh-TW" altLang="en-US"/>
           </a:p>
@@ -2719,7 +2734,7 @@
           <a:p>
             <a:fld id="{CFE76FED-0F2B-49B6-AD1A-8DD9EC8F6C33}" type="datetime1">
               <a:rPr lang="zh-TW" altLang="en-US" smtClean="0"/>
-              <a:t>2019/9/10</a:t>
+              <a:t>2019/9/17</a:t>
             </a:fld>
             <a:endParaRPr lang="zh-TW" altLang="en-US"/>
           </a:p>
@@ -3046,7 +3061,7 @@
           <a:p>
             <a:fld id="{2072F5F6-693D-47E3-A084-9BE48E93105C}" type="datetime1">
               <a:rPr lang="zh-TW" altLang="en-US" smtClean="0"/>
-              <a:t>2019/9/10</a:t>
+              <a:t>2019/9/17</a:t>
             </a:fld>
             <a:endParaRPr lang="zh-TW" altLang="en-US"/>
           </a:p>
@@ -3251,7 +3266,7 @@
           <a:p>
             <a:fld id="{95A5CAE3-ADE7-4F26-B041-E50ED5B03B7C}" type="datetime1">
               <a:rPr lang="zh-TW" altLang="en-US" smtClean="0"/>
-              <a:t>2019/9/10</a:t>
+              <a:t>2019/9/17</a:t>
             </a:fld>
             <a:endParaRPr lang="zh-TW" altLang="en-US"/>
           </a:p>
@@ -3461,7 +3476,7 @@
           <a:p>
             <a:fld id="{1C2A7491-21AA-46A8-A4DE-9643861CB4D0}" type="datetime1">
               <a:rPr lang="zh-TW" altLang="en-US" smtClean="0"/>
-              <a:t>2019/9/10</a:t>
+              <a:t>2019/9/17</a:t>
             </a:fld>
             <a:endParaRPr lang="zh-TW" altLang="en-US"/>
           </a:p>
@@ -3661,7 +3676,7 @@
           <a:p>
             <a:fld id="{251855FF-12C7-4A48-AC56-93074FCB96B7}" type="datetime1">
               <a:rPr lang="zh-TW" altLang="en-US" smtClean="0"/>
-              <a:t>2019/9/10</a:t>
+              <a:t>2019/9/17</a:t>
             </a:fld>
             <a:endParaRPr lang="zh-TW" altLang="en-US"/>
           </a:p>
@@ -3937,7 +3952,7 @@
           <a:p>
             <a:fld id="{24D16097-3370-4C5A-8288-210252B3B476}" type="datetime1">
               <a:rPr lang="zh-TW" altLang="en-US" smtClean="0"/>
-              <a:t>2019/9/10</a:t>
+              <a:t>2019/9/17</a:t>
             </a:fld>
             <a:endParaRPr lang="zh-TW" altLang="en-US"/>
           </a:p>
@@ -4203,7 +4218,7 @@
           <a:p>
             <a:fld id="{BA13DDF9-83A6-4CBD-941E-80F76B715D16}" type="datetime1">
               <a:rPr lang="zh-TW" altLang="en-US" smtClean="0"/>
-              <a:t>2019/9/10</a:t>
+              <a:t>2019/9/17</a:t>
             </a:fld>
             <a:endParaRPr lang="zh-TW" altLang="en-US"/>
           </a:p>
@@ -4577,7 +4592,7 @@
           <a:p>
             <a:fld id="{F613EB1E-022A-4329-9791-D583CBC7FBF9}" type="datetime1">
               <a:rPr lang="zh-TW" altLang="en-US" smtClean="0"/>
-              <a:t>2019/9/10</a:t>
+              <a:t>2019/9/17</a:t>
             </a:fld>
             <a:endParaRPr lang="zh-TW" altLang="en-US"/>
           </a:p>
@@ -4725,7 +4740,7 @@
           <a:p>
             <a:fld id="{ABD98F2A-671D-4726-81B0-4E36D8B054C9}" type="datetime1">
               <a:rPr lang="zh-TW" altLang="en-US" smtClean="0"/>
-              <a:t>2019/9/10</a:t>
+              <a:t>2019/9/17</a:t>
             </a:fld>
             <a:endParaRPr lang="zh-TW" altLang="en-US"/>
           </a:p>
@@ -4850,7 +4865,7 @@
           <a:p>
             <a:fld id="{FBD20EE6-B653-43A1-9588-7678B77C7421}" type="datetime1">
               <a:rPr lang="zh-TW" altLang="en-US" smtClean="0"/>
-              <a:t>2019/9/10</a:t>
+              <a:t>2019/9/17</a:t>
             </a:fld>
             <a:endParaRPr lang="zh-TW" altLang="en-US"/>
           </a:p>
@@ -5135,7 +5150,7 @@
           <a:p>
             <a:fld id="{C33CFCD3-3504-4738-AF3F-46342956F4C6}" type="datetime1">
               <a:rPr lang="zh-TW" altLang="en-US" smtClean="0"/>
-              <a:t>2019/9/10</a:t>
+              <a:t>2019/9/17</a:t>
             </a:fld>
             <a:endParaRPr lang="zh-TW" altLang="en-US"/>
           </a:p>
@@ -5459,7 +5474,7 @@
           <a:p>
             <a:fld id="{1CBBA2B9-34A7-410F-9ECA-BC5372D303F7}" type="datetime1">
               <a:rPr lang="zh-TW" altLang="en-US" smtClean="0"/>
-              <a:t>2019/9/10</a:t>
+              <a:t>2019/9/17</a:t>
             </a:fld>
             <a:endParaRPr lang="zh-TW" altLang="en-US"/>
           </a:p>
@@ -5673,7 +5688,7 @@
           <a:p>
             <a:fld id="{CE60E297-7E7B-4838-9B51-0C159CBEC7E3}" type="datetime1">
               <a:rPr lang="zh-TW" altLang="en-US" smtClean="0"/>
-              <a:t>2019/9/10</a:t>
+              <a:t>2019/9/17</a:t>
             </a:fld>
             <a:endParaRPr lang="zh-TW" altLang="en-US"/>
           </a:p>
@@ -6389,6 +6404,415 @@
                 <a:latin typeface="微軟正黑體" panose="020B0604030504040204" pitchFamily="34" charset="-120"/>
                 <a:ea typeface="微軟正黑體" panose="020B0604030504040204" pitchFamily="34" charset="-120"/>
               </a:rPr>
+              <a:t>通過</a:t>
+            </a:r>
+            <a:r>
+              <a:rPr lang="en-US" altLang="zh-TW" sz="4000" b="1" dirty="0">
+                <a:latin typeface="微軟正黑體" panose="020B0604030504040204" pitchFamily="34" charset="-120"/>
+                <a:ea typeface="微軟正黑體" panose="020B0604030504040204" pitchFamily="34" charset="-120"/>
+              </a:rPr>
+              <a:t>type</a:t>
+            </a:r>
+            <a:r>
+              <a:rPr lang="zh-TW" altLang="en-US" sz="4000" b="1" dirty="0">
+                <a:latin typeface="微軟正黑體" panose="020B0604030504040204" pitchFamily="34" charset="-120"/>
+                <a:ea typeface="微軟正黑體" panose="020B0604030504040204" pitchFamily="34" charset="-120"/>
+              </a:rPr>
+              <a:t>類建立物件</a:t>
+            </a:r>
+          </a:p>
+        </p:txBody>
+      </p:sp>
+      <p:sp>
+        <p:nvSpPr>
+          <p:cNvPr id="7" name="投影片編號版面配置區 6"/>
+          <p:cNvSpPr>
+            <a:spLocks noGrp="1"/>
+          </p:cNvSpPr>
+          <p:nvPr>
+            <p:ph type="sldNum" sz="quarter" idx="12"/>
+          </p:nvPr>
+        </p:nvSpPr>
+        <p:spPr/>
+        <p:txBody>
+          <a:bodyPr/>
+          <a:lstStyle/>
+          <a:p>
+            <a:fld id="{40239712-B949-4373-B1C1-D7AF2BF342BE}" type="slidenum">
+              <a:rPr lang="zh-TW" altLang="en-US" smtClean="0"/>
+              <a:t>10</a:t>
+            </a:fld>
+            <a:endParaRPr lang="zh-TW" altLang="en-US"/>
+          </a:p>
+        </p:txBody>
+      </p:sp>
+      <p:pic>
+        <p:nvPicPr>
+          <p:cNvPr id="3" name="圖片 2"/>
+          <p:cNvPicPr>
+            <a:picLocks noChangeAspect="1"/>
+          </p:cNvPicPr>
+          <p:nvPr/>
+        </p:nvPicPr>
+        <p:blipFill>
+          <a:blip r:embed="rId2"/>
+          <a:stretch>
+            <a:fillRect/>
+          </a:stretch>
+        </p:blipFill>
+        <p:spPr>
+          <a:xfrm>
+            <a:off x="5463682" y="2719387"/>
+            <a:ext cx="5245403" cy="2415646"/>
+          </a:xfrm>
+          <a:prstGeom prst="rect">
+            <a:avLst/>
+          </a:prstGeom>
+        </p:spPr>
+      </p:pic>
+      <p:pic>
+        <p:nvPicPr>
+          <p:cNvPr id="8" name="圖片 7"/>
+          <p:cNvPicPr>
+            <a:picLocks noChangeAspect="1"/>
+          </p:cNvPicPr>
+          <p:nvPr/>
+        </p:nvPicPr>
+        <p:blipFill>
+          <a:blip r:embed="rId3"/>
+          <a:stretch>
+            <a:fillRect/>
+          </a:stretch>
+        </p:blipFill>
+        <p:spPr>
+          <a:xfrm>
+            <a:off x="770382" y="2719387"/>
+            <a:ext cx="4365330" cy="2415646"/>
+          </a:xfrm>
+          <a:prstGeom prst="rect">
+            <a:avLst/>
+          </a:prstGeom>
+        </p:spPr>
+      </p:pic>
+    </p:spTree>
+    <p:extLst>
+      <p:ext uri="{BB962C8B-B14F-4D97-AF65-F5344CB8AC3E}">
+        <p14:creationId xmlns:p14="http://schemas.microsoft.com/office/powerpoint/2010/main" val="1156148585"/>
+      </p:ext>
+    </p:extLst>
+  </p:cSld>
+  <p:clrMapOvr>
+    <a:masterClrMapping/>
+  </p:clrMapOvr>
+</p:sld>
+</file>
+
+<file path=ppt/slides/slide11.xml><?xml version="1.0" encoding="utf-8"?>
+<p:sld xmlns:a="http://schemas.openxmlformats.org/drawingml/2006/main" xmlns:r="http://schemas.openxmlformats.org/officeDocument/2006/relationships" xmlns:p="http://schemas.openxmlformats.org/presentationml/2006/main">
+  <p:cSld>
+    <p:spTree>
+      <p:nvGrpSpPr>
+        <p:cNvPr id="1" name=""/>
+        <p:cNvGrpSpPr/>
+        <p:nvPr/>
+      </p:nvGrpSpPr>
+      <p:grpSpPr>
+        <a:xfrm>
+          <a:off x="0" y="0"/>
+          <a:ext cx="0" cy="0"/>
+          <a:chOff x="0" y="0"/>
+          <a:chExt cx="0" cy="0"/>
+        </a:xfrm>
+      </p:grpSpPr>
+      <p:sp>
+        <p:nvSpPr>
+          <p:cNvPr id="4" name="標題 3"/>
+          <p:cNvSpPr>
+            <a:spLocks noGrp="1"/>
+          </p:cNvSpPr>
+          <p:nvPr>
+            <p:ph type="title"/>
+          </p:nvPr>
+        </p:nvSpPr>
+        <p:spPr/>
+        <p:txBody>
+          <a:bodyPr>
+            <a:normAutofit/>
+          </a:bodyPr>
+          <a:lstStyle/>
+          <a:p>
+            <a:pPr algn="ctr"/>
+            <a:r>
+              <a:rPr lang="en-US" altLang="zh-TW" sz="4000" b="1" dirty="0">
+                <a:latin typeface="微軟正黑體" panose="020B0604030504040204" pitchFamily="34" charset="-120"/>
+                <a:ea typeface="微軟正黑體" panose="020B0604030504040204" pitchFamily="34" charset="-120"/>
+              </a:rPr>
+              <a:t>__new__</a:t>
+            </a:r>
+            <a:r>
+              <a:rPr lang="zh-TW" altLang="en-US" sz="4000" b="1" dirty="0">
+                <a:latin typeface="微軟正黑體" panose="020B0604030504040204" pitchFamily="34" charset="-120"/>
+                <a:ea typeface="微軟正黑體" panose="020B0604030504040204" pitchFamily="34" charset="-120"/>
+              </a:rPr>
+              <a:t>和</a:t>
+            </a:r>
+            <a:r>
+              <a:rPr lang="en-US" altLang="zh-TW" sz="4000" b="1" dirty="0">
+                <a:latin typeface="微軟正黑體" panose="020B0604030504040204" pitchFamily="34" charset="-120"/>
+                <a:ea typeface="微軟正黑體" panose="020B0604030504040204" pitchFamily="34" charset="-120"/>
+              </a:rPr>
+              <a:t>__</a:t>
+            </a:r>
+            <a:r>
+              <a:rPr lang="en-US" altLang="zh-TW" sz="4000" b="1" dirty="0" err="1">
+                <a:latin typeface="微軟正黑體" panose="020B0604030504040204" pitchFamily="34" charset="-120"/>
+                <a:ea typeface="微軟正黑體" panose="020B0604030504040204" pitchFamily="34" charset="-120"/>
+              </a:rPr>
+              <a:t>init</a:t>
+            </a:r>
+            <a:r>
+              <a:rPr lang="zh-TW" altLang="en-US" sz="4000" b="1" dirty="0">
+                <a:latin typeface="微軟正黑體" panose="020B0604030504040204" pitchFamily="34" charset="-120"/>
+                <a:ea typeface="微軟正黑體" panose="020B0604030504040204" pitchFamily="34" charset="-120"/>
+              </a:rPr>
+              <a:t>區別</a:t>
+            </a:r>
+          </a:p>
+        </p:txBody>
+      </p:sp>
+      <p:sp>
+        <p:nvSpPr>
+          <p:cNvPr id="7" name="投影片編號版面配置區 6"/>
+          <p:cNvSpPr>
+            <a:spLocks noGrp="1"/>
+          </p:cNvSpPr>
+          <p:nvPr>
+            <p:ph type="sldNum" sz="quarter" idx="12"/>
+          </p:nvPr>
+        </p:nvSpPr>
+        <p:spPr/>
+        <p:txBody>
+          <a:bodyPr/>
+          <a:lstStyle/>
+          <a:p>
+            <a:fld id="{40239712-B949-4373-B1C1-D7AF2BF342BE}" type="slidenum">
+              <a:rPr lang="zh-TW" altLang="en-US" smtClean="0"/>
+              <a:t>11</a:t>
+            </a:fld>
+            <a:endParaRPr lang="zh-TW" altLang="en-US"/>
+          </a:p>
+        </p:txBody>
+      </p:sp>
+      <p:pic>
+        <p:nvPicPr>
+          <p:cNvPr id="5" name="圖片 4"/>
+          <p:cNvPicPr>
+            <a:picLocks noChangeAspect="1"/>
+          </p:cNvPicPr>
+          <p:nvPr/>
+        </p:nvPicPr>
+        <p:blipFill>
+          <a:blip r:embed="rId2"/>
+          <a:stretch>
+            <a:fillRect/>
+          </a:stretch>
+        </p:blipFill>
+        <p:spPr>
+          <a:xfrm>
+            <a:off x="5664201" y="2354770"/>
+            <a:ext cx="5153025" cy="2733675"/>
+          </a:xfrm>
+          <a:prstGeom prst="rect">
+            <a:avLst/>
+          </a:prstGeom>
+        </p:spPr>
+      </p:pic>
+      <p:sp>
+        <p:nvSpPr>
+          <p:cNvPr id="9" name="內容版面配置區 4"/>
+          <p:cNvSpPr>
+            <a:spLocks noGrp="1"/>
+          </p:cNvSpPr>
+          <p:nvPr>
+            <p:ph idx="1"/>
+          </p:nvPr>
+        </p:nvSpPr>
+        <p:spPr>
+          <a:xfrm>
+            <a:off x="850392" y="2139697"/>
+            <a:ext cx="4498848" cy="3803903"/>
+          </a:xfrm>
+        </p:spPr>
+        <p:txBody>
+          <a:bodyPr>
+            <a:normAutofit/>
+          </a:bodyPr>
+          <a:lstStyle/>
+          <a:p>
+            <a:pPr algn="just"/>
+            <a:r>
+              <a:rPr lang="en-US" altLang="zh-TW" sz="2400" dirty="0">
+                <a:solidFill>
+                  <a:srgbClr val="FFFF00"/>
+                </a:solidFill>
+                <a:latin typeface="微軟正黑體" panose="020B0604030504040204" pitchFamily="34" charset="-120"/>
+                <a:ea typeface="微軟正黑體" panose="020B0604030504040204" pitchFamily="34" charset="-120"/>
+              </a:rPr>
+              <a:t>new </a:t>
+            </a:r>
+            <a:r>
+              <a:rPr lang="zh-TW" altLang="en-US" sz="2400" dirty="0">
+                <a:latin typeface="微軟正黑體" panose="020B0604030504040204" pitchFamily="34" charset="-120"/>
+                <a:ea typeface="微軟正黑體" panose="020B0604030504040204" pitchFamily="34" charset="-120"/>
+              </a:rPr>
+              <a:t>用來建立例項，在返回的例項上執行</a:t>
+            </a:r>
+            <a:r>
+              <a:rPr lang="en-US" altLang="zh-TW" sz="2400" dirty="0">
+                <a:latin typeface="微軟正黑體" panose="020B0604030504040204" pitchFamily="34" charset="-120"/>
+                <a:ea typeface="微軟正黑體" panose="020B0604030504040204" pitchFamily="34" charset="-120"/>
+              </a:rPr>
+              <a:t>__</a:t>
+            </a:r>
+            <a:r>
+              <a:rPr lang="en-US" altLang="zh-TW" sz="2400" dirty="0" err="1">
+                <a:latin typeface="微軟正黑體" panose="020B0604030504040204" pitchFamily="34" charset="-120"/>
+                <a:ea typeface="微軟正黑體" panose="020B0604030504040204" pitchFamily="34" charset="-120"/>
+              </a:rPr>
+              <a:t>init</a:t>
+            </a:r>
+            <a:r>
+              <a:rPr lang="en-US" altLang="zh-TW" sz="2400" dirty="0">
+                <a:latin typeface="微軟正黑體" panose="020B0604030504040204" pitchFamily="34" charset="-120"/>
+                <a:ea typeface="微軟正黑體" panose="020B0604030504040204" pitchFamily="34" charset="-120"/>
+              </a:rPr>
+              <a:t>__</a:t>
+            </a:r>
+            <a:r>
+              <a:rPr lang="zh-TW" altLang="en-US" sz="2400" dirty="0">
+                <a:latin typeface="微軟正黑體" panose="020B0604030504040204" pitchFamily="34" charset="-120"/>
+                <a:ea typeface="微軟正黑體" panose="020B0604030504040204" pitchFamily="34" charset="-120"/>
+              </a:rPr>
+              <a:t>，如果不返回例項那麼</a:t>
+            </a:r>
+            <a:r>
+              <a:rPr lang="en-US" altLang="zh-TW" sz="2400" dirty="0">
+                <a:latin typeface="微軟正黑體" panose="020B0604030504040204" pitchFamily="34" charset="-120"/>
+                <a:ea typeface="微軟正黑體" panose="020B0604030504040204" pitchFamily="34" charset="-120"/>
+              </a:rPr>
+              <a:t>__</a:t>
+            </a:r>
+            <a:r>
+              <a:rPr lang="en-US" altLang="zh-TW" sz="2400" dirty="0" err="1">
+                <a:latin typeface="微軟正黑體" panose="020B0604030504040204" pitchFamily="34" charset="-120"/>
+                <a:ea typeface="微軟正黑體" panose="020B0604030504040204" pitchFamily="34" charset="-120"/>
+              </a:rPr>
+              <a:t>init</a:t>
+            </a:r>
+            <a:r>
+              <a:rPr lang="en-US" altLang="zh-TW" sz="2400" dirty="0">
+                <a:latin typeface="微軟正黑體" panose="020B0604030504040204" pitchFamily="34" charset="-120"/>
+                <a:ea typeface="微軟正黑體" panose="020B0604030504040204" pitchFamily="34" charset="-120"/>
+              </a:rPr>
+              <a:t>__</a:t>
+            </a:r>
+            <a:r>
+              <a:rPr lang="zh-TW" altLang="en-US" sz="2400" dirty="0">
+                <a:latin typeface="微軟正黑體" panose="020B0604030504040204" pitchFamily="34" charset="-120"/>
+                <a:ea typeface="微軟正黑體" panose="020B0604030504040204" pitchFamily="34" charset="-120"/>
+              </a:rPr>
+              <a:t>將不會執行</a:t>
+            </a:r>
+          </a:p>
+          <a:p>
+            <a:pPr algn="just"/>
+            <a:r>
+              <a:rPr lang="en-US" altLang="zh-TW" sz="2400" dirty="0" err="1">
+                <a:solidFill>
+                  <a:srgbClr val="FFFF00"/>
+                </a:solidFill>
+                <a:latin typeface="微軟正黑體" panose="020B0604030504040204" pitchFamily="34" charset="-120"/>
+                <a:ea typeface="微軟正黑體" panose="020B0604030504040204" pitchFamily="34" charset="-120"/>
+              </a:rPr>
+              <a:t>init</a:t>
+            </a:r>
+            <a:r>
+              <a:rPr lang="en-US" altLang="zh-TW" sz="2400" dirty="0">
+                <a:solidFill>
+                  <a:srgbClr val="FFFF00"/>
+                </a:solidFill>
+                <a:latin typeface="微軟正黑體" panose="020B0604030504040204" pitchFamily="34" charset="-120"/>
+                <a:ea typeface="微軟正黑體" panose="020B0604030504040204" pitchFamily="34" charset="-120"/>
+              </a:rPr>
+              <a:t> </a:t>
+            </a:r>
+            <a:r>
+              <a:rPr lang="zh-TW" altLang="en-US" sz="2400" dirty="0">
+                <a:latin typeface="微軟正黑體" panose="020B0604030504040204" pitchFamily="34" charset="-120"/>
+                <a:ea typeface="微軟正黑體" panose="020B0604030504040204" pitchFamily="34" charset="-120"/>
+              </a:rPr>
+              <a:t>用來初始化例項，設定屬性什麼的</a:t>
+            </a:r>
+            <a:endParaRPr lang="en-US" altLang="zh-TW" sz="2400" dirty="0">
+              <a:latin typeface="微軟正黑體" panose="020B0604030504040204" pitchFamily="34" charset="-120"/>
+              <a:ea typeface="微軟正黑體" panose="020B0604030504040204" pitchFamily="34" charset="-120"/>
+            </a:endParaRPr>
+          </a:p>
+        </p:txBody>
+      </p:sp>
+    </p:spTree>
+    <p:extLst>
+      <p:ext uri="{BB962C8B-B14F-4D97-AF65-F5344CB8AC3E}">
+        <p14:creationId xmlns:p14="http://schemas.microsoft.com/office/powerpoint/2010/main" val="836432294"/>
+      </p:ext>
+    </p:extLst>
+  </p:cSld>
+  <p:clrMapOvr>
+    <a:masterClrMapping/>
+  </p:clrMapOvr>
+</p:sld>
+</file>
+
+<file path=ppt/slides/slide12.xml><?xml version="1.0" encoding="utf-8"?>
+<p:sld xmlns:a="http://schemas.openxmlformats.org/drawingml/2006/main" xmlns:r="http://schemas.openxmlformats.org/officeDocument/2006/relationships" xmlns:p="http://schemas.openxmlformats.org/presentationml/2006/main">
+  <p:cSld>
+    <p:spTree>
+      <p:nvGrpSpPr>
+        <p:cNvPr id="1" name=""/>
+        <p:cNvGrpSpPr/>
+        <p:nvPr/>
+      </p:nvGrpSpPr>
+      <p:grpSpPr>
+        <a:xfrm>
+          <a:off x="0" y="0"/>
+          <a:ext cx="0" cy="0"/>
+          <a:chOff x="0" y="0"/>
+          <a:chExt cx="0" cy="0"/>
+        </a:xfrm>
+      </p:grpSpPr>
+      <p:sp>
+        <p:nvSpPr>
+          <p:cNvPr id="4" name="標題 3"/>
+          <p:cNvSpPr>
+            <a:spLocks noGrp="1"/>
+          </p:cNvSpPr>
+          <p:nvPr>
+            <p:ph type="title"/>
+          </p:nvPr>
+        </p:nvSpPr>
+        <p:spPr/>
+        <p:txBody>
+          <a:bodyPr>
+            <a:normAutofit/>
+          </a:bodyPr>
+          <a:lstStyle/>
+          <a:p>
+            <a:pPr algn="ctr"/>
+            <a:r>
+              <a:rPr lang="zh-TW" altLang="en-US" sz="4000" b="1" dirty="0">
+                <a:latin typeface="微軟正黑體" panose="020B0604030504040204" pitchFamily="34" charset="-120"/>
+                <a:ea typeface="微軟正黑體" panose="020B0604030504040204" pitchFamily="34" charset="-120"/>
+              </a:rPr>
               <a:t>類變數和例項變數</a:t>
             </a:r>
           </a:p>
@@ -6411,7 +6835,7 @@
           <a:p>
             <a:fld id="{40239712-B949-4373-B1C1-D7AF2BF342BE}" type="slidenum">
               <a:rPr lang="zh-TW" altLang="en-US" smtClean="0"/>
-              <a:t>10</a:t>
+              <a:t>12</a:t>
             </a:fld>
             <a:endParaRPr lang="zh-TW" altLang="en-US"/>
           </a:p>
@@ -6478,7 +6902,7 @@
 </p:sld>
 </file>
 
-<file path=ppt/slides/slide11.xml><?xml version="1.0" encoding="utf-8"?>
+<file path=ppt/slides/slide13.xml><?xml version="1.0" encoding="utf-8"?>
 <p:sld xmlns:a="http://schemas.openxmlformats.org/drawingml/2006/main" xmlns:r="http://schemas.openxmlformats.org/officeDocument/2006/relationships" xmlns:p="http://schemas.openxmlformats.org/presentationml/2006/main">
   <p:cSld>
     <p:spTree>
@@ -6502,7 +6926,7 @@
             <a:spLocks noGrp="1"/>
           </p:cNvSpPr>
           <p:nvPr>
-            <p:ph type="ctrTitle"/>
+            <p:ph type="title"/>
           </p:nvPr>
         </p:nvSpPr>
         <p:spPr/>
@@ -6511,11 +6935,21 @@
           <a:lstStyle/>
           <a:p>
             <a:r>
-              <a:rPr lang="en-US" altLang="zh-TW" b="1" dirty="0" smtClean="0">
-                <a:latin typeface="微軟正黑體" panose="020B0604030504040204" pitchFamily="34" charset="-120"/>
-                <a:ea typeface="微軟正黑體" panose="020B0604030504040204" pitchFamily="34" charset="-120"/>
-              </a:rPr>
-              <a:t>Thank you</a:t>
+              <a:rPr lang="en-US" altLang="zh-TW" b="1" dirty="0">
+                <a:latin typeface="微軟正黑體" panose="020B0604030504040204" pitchFamily="34" charset="-120"/>
+                <a:ea typeface="微軟正黑體" panose="020B0604030504040204" pitchFamily="34" charset="-120"/>
+              </a:rPr>
+              <a:t>Go through </a:t>
+            </a:r>
+            <a:r>
+              <a:rPr lang="en-US" altLang="zh-TW" b="1" dirty="0">
+                <a:solidFill>
+                  <a:srgbClr val="FFFF00"/>
+                </a:solidFill>
+                <a:latin typeface="微軟正黑體" panose="020B0604030504040204" pitchFamily="34" charset="-120"/>
+                <a:ea typeface="微軟正黑體" panose="020B0604030504040204" pitchFamily="34" charset="-120"/>
+              </a:rPr>
+              <a:t>examples</a:t>
             </a:r>
             <a:endParaRPr lang="zh-TW" altLang="en-US" b="1" dirty="0">
               <a:latin typeface="微軟正黑體" panose="020B0604030504040204" pitchFamily="34" charset="-120"/>
@@ -6526,12 +6960,12 @@
       </p:sp>
       <p:sp>
         <p:nvSpPr>
-          <p:cNvPr id="6" name="副標題 5"/>
-          <p:cNvSpPr>
-            <a:spLocks noGrp="1"/>
-          </p:cNvSpPr>
-          <p:nvPr>
-            <p:ph type="subTitle" idx="1"/>
+          <p:cNvPr id="6" name="文字版面配置區 5"/>
+          <p:cNvSpPr>
+            <a:spLocks noGrp="1"/>
+          </p:cNvSpPr>
+          <p:nvPr>
+            <p:ph type="body" idx="1"/>
           </p:nvPr>
         </p:nvSpPr>
         <p:spPr/>
@@ -6560,7 +6994,7 @@
           <a:p>
             <a:fld id="{40239712-B949-4373-B1C1-D7AF2BF342BE}" type="slidenum">
               <a:rPr lang="zh-TW" altLang="en-US" smtClean="0"/>
-              <a:t>11</a:t>
+              <a:t>13</a:t>
             </a:fld>
             <a:endParaRPr lang="zh-TW" altLang="en-US"/>
           </a:p>
@@ -6569,7 +7003,898 @@
     </p:spTree>
     <p:extLst>
       <p:ext uri="{BB962C8B-B14F-4D97-AF65-F5344CB8AC3E}">
-        <p14:creationId xmlns:p14="http://schemas.microsoft.com/office/powerpoint/2010/main" val="3623437115"/>
+        <p14:creationId xmlns:p14="http://schemas.microsoft.com/office/powerpoint/2010/main" val="545451996"/>
+      </p:ext>
+    </p:extLst>
+  </p:cSld>
+  <p:clrMapOvr>
+    <a:masterClrMapping/>
+  </p:clrMapOvr>
+</p:sld>
+</file>
+
+<file path=ppt/slides/slide14.xml><?xml version="1.0" encoding="utf-8"?>
+<p:sld xmlns:a="http://schemas.openxmlformats.org/drawingml/2006/main" xmlns:r="http://schemas.openxmlformats.org/officeDocument/2006/relationships" xmlns:p="http://schemas.openxmlformats.org/presentationml/2006/main">
+  <p:cSld>
+    <p:spTree>
+      <p:nvGrpSpPr>
+        <p:cNvPr id="1" name=""/>
+        <p:cNvGrpSpPr/>
+        <p:nvPr/>
+      </p:nvGrpSpPr>
+      <p:grpSpPr>
+        <a:xfrm>
+          <a:off x="0" y="0"/>
+          <a:ext cx="0" cy="0"/>
+          <a:chOff x="0" y="0"/>
+          <a:chExt cx="0" cy="0"/>
+        </a:xfrm>
+      </p:grpSpPr>
+      <p:sp>
+        <p:nvSpPr>
+          <p:cNvPr id="4" name="標題 3"/>
+          <p:cNvSpPr>
+            <a:spLocks noGrp="1"/>
+          </p:cNvSpPr>
+          <p:nvPr>
+            <p:ph type="title"/>
+          </p:nvPr>
+        </p:nvSpPr>
+        <p:spPr/>
+        <p:txBody>
+          <a:bodyPr>
+            <a:normAutofit/>
+          </a:bodyPr>
+          <a:lstStyle/>
+          <a:p>
+            <a:pPr algn="ctr"/>
+            <a:r>
+              <a:rPr lang="zh-TW" altLang="en-US" sz="4000" b="1" dirty="0" smtClean="0">
+                <a:latin typeface="微軟正黑體" panose="020B0604030504040204" pitchFamily="34" charset="-120"/>
+                <a:ea typeface="微軟正黑體" panose="020B0604030504040204" pitchFamily="34" charset="-120"/>
+              </a:rPr>
+              <a:t>根據類別建立物件</a:t>
+            </a:r>
+            <a:r>
+              <a:rPr lang="en-US" altLang="zh-TW" sz="4000" b="1" dirty="0" smtClean="0">
+                <a:latin typeface="微軟正黑體" panose="020B0604030504040204" pitchFamily="34" charset="-120"/>
+                <a:ea typeface="微軟正黑體" panose="020B0604030504040204" pitchFamily="34" charset="-120"/>
+              </a:rPr>
+              <a:t>(Object)</a:t>
+            </a:r>
+            <a:endParaRPr lang="zh-TW" altLang="en-US" sz="4000" b="1" dirty="0">
+              <a:latin typeface="微軟正黑體" panose="020B0604030504040204" pitchFamily="34" charset="-120"/>
+              <a:ea typeface="微軟正黑體" panose="020B0604030504040204" pitchFamily="34" charset="-120"/>
+            </a:endParaRPr>
+          </a:p>
+        </p:txBody>
+      </p:sp>
+      <p:sp>
+        <p:nvSpPr>
+          <p:cNvPr id="7" name="投影片編號版面配置區 6"/>
+          <p:cNvSpPr>
+            <a:spLocks noGrp="1"/>
+          </p:cNvSpPr>
+          <p:nvPr>
+            <p:ph type="sldNum" sz="quarter" idx="12"/>
+          </p:nvPr>
+        </p:nvSpPr>
+        <p:spPr/>
+        <p:txBody>
+          <a:bodyPr/>
+          <a:lstStyle/>
+          <a:p>
+            <a:fld id="{40239712-B949-4373-B1C1-D7AF2BF342BE}" type="slidenum">
+              <a:rPr lang="zh-TW" altLang="en-US" smtClean="0"/>
+              <a:t>14</a:t>
+            </a:fld>
+            <a:endParaRPr lang="zh-TW" altLang="en-US"/>
+          </a:p>
+        </p:txBody>
+      </p:sp>
+      <p:pic>
+        <p:nvPicPr>
+          <p:cNvPr id="5" name="圖片 4"/>
+          <p:cNvPicPr>
+            <a:picLocks noChangeAspect="1"/>
+          </p:cNvPicPr>
+          <p:nvPr/>
+        </p:nvPicPr>
+        <p:blipFill>
+          <a:blip r:embed="rId2"/>
+          <a:stretch>
+            <a:fillRect/>
+          </a:stretch>
+        </p:blipFill>
+        <p:spPr>
+          <a:xfrm>
+            <a:off x="242506" y="2195893"/>
+            <a:ext cx="11725275" cy="3362325"/>
+          </a:xfrm>
+          <a:prstGeom prst="rect">
+            <a:avLst/>
+          </a:prstGeom>
+        </p:spPr>
+      </p:pic>
+    </p:spTree>
+    <p:extLst>
+      <p:ext uri="{BB962C8B-B14F-4D97-AF65-F5344CB8AC3E}">
+        <p14:creationId xmlns:p14="http://schemas.microsoft.com/office/powerpoint/2010/main" val="792099014"/>
+      </p:ext>
+    </p:extLst>
+  </p:cSld>
+  <p:clrMapOvr>
+    <a:masterClrMapping/>
+  </p:clrMapOvr>
+</p:sld>
+</file>
+
+<file path=ppt/slides/slide15.xml><?xml version="1.0" encoding="utf-8"?>
+<p:sld xmlns:a="http://schemas.openxmlformats.org/drawingml/2006/main" xmlns:r="http://schemas.openxmlformats.org/officeDocument/2006/relationships" xmlns:p="http://schemas.openxmlformats.org/presentationml/2006/main">
+  <p:cSld>
+    <p:spTree>
+      <p:nvGrpSpPr>
+        <p:cNvPr id="1" name=""/>
+        <p:cNvGrpSpPr/>
+        <p:nvPr/>
+      </p:nvGrpSpPr>
+      <p:grpSpPr>
+        <a:xfrm>
+          <a:off x="0" y="0"/>
+          <a:ext cx="0" cy="0"/>
+          <a:chOff x="0" y="0"/>
+          <a:chExt cx="0" cy="0"/>
+        </a:xfrm>
+      </p:grpSpPr>
+      <p:sp>
+        <p:nvSpPr>
+          <p:cNvPr id="4" name="標題 3"/>
+          <p:cNvSpPr>
+            <a:spLocks noGrp="1"/>
+          </p:cNvSpPr>
+          <p:nvPr>
+            <p:ph type="title"/>
+          </p:nvPr>
+        </p:nvSpPr>
+        <p:spPr/>
+        <p:txBody>
+          <a:bodyPr>
+            <a:normAutofit/>
+          </a:bodyPr>
+          <a:lstStyle/>
+          <a:p>
+            <a:pPr algn="ctr"/>
+            <a:r>
+              <a:rPr lang="zh-TW" altLang="en-US" sz="4000" b="1" dirty="0">
+                <a:latin typeface="微軟正黑體" panose="020B0604030504040204" pitchFamily="34" charset="-120"/>
+                <a:ea typeface="微軟正黑體" panose="020B0604030504040204" pitchFamily="34" charset="-120"/>
+              </a:rPr>
+              <a:t>使用物件的</a:t>
+            </a:r>
+            <a:r>
+              <a:rPr lang="zh-TW" altLang="en-US" sz="4000" b="1" dirty="0" smtClean="0">
+                <a:latin typeface="微軟正黑體" panose="020B0604030504040204" pitchFamily="34" charset="-120"/>
+                <a:ea typeface="微軟正黑體" panose="020B0604030504040204" pitchFamily="34" charset="-120"/>
+              </a:rPr>
+              <a:t>屬性</a:t>
+            </a:r>
+            <a:r>
+              <a:rPr lang="en-US" altLang="zh-TW" sz="4000" b="1" dirty="0" smtClean="0">
+                <a:latin typeface="微軟正黑體" panose="020B0604030504040204" pitchFamily="34" charset="-120"/>
+                <a:ea typeface="微軟正黑體" panose="020B0604030504040204" pitchFamily="34" charset="-120"/>
+              </a:rPr>
+              <a:t>(ATTRIBUTE)</a:t>
+            </a:r>
+            <a:endParaRPr lang="zh-TW" altLang="en-US" sz="4000" b="1" dirty="0">
+              <a:latin typeface="微軟正黑體" panose="020B0604030504040204" pitchFamily="34" charset="-120"/>
+              <a:ea typeface="微軟正黑體" panose="020B0604030504040204" pitchFamily="34" charset="-120"/>
+            </a:endParaRPr>
+          </a:p>
+        </p:txBody>
+      </p:sp>
+      <p:sp>
+        <p:nvSpPr>
+          <p:cNvPr id="7" name="投影片編號版面配置區 6"/>
+          <p:cNvSpPr>
+            <a:spLocks noGrp="1"/>
+          </p:cNvSpPr>
+          <p:nvPr>
+            <p:ph type="sldNum" sz="quarter" idx="12"/>
+          </p:nvPr>
+        </p:nvSpPr>
+        <p:spPr/>
+        <p:txBody>
+          <a:bodyPr/>
+          <a:lstStyle/>
+          <a:p>
+            <a:fld id="{40239712-B949-4373-B1C1-D7AF2BF342BE}" type="slidenum">
+              <a:rPr lang="zh-TW" altLang="en-US" smtClean="0"/>
+              <a:t>15</a:t>
+            </a:fld>
+            <a:endParaRPr lang="zh-TW" altLang="en-US"/>
+          </a:p>
+        </p:txBody>
+      </p:sp>
+      <p:pic>
+        <p:nvPicPr>
+          <p:cNvPr id="2" name="圖片 1"/>
+          <p:cNvPicPr>
+            <a:picLocks noChangeAspect="1"/>
+          </p:cNvPicPr>
+          <p:nvPr/>
+        </p:nvPicPr>
+        <p:blipFill>
+          <a:blip r:embed="rId2"/>
+          <a:stretch>
+            <a:fillRect/>
+          </a:stretch>
+        </p:blipFill>
+        <p:spPr>
+          <a:xfrm>
+            <a:off x="1696489" y="2028871"/>
+            <a:ext cx="8845154" cy="3878700"/>
+          </a:xfrm>
+          <a:prstGeom prst="rect">
+            <a:avLst/>
+          </a:prstGeom>
+        </p:spPr>
+      </p:pic>
+      <p:pic>
+        <p:nvPicPr>
+          <p:cNvPr id="3" name="圖片 2"/>
+          <p:cNvPicPr>
+            <a:picLocks noChangeAspect="1"/>
+          </p:cNvPicPr>
+          <p:nvPr/>
+        </p:nvPicPr>
+        <p:blipFill rotWithShape="1">
+          <a:blip r:embed="rId3"/>
+          <a:srcRect l="58100" t="72094" r="36968" b="19298"/>
+          <a:stretch/>
+        </p:blipFill>
+        <p:spPr>
+          <a:xfrm>
+            <a:off x="4443367" y="4919197"/>
+            <a:ext cx="3075816" cy="1677710"/>
+          </a:xfrm>
+          <a:prstGeom prst="rect">
+            <a:avLst/>
+          </a:prstGeom>
+          <a:ln w="38100" cap="sq">
+            <a:solidFill>
+              <a:srgbClr val="000000"/>
+            </a:solidFill>
+            <a:prstDash val="solid"/>
+            <a:miter lim="800000"/>
+          </a:ln>
+          <a:effectLst>
+            <a:outerShdw blurRad="50800" dist="38100" dir="2700000" algn="tl" rotWithShape="0">
+              <a:srgbClr val="000000">
+                <a:alpha val="43000"/>
+              </a:srgbClr>
+            </a:outerShdw>
+          </a:effectLst>
+        </p:spPr>
+      </p:pic>
+      <p:sp>
+        <p:nvSpPr>
+          <p:cNvPr id="6" name="文字方塊 5"/>
+          <p:cNvSpPr txBox="1"/>
+          <p:nvPr/>
+        </p:nvSpPr>
+        <p:spPr>
+          <a:xfrm>
+            <a:off x="5327608" y="4719142"/>
+            <a:ext cx="617028" cy="400110"/>
+          </a:xfrm>
+          <a:prstGeom prst="rect">
+            <a:avLst/>
+          </a:prstGeom>
+          <a:ln w="38100"/>
+        </p:spPr>
+        <p:style>
+          <a:lnRef idx="2">
+            <a:schemeClr val="accent1"/>
+          </a:lnRef>
+          <a:fillRef idx="1">
+            <a:schemeClr val="lt1"/>
+          </a:fillRef>
+          <a:effectRef idx="0">
+            <a:schemeClr val="accent1"/>
+          </a:effectRef>
+          <a:fontRef idx="minor">
+            <a:schemeClr val="dk1"/>
+          </a:fontRef>
+        </p:style>
+        <p:txBody>
+          <a:bodyPr wrap="none" rtlCol="0">
+            <a:spAutoFit/>
+          </a:bodyPr>
+          <a:lstStyle/>
+          <a:p>
+            <a:r>
+              <a:rPr lang="en-US" altLang="zh-TW" sz="2000" b="1" dirty="0" smtClean="0">
+                <a:solidFill>
+                  <a:schemeClr val="accent2">
+                    <a:lumMod val="75000"/>
+                  </a:schemeClr>
+                </a:solidFill>
+                <a:latin typeface="微軟正黑體" panose="020B0604030504040204" pitchFamily="34" charset="-120"/>
+                <a:ea typeface="微軟正黑體" panose="020B0604030504040204" pitchFamily="34" charset="-120"/>
+              </a:rPr>
+              <a:t>Tab</a:t>
+            </a:r>
+            <a:endParaRPr lang="zh-TW" altLang="en-US" sz="2000" b="1" dirty="0">
+              <a:solidFill>
+                <a:schemeClr val="accent2">
+                  <a:lumMod val="75000"/>
+                </a:schemeClr>
+              </a:solidFill>
+              <a:latin typeface="微軟正黑體" panose="020B0604030504040204" pitchFamily="34" charset="-120"/>
+              <a:ea typeface="微軟正黑體" panose="020B0604030504040204" pitchFamily="34" charset="-120"/>
+            </a:endParaRPr>
+          </a:p>
+        </p:txBody>
+      </p:sp>
+    </p:spTree>
+    <p:extLst>
+      <p:ext uri="{BB962C8B-B14F-4D97-AF65-F5344CB8AC3E}">
+        <p14:creationId xmlns:p14="http://schemas.microsoft.com/office/powerpoint/2010/main" val="1097988101"/>
+      </p:ext>
+    </p:extLst>
+  </p:cSld>
+  <p:clrMapOvr>
+    <a:masterClrMapping/>
+  </p:clrMapOvr>
+</p:sld>
+</file>
+
+<file path=ppt/slides/slide16.xml><?xml version="1.0" encoding="utf-8"?>
+<p:sld xmlns:a="http://schemas.openxmlformats.org/drawingml/2006/main" xmlns:r="http://schemas.openxmlformats.org/officeDocument/2006/relationships" xmlns:p="http://schemas.openxmlformats.org/presentationml/2006/main">
+  <p:cSld>
+    <p:spTree>
+      <p:nvGrpSpPr>
+        <p:cNvPr id="1" name=""/>
+        <p:cNvGrpSpPr/>
+        <p:nvPr/>
+      </p:nvGrpSpPr>
+      <p:grpSpPr>
+        <a:xfrm>
+          <a:off x="0" y="0"/>
+          <a:ext cx="0" cy="0"/>
+          <a:chOff x="0" y="0"/>
+          <a:chExt cx="0" cy="0"/>
+        </a:xfrm>
+      </p:grpSpPr>
+      <p:sp>
+        <p:nvSpPr>
+          <p:cNvPr id="4" name="標題 3"/>
+          <p:cNvSpPr>
+            <a:spLocks noGrp="1"/>
+          </p:cNvSpPr>
+          <p:nvPr>
+            <p:ph type="title"/>
+          </p:nvPr>
+        </p:nvSpPr>
+        <p:spPr/>
+        <p:txBody>
+          <a:bodyPr>
+            <a:normAutofit/>
+          </a:bodyPr>
+          <a:lstStyle/>
+          <a:p>
+            <a:pPr algn="ctr"/>
+            <a:r>
+              <a:rPr lang="zh-TW" altLang="en-US" sz="4000" b="1" dirty="0">
+                <a:latin typeface="微軟正黑體" panose="020B0604030504040204" pitchFamily="34" charset="-120"/>
+                <a:ea typeface="微軟正黑體" panose="020B0604030504040204" pitchFamily="34" charset="-120"/>
+              </a:rPr>
+              <a:t>使用物件的</a:t>
+            </a:r>
+            <a:r>
+              <a:rPr lang="zh-TW" altLang="en-US" sz="4000" b="1" dirty="0" smtClean="0">
+                <a:latin typeface="微軟正黑體" panose="020B0604030504040204" pitchFamily="34" charset="-120"/>
+                <a:ea typeface="微軟正黑體" panose="020B0604030504040204" pitchFamily="34" charset="-120"/>
+              </a:rPr>
+              <a:t>屬性</a:t>
+            </a:r>
+            <a:r>
+              <a:rPr lang="en-US" altLang="zh-TW" sz="4000" b="1" dirty="0" smtClean="0">
+                <a:latin typeface="微軟正黑體" panose="020B0604030504040204" pitchFamily="34" charset="-120"/>
+                <a:ea typeface="微軟正黑體" panose="020B0604030504040204" pitchFamily="34" charset="-120"/>
+              </a:rPr>
+              <a:t>(ATTRIBUTE)</a:t>
+            </a:r>
+            <a:endParaRPr lang="zh-TW" altLang="en-US" sz="4000" b="1" dirty="0">
+              <a:latin typeface="微軟正黑體" panose="020B0604030504040204" pitchFamily="34" charset="-120"/>
+              <a:ea typeface="微軟正黑體" panose="020B0604030504040204" pitchFamily="34" charset="-120"/>
+            </a:endParaRPr>
+          </a:p>
+        </p:txBody>
+      </p:sp>
+      <p:sp>
+        <p:nvSpPr>
+          <p:cNvPr id="7" name="投影片編號版面配置區 6"/>
+          <p:cNvSpPr>
+            <a:spLocks noGrp="1"/>
+          </p:cNvSpPr>
+          <p:nvPr>
+            <p:ph type="sldNum" sz="quarter" idx="12"/>
+          </p:nvPr>
+        </p:nvSpPr>
+        <p:spPr/>
+        <p:txBody>
+          <a:bodyPr/>
+          <a:lstStyle/>
+          <a:p>
+            <a:fld id="{40239712-B949-4373-B1C1-D7AF2BF342BE}" type="slidenum">
+              <a:rPr lang="zh-TW" altLang="en-US" smtClean="0"/>
+              <a:t>16</a:t>
+            </a:fld>
+            <a:endParaRPr lang="zh-TW" altLang="en-US"/>
+          </a:p>
+        </p:txBody>
+      </p:sp>
+      <p:pic>
+        <p:nvPicPr>
+          <p:cNvPr id="5" name="圖片 4"/>
+          <p:cNvPicPr>
+            <a:picLocks noChangeAspect="1"/>
+          </p:cNvPicPr>
+          <p:nvPr/>
+        </p:nvPicPr>
+        <p:blipFill>
+          <a:blip r:embed="rId2"/>
+          <a:stretch>
+            <a:fillRect/>
+          </a:stretch>
+        </p:blipFill>
+        <p:spPr>
+          <a:xfrm>
+            <a:off x="1727820" y="1798243"/>
+            <a:ext cx="1828800" cy="4867275"/>
+          </a:xfrm>
+          <a:prstGeom prst="rect">
+            <a:avLst/>
+          </a:prstGeom>
+        </p:spPr>
+      </p:pic>
+      <p:pic>
+        <p:nvPicPr>
+          <p:cNvPr id="8" name="圖片 7"/>
+          <p:cNvPicPr>
+            <a:picLocks noChangeAspect="1"/>
+          </p:cNvPicPr>
+          <p:nvPr/>
+        </p:nvPicPr>
+        <p:blipFill>
+          <a:blip r:embed="rId3"/>
+          <a:stretch>
+            <a:fillRect/>
+          </a:stretch>
+        </p:blipFill>
+        <p:spPr>
+          <a:xfrm>
+            <a:off x="3950208" y="2065867"/>
+            <a:ext cx="5922264" cy="4332027"/>
+          </a:xfrm>
+          <a:prstGeom prst="rect">
+            <a:avLst/>
+          </a:prstGeom>
+        </p:spPr>
+      </p:pic>
+      <p:sp>
+        <p:nvSpPr>
+          <p:cNvPr id="9" name="矩形 8"/>
+          <p:cNvSpPr/>
+          <p:nvPr/>
+        </p:nvSpPr>
+        <p:spPr>
+          <a:xfrm>
+            <a:off x="4023360" y="5952744"/>
+            <a:ext cx="832104" cy="295656"/>
+          </a:xfrm>
+          <a:prstGeom prst="rect">
+            <a:avLst/>
+          </a:prstGeom>
+          <a:noFill/>
+          <a:ln w="38100">
+            <a:solidFill>
+              <a:schemeClr val="accent1"/>
+            </a:solidFill>
+          </a:ln>
+        </p:spPr>
+        <p:style>
+          <a:lnRef idx="2">
+            <a:schemeClr val="accent1">
+              <a:shade val="50000"/>
+            </a:schemeClr>
+          </a:lnRef>
+          <a:fillRef idx="1">
+            <a:schemeClr val="accent1"/>
+          </a:fillRef>
+          <a:effectRef idx="0">
+            <a:schemeClr val="accent1"/>
+          </a:effectRef>
+          <a:fontRef idx="minor">
+            <a:schemeClr val="lt1"/>
+          </a:fontRef>
+        </p:style>
+        <p:txBody>
+          <a:bodyPr rtlCol="0" anchor="ctr"/>
+          <a:lstStyle/>
+          <a:p>
+            <a:pPr algn="ctr"/>
+            <a:endParaRPr lang="zh-TW" altLang="en-US"/>
+          </a:p>
+        </p:txBody>
+      </p:sp>
+    </p:spTree>
+    <p:extLst>
+      <p:ext uri="{BB962C8B-B14F-4D97-AF65-F5344CB8AC3E}">
+        <p14:creationId xmlns:p14="http://schemas.microsoft.com/office/powerpoint/2010/main" val="3773573324"/>
+      </p:ext>
+    </p:extLst>
+  </p:cSld>
+  <p:clrMapOvr>
+    <a:masterClrMapping/>
+  </p:clrMapOvr>
+</p:sld>
+</file>
+
+<file path=ppt/slides/slide17.xml><?xml version="1.0" encoding="utf-8"?>
+<p:sld xmlns:a="http://schemas.openxmlformats.org/drawingml/2006/main" xmlns:r="http://schemas.openxmlformats.org/officeDocument/2006/relationships" xmlns:p="http://schemas.openxmlformats.org/presentationml/2006/main">
+  <p:cSld>
+    <p:spTree>
+      <p:nvGrpSpPr>
+        <p:cNvPr id="1" name=""/>
+        <p:cNvGrpSpPr/>
+        <p:nvPr/>
+      </p:nvGrpSpPr>
+      <p:grpSpPr>
+        <a:xfrm>
+          <a:off x="0" y="0"/>
+          <a:ext cx="0" cy="0"/>
+          <a:chOff x="0" y="0"/>
+          <a:chExt cx="0" cy="0"/>
+        </a:xfrm>
+      </p:grpSpPr>
+      <p:sp>
+        <p:nvSpPr>
+          <p:cNvPr id="4" name="標題 3"/>
+          <p:cNvSpPr>
+            <a:spLocks noGrp="1"/>
+          </p:cNvSpPr>
+          <p:nvPr>
+            <p:ph type="title"/>
+          </p:nvPr>
+        </p:nvSpPr>
+        <p:spPr/>
+        <p:txBody>
+          <a:bodyPr>
+            <a:normAutofit/>
+          </a:bodyPr>
+          <a:lstStyle/>
+          <a:p>
+            <a:pPr algn="ctr"/>
+            <a:r>
+              <a:rPr lang="zh-TW" altLang="en-US" sz="4000" b="1" dirty="0">
+                <a:latin typeface="微軟正黑體" panose="020B0604030504040204" pitchFamily="34" charset="-120"/>
+                <a:ea typeface="微軟正黑體" panose="020B0604030504040204" pitchFamily="34" charset="-120"/>
+              </a:rPr>
+              <a:t>定義方法（</a:t>
+            </a:r>
+            <a:r>
+              <a:rPr lang="en-US" altLang="zh-TW" sz="4000" b="1" dirty="0">
+                <a:latin typeface="微軟正黑體" panose="020B0604030504040204" pitchFamily="34" charset="-120"/>
+                <a:ea typeface="微軟正黑體" panose="020B0604030504040204" pitchFamily="34" charset="-120"/>
+              </a:rPr>
+              <a:t>Method</a:t>
+            </a:r>
+            <a:r>
+              <a:rPr lang="zh-TW" altLang="en-US" sz="4000" b="1" dirty="0">
+                <a:latin typeface="微軟正黑體" panose="020B0604030504040204" pitchFamily="34" charset="-120"/>
+                <a:ea typeface="微軟正黑體" panose="020B0604030504040204" pitchFamily="34" charset="-120"/>
+              </a:rPr>
+              <a:t>）</a:t>
+            </a:r>
+            <a:endParaRPr lang="zh-TW" altLang="en-US" sz="4000" b="1" dirty="0">
+              <a:latin typeface="微軟正黑體" panose="020B0604030504040204" pitchFamily="34" charset="-120"/>
+              <a:ea typeface="微軟正黑體" panose="020B0604030504040204" pitchFamily="34" charset="-120"/>
+            </a:endParaRPr>
+          </a:p>
+        </p:txBody>
+      </p:sp>
+      <p:sp>
+        <p:nvSpPr>
+          <p:cNvPr id="7" name="投影片編號版面配置區 6"/>
+          <p:cNvSpPr>
+            <a:spLocks noGrp="1"/>
+          </p:cNvSpPr>
+          <p:nvPr>
+            <p:ph type="sldNum" sz="quarter" idx="12"/>
+          </p:nvPr>
+        </p:nvSpPr>
+        <p:spPr/>
+        <p:txBody>
+          <a:bodyPr/>
+          <a:lstStyle/>
+          <a:p>
+            <a:fld id="{40239712-B949-4373-B1C1-D7AF2BF342BE}" type="slidenum">
+              <a:rPr lang="zh-TW" altLang="en-US" smtClean="0"/>
+              <a:t>17</a:t>
+            </a:fld>
+            <a:endParaRPr lang="zh-TW" altLang="en-US"/>
+          </a:p>
+        </p:txBody>
+      </p:sp>
+      <p:pic>
+        <p:nvPicPr>
+          <p:cNvPr id="3" name="圖片 2"/>
+          <p:cNvPicPr>
+            <a:picLocks noChangeAspect="1"/>
+          </p:cNvPicPr>
+          <p:nvPr/>
+        </p:nvPicPr>
+        <p:blipFill>
+          <a:blip r:embed="rId2"/>
+          <a:stretch>
+            <a:fillRect/>
+          </a:stretch>
+        </p:blipFill>
+        <p:spPr>
+          <a:xfrm>
+            <a:off x="2165699" y="1868058"/>
+            <a:ext cx="6799898" cy="4759929"/>
+          </a:xfrm>
+          <a:prstGeom prst="rect">
+            <a:avLst/>
+          </a:prstGeom>
+        </p:spPr>
+      </p:pic>
+    </p:spTree>
+    <p:extLst>
+      <p:ext uri="{BB962C8B-B14F-4D97-AF65-F5344CB8AC3E}">
+        <p14:creationId xmlns:p14="http://schemas.microsoft.com/office/powerpoint/2010/main" val="1227250937"/>
+      </p:ext>
+    </p:extLst>
+  </p:cSld>
+  <p:clrMapOvr>
+    <a:masterClrMapping/>
+  </p:clrMapOvr>
+</p:sld>
+</file>
+
+<file path=ppt/slides/slide18.xml><?xml version="1.0" encoding="utf-8"?>
+<p:sld xmlns:a="http://schemas.openxmlformats.org/drawingml/2006/main" xmlns:r="http://schemas.openxmlformats.org/officeDocument/2006/relationships" xmlns:p="http://schemas.openxmlformats.org/presentationml/2006/main">
+  <p:cSld>
+    <p:spTree>
+      <p:nvGrpSpPr>
+        <p:cNvPr id="1" name=""/>
+        <p:cNvGrpSpPr/>
+        <p:nvPr/>
+      </p:nvGrpSpPr>
+      <p:grpSpPr>
+        <a:xfrm>
+          <a:off x="0" y="0"/>
+          <a:ext cx="0" cy="0"/>
+          <a:chOff x="0" y="0"/>
+          <a:chExt cx="0" cy="0"/>
+        </a:xfrm>
+      </p:grpSpPr>
+      <p:sp>
+        <p:nvSpPr>
+          <p:cNvPr id="4" name="標題 3"/>
+          <p:cNvSpPr>
+            <a:spLocks noGrp="1"/>
+          </p:cNvSpPr>
+          <p:nvPr>
+            <p:ph type="title"/>
+          </p:nvPr>
+        </p:nvSpPr>
+        <p:spPr/>
+        <p:txBody>
+          <a:bodyPr>
+            <a:normAutofit/>
+          </a:bodyPr>
+          <a:lstStyle/>
+          <a:p>
+            <a:pPr algn="ctr"/>
+            <a:r>
+              <a:rPr lang="zh-TW" altLang="en-US" sz="4000" b="1" dirty="0">
+                <a:latin typeface="微軟正黑體" panose="020B0604030504040204" pitchFamily="34" charset="-120"/>
+                <a:ea typeface="微軟正黑體" panose="020B0604030504040204" pitchFamily="34" charset="-120"/>
+              </a:rPr>
+              <a:t>繼承（</a:t>
+            </a:r>
+            <a:r>
+              <a:rPr lang="en-US" altLang="zh-TW" sz="4000" b="1" dirty="0">
+                <a:latin typeface="微軟正黑體" panose="020B0604030504040204" pitchFamily="34" charset="-120"/>
+                <a:ea typeface="微軟正黑體" panose="020B0604030504040204" pitchFamily="34" charset="-120"/>
+              </a:rPr>
+              <a:t>Inheritance</a:t>
+            </a:r>
+            <a:r>
+              <a:rPr lang="zh-TW" altLang="en-US" sz="4000" b="1" dirty="0">
+                <a:latin typeface="微軟正黑體" panose="020B0604030504040204" pitchFamily="34" charset="-120"/>
+                <a:ea typeface="微軟正黑體" panose="020B0604030504040204" pitchFamily="34" charset="-120"/>
+              </a:rPr>
+              <a:t>）</a:t>
+            </a:r>
+            <a:endParaRPr lang="zh-TW" altLang="en-US" sz="4000" b="1" dirty="0">
+              <a:latin typeface="微軟正黑體" panose="020B0604030504040204" pitchFamily="34" charset="-120"/>
+              <a:ea typeface="微軟正黑體" panose="020B0604030504040204" pitchFamily="34" charset="-120"/>
+            </a:endParaRPr>
+          </a:p>
+        </p:txBody>
+      </p:sp>
+      <p:sp>
+        <p:nvSpPr>
+          <p:cNvPr id="7" name="投影片編號版面配置區 6"/>
+          <p:cNvSpPr>
+            <a:spLocks noGrp="1"/>
+          </p:cNvSpPr>
+          <p:nvPr>
+            <p:ph type="sldNum" sz="quarter" idx="12"/>
+          </p:nvPr>
+        </p:nvSpPr>
+        <p:spPr/>
+        <p:txBody>
+          <a:bodyPr/>
+          <a:lstStyle/>
+          <a:p>
+            <a:fld id="{40239712-B949-4373-B1C1-D7AF2BF342BE}" type="slidenum">
+              <a:rPr lang="zh-TW" altLang="en-US" smtClean="0"/>
+              <a:t>18</a:t>
+            </a:fld>
+            <a:endParaRPr lang="zh-TW" altLang="en-US"/>
+          </a:p>
+        </p:txBody>
+      </p:sp>
+      <p:pic>
+        <p:nvPicPr>
+          <p:cNvPr id="5" name="圖片 4"/>
+          <p:cNvPicPr>
+            <a:picLocks noChangeAspect="1"/>
+          </p:cNvPicPr>
+          <p:nvPr/>
+        </p:nvPicPr>
+        <p:blipFill>
+          <a:blip r:embed="rId2"/>
+          <a:stretch>
+            <a:fillRect/>
+          </a:stretch>
+        </p:blipFill>
+        <p:spPr>
+          <a:xfrm>
+            <a:off x="2584450" y="1824228"/>
+            <a:ext cx="6334125" cy="4800600"/>
+          </a:xfrm>
+          <a:prstGeom prst="rect">
+            <a:avLst/>
+          </a:prstGeom>
+        </p:spPr>
+      </p:pic>
+    </p:spTree>
+    <p:extLst>
+      <p:ext uri="{BB962C8B-B14F-4D97-AF65-F5344CB8AC3E}">
+        <p14:creationId xmlns:p14="http://schemas.microsoft.com/office/powerpoint/2010/main" val="3115717836"/>
+      </p:ext>
+    </p:extLst>
+  </p:cSld>
+  <p:clrMapOvr>
+    <a:masterClrMapping/>
+  </p:clrMapOvr>
+</p:sld>
+</file>
+
+<file path=ppt/slides/slide19.xml><?xml version="1.0" encoding="utf-8"?>
+<p:sld xmlns:a="http://schemas.openxmlformats.org/drawingml/2006/main" xmlns:r="http://schemas.openxmlformats.org/officeDocument/2006/relationships" xmlns:p="http://schemas.openxmlformats.org/presentationml/2006/main">
+  <p:cSld>
+    <p:spTree>
+      <p:nvGrpSpPr>
+        <p:cNvPr id="1" name=""/>
+        <p:cNvGrpSpPr/>
+        <p:nvPr/>
+      </p:nvGrpSpPr>
+      <p:grpSpPr>
+        <a:xfrm>
+          <a:off x="0" y="0"/>
+          <a:ext cx="0" cy="0"/>
+          <a:chOff x="0" y="0"/>
+          <a:chExt cx="0" cy="0"/>
+        </a:xfrm>
+      </p:grpSpPr>
+      <p:sp>
+        <p:nvSpPr>
+          <p:cNvPr id="4" name="標題 3"/>
+          <p:cNvSpPr>
+            <a:spLocks noGrp="1"/>
+          </p:cNvSpPr>
+          <p:nvPr>
+            <p:ph type="title"/>
+          </p:nvPr>
+        </p:nvSpPr>
+        <p:spPr/>
+        <p:txBody>
+          <a:bodyPr>
+            <a:normAutofit/>
+          </a:bodyPr>
+          <a:lstStyle/>
+          <a:p>
+            <a:pPr algn="ctr"/>
+            <a:r>
+              <a:rPr lang="zh-TW" altLang="en-US" sz="4000" b="1" dirty="0">
+                <a:latin typeface="微軟正黑體" panose="020B0604030504040204" pitchFamily="34" charset="-120"/>
+                <a:ea typeface="微軟正黑體" panose="020B0604030504040204" pitchFamily="34" charset="-120"/>
+              </a:rPr>
+              <a:t>在繼承時使用 </a:t>
+            </a:r>
+            <a:r>
+              <a:rPr lang="en-US" altLang="zh-TW" sz="4000" b="1" dirty="0">
+                <a:latin typeface="微軟正黑體" panose="020B0604030504040204" pitchFamily="34" charset="-120"/>
+                <a:ea typeface="微軟正黑體" panose="020B0604030504040204" pitchFamily="34" charset="-120"/>
+              </a:rPr>
+              <a:t>super()</a:t>
+            </a:r>
+            <a:endParaRPr lang="zh-TW" altLang="en-US" sz="4000" b="1" dirty="0">
+              <a:latin typeface="微軟正黑體" panose="020B0604030504040204" pitchFamily="34" charset="-120"/>
+              <a:ea typeface="微軟正黑體" panose="020B0604030504040204" pitchFamily="34" charset="-120"/>
+            </a:endParaRPr>
+          </a:p>
+        </p:txBody>
+      </p:sp>
+      <p:sp>
+        <p:nvSpPr>
+          <p:cNvPr id="7" name="投影片編號版面配置區 6"/>
+          <p:cNvSpPr>
+            <a:spLocks noGrp="1"/>
+          </p:cNvSpPr>
+          <p:nvPr>
+            <p:ph type="sldNum" sz="quarter" idx="12"/>
+          </p:nvPr>
+        </p:nvSpPr>
+        <p:spPr/>
+        <p:txBody>
+          <a:bodyPr/>
+          <a:lstStyle/>
+          <a:p>
+            <a:fld id="{40239712-B949-4373-B1C1-D7AF2BF342BE}" type="slidenum">
+              <a:rPr lang="zh-TW" altLang="en-US" smtClean="0"/>
+              <a:t>19</a:t>
+            </a:fld>
+            <a:endParaRPr lang="zh-TW" altLang="en-US"/>
+          </a:p>
+        </p:txBody>
+      </p:sp>
+      <p:pic>
+        <p:nvPicPr>
+          <p:cNvPr id="3" name="圖片 2"/>
+          <p:cNvPicPr>
+            <a:picLocks noChangeAspect="1"/>
+          </p:cNvPicPr>
+          <p:nvPr/>
+        </p:nvPicPr>
+        <p:blipFill>
+          <a:blip r:embed="rId2"/>
+          <a:stretch>
+            <a:fillRect/>
+          </a:stretch>
+        </p:blipFill>
+        <p:spPr>
+          <a:xfrm>
+            <a:off x="2932113" y="1919859"/>
+            <a:ext cx="5638800" cy="4591050"/>
+          </a:xfrm>
+          <a:prstGeom prst="rect">
+            <a:avLst/>
+          </a:prstGeom>
+        </p:spPr>
+      </p:pic>
+    </p:spTree>
+    <p:extLst>
+      <p:ext uri="{BB962C8B-B14F-4D97-AF65-F5344CB8AC3E}">
+        <p14:creationId xmlns:p14="http://schemas.microsoft.com/office/powerpoint/2010/main" val="52869212"/>
       </p:ext>
     </p:extLst>
   </p:cSld>
@@ -6598,6 +7923,117 @@
       </p:grpSpPr>
       <p:sp>
         <p:nvSpPr>
+          <p:cNvPr id="5" name="標題 4"/>
+          <p:cNvSpPr>
+            <a:spLocks noGrp="1"/>
+          </p:cNvSpPr>
+          <p:nvPr>
+            <p:ph type="title"/>
+          </p:nvPr>
+        </p:nvSpPr>
+        <p:spPr/>
+        <p:txBody>
+          <a:bodyPr/>
+          <a:lstStyle/>
+          <a:p>
+            <a:r>
+              <a:rPr lang="en-US" altLang="zh-TW" b="1" dirty="0" smtClean="0">
+                <a:solidFill>
+                  <a:srgbClr val="FFFF00"/>
+                </a:solidFill>
+                <a:latin typeface="微軟正黑體" panose="020B0604030504040204" pitchFamily="34" charset="-120"/>
+                <a:ea typeface="微軟正黑體" panose="020B0604030504040204" pitchFamily="34" charset="-120"/>
+              </a:rPr>
+              <a:t>Python</a:t>
+            </a:r>
+            <a:r>
+              <a:rPr lang="zh-TW" altLang="en-US" b="1" dirty="0" smtClean="0">
+                <a:latin typeface="微軟正黑體" panose="020B0604030504040204" pitchFamily="34" charset="-120"/>
+                <a:ea typeface="微軟正黑體" panose="020B0604030504040204" pitchFamily="34" charset="-120"/>
+              </a:rPr>
+              <a:t> 是大量使用物件導向概念的語言</a:t>
+            </a:r>
+            <a:endParaRPr lang="zh-TW" altLang="en-US" b="1" dirty="0">
+              <a:latin typeface="微軟正黑體" panose="020B0604030504040204" pitchFamily="34" charset="-120"/>
+              <a:ea typeface="微軟正黑體" panose="020B0604030504040204" pitchFamily="34" charset="-120"/>
+            </a:endParaRPr>
+          </a:p>
+        </p:txBody>
+      </p:sp>
+      <p:sp>
+        <p:nvSpPr>
+          <p:cNvPr id="6" name="文字版面配置區 5"/>
+          <p:cNvSpPr>
+            <a:spLocks noGrp="1"/>
+          </p:cNvSpPr>
+          <p:nvPr>
+            <p:ph type="body" idx="1"/>
+          </p:nvPr>
+        </p:nvSpPr>
+        <p:spPr/>
+        <p:txBody>
+          <a:bodyPr/>
+          <a:lstStyle/>
+          <a:p>
+            <a:endParaRPr lang="zh-TW" altLang="en-US"/>
+          </a:p>
+        </p:txBody>
+      </p:sp>
+      <p:sp>
+        <p:nvSpPr>
+          <p:cNvPr id="4" name="投影片編號版面配置區 3"/>
+          <p:cNvSpPr>
+            <a:spLocks noGrp="1"/>
+          </p:cNvSpPr>
+          <p:nvPr>
+            <p:ph type="sldNum" sz="quarter" idx="12"/>
+          </p:nvPr>
+        </p:nvSpPr>
+        <p:spPr/>
+        <p:txBody>
+          <a:bodyPr/>
+          <a:lstStyle/>
+          <a:p>
+            <a:fld id="{40239712-B949-4373-B1C1-D7AF2BF342BE}" type="slidenum">
+              <a:rPr lang="zh-TW" altLang="en-US" smtClean="0"/>
+              <a:t>2</a:t>
+            </a:fld>
+            <a:endParaRPr lang="zh-TW" altLang="en-US"/>
+          </a:p>
+        </p:txBody>
+      </p:sp>
+    </p:spTree>
+    <p:extLst>
+      <p:ext uri="{BB962C8B-B14F-4D97-AF65-F5344CB8AC3E}">
+        <p14:creationId xmlns:p14="http://schemas.microsoft.com/office/powerpoint/2010/main" val="1559921521"/>
+      </p:ext>
+    </p:extLst>
+  </p:cSld>
+  <p:clrMapOvr>
+    <a:masterClrMapping/>
+  </p:clrMapOvr>
+</p:sld>
+</file>
+
+<file path=ppt/slides/slide20.xml><?xml version="1.0" encoding="utf-8"?>
+<p:sld xmlns:a="http://schemas.openxmlformats.org/drawingml/2006/main" xmlns:r="http://schemas.openxmlformats.org/officeDocument/2006/relationships" xmlns:p="http://schemas.openxmlformats.org/presentationml/2006/main">
+  <p:cSld>
+    <p:spTree>
+      <p:nvGrpSpPr>
+        <p:cNvPr id="1" name=""/>
+        <p:cNvGrpSpPr/>
+        <p:nvPr/>
+      </p:nvGrpSpPr>
+      <p:grpSpPr>
+        <a:xfrm>
+          <a:off x="0" y="0"/>
+          <a:ext cx="0" cy="0"/>
+          <a:chOff x="0" y="0"/>
+          <a:chExt cx="0" cy="0"/>
+        </a:xfrm>
+      </p:grpSpPr>
+      <p:sp>
+        <p:nvSpPr>
           <p:cNvPr id="4" name="標題 3"/>
           <p:cNvSpPr>
             <a:spLocks noGrp="1"/>
@@ -6615,11 +8051,25 @@
           <a:p>
             <a:pPr algn="ctr"/>
             <a:r>
-              <a:rPr lang="zh-TW" altLang="en-US" sz="4000" b="1" dirty="0" smtClean="0">
-                <a:latin typeface="微軟正黑體" panose="020B0604030504040204" pitchFamily="34" charset="-120"/>
-                <a:ea typeface="微軟正黑體" panose="020B0604030504040204" pitchFamily="34" charset="-120"/>
-              </a:rPr>
-              <a:t>大綱</a:t>
+              <a:rPr lang="zh-TW" altLang="en-US" sz="4000" b="1" dirty="0">
+                <a:latin typeface="微軟正黑體" panose="020B0604030504040204" pitchFamily="34" charset="-120"/>
+                <a:ea typeface="微軟正黑體" panose="020B0604030504040204" pitchFamily="34" charset="-120"/>
+              </a:rPr>
+              <a:t>在繼承時改寫方法（</a:t>
+            </a:r>
+            <a:r>
+              <a:rPr lang="en-US" altLang="zh-TW" sz="4000" b="1" dirty="0">
+                <a:latin typeface="微軟正黑體" panose="020B0604030504040204" pitchFamily="34" charset="-120"/>
+                <a:ea typeface="微軟正黑體" panose="020B0604030504040204" pitchFamily="34" charset="-120"/>
+              </a:rPr>
+              <a:t>Override</a:t>
+            </a:r>
+            <a:r>
+              <a:rPr lang="zh-TW" altLang="en-US" sz="4000" b="1" dirty="0">
+                <a:latin typeface="微軟正黑體" panose="020B0604030504040204" pitchFamily="34" charset="-120"/>
+                <a:ea typeface="微軟正黑體" panose="020B0604030504040204" pitchFamily="34" charset="-120"/>
+              </a:rPr>
+              <a:t>）</a:t>
             </a:r>
             <a:endParaRPr lang="zh-TW" altLang="en-US" sz="4000" b="1" dirty="0">
               <a:latin typeface="微軟正黑體" panose="020B0604030504040204" pitchFamily="34" charset="-120"/>
@@ -6630,236 +8080,132 @@
       </p:sp>
       <p:sp>
         <p:nvSpPr>
-          <p:cNvPr id="5" name="內容版面配置區 4"/>
-          <p:cNvSpPr>
-            <a:spLocks noGrp="1"/>
-          </p:cNvSpPr>
-          <p:nvPr>
-            <p:ph idx="1"/>
-          </p:nvPr>
-        </p:nvSpPr>
+          <p:cNvPr id="7" name="投影片編號版面配置區 6"/>
+          <p:cNvSpPr>
+            <a:spLocks noGrp="1"/>
+          </p:cNvSpPr>
+          <p:nvPr>
+            <p:ph type="sldNum" sz="quarter" idx="12"/>
+          </p:nvPr>
+        </p:nvSpPr>
+        <p:spPr/>
+        <p:txBody>
+          <a:bodyPr/>
+          <a:lstStyle/>
+          <a:p>
+            <a:fld id="{40239712-B949-4373-B1C1-D7AF2BF342BE}" type="slidenum">
+              <a:rPr lang="zh-TW" altLang="en-US" smtClean="0"/>
+              <a:t>20</a:t>
+            </a:fld>
+            <a:endParaRPr lang="zh-TW" altLang="en-US"/>
+          </a:p>
+        </p:txBody>
+      </p:sp>
+      <p:pic>
+        <p:nvPicPr>
+          <p:cNvPr id="2" name="圖片 1"/>
+          <p:cNvPicPr>
+            <a:picLocks noChangeAspect="1"/>
+          </p:cNvPicPr>
+          <p:nvPr/>
+        </p:nvPicPr>
+        <p:blipFill>
+          <a:blip r:embed="rId2"/>
+          <a:stretch>
+            <a:fillRect/>
+          </a:stretch>
+        </p:blipFill>
         <p:spPr>
           <a:xfrm>
-            <a:off x="4334256" y="2142067"/>
-            <a:ext cx="6482970" cy="3649133"/>
+            <a:off x="2595274" y="1994120"/>
+            <a:ext cx="6312477" cy="4693227"/>
           </a:xfrm>
+          <a:prstGeom prst="rect">
+            <a:avLst/>
+          </a:prstGeom>
         </p:spPr>
-        <p:txBody>
-          <a:bodyPr>
-            <a:normAutofit/>
-          </a:bodyPr>
-          <a:lstStyle/>
-          <a:p>
-            <a:pPr marL="342900" indent="-342900">
-              <a:buFont typeface="+mj-lt"/>
-              <a:buAutoNum type="arabicPeriod"/>
-            </a:pPr>
-            <a:r>
-              <a:rPr lang="zh-TW" altLang="en-US" sz="2000" dirty="0" smtClean="0">
-                <a:latin typeface="微軟正黑體" panose="020B0604030504040204" pitchFamily="34" charset="-120"/>
-                <a:ea typeface="微軟正黑體" panose="020B0604030504040204" pitchFamily="34" charset="-120"/>
-              </a:rPr>
-              <a:t>程序導向與物件導向</a:t>
-            </a:r>
-            <a:endParaRPr lang="en-US" altLang="zh-TW" sz="2000" dirty="0" smtClean="0">
+      </p:pic>
+    </p:spTree>
+    <p:extLst>
+      <p:ext uri="{BB962C8B-B14F-4D97-AF65-F5344CB8AC3E}">
+        <p14:creationId xmlns:p14="http://schemas.microsoft.com/office/powerpoint/2010/main" val="169852488"/>
+      </p:ext>
+    </p:extLst>
+  </p:cSld>
+  <p:clrMapOvr>
+    <a:masterClrMapping/>
+  </p:clrMapOvr>
+</p:sld>
+</file>
+
+<file path=ppt/slides/slide21.xml><?xml version="1.0" encoding="utf-8"?>
+<p:sld xmlns:a="http://schemas.openxmlformats.org/drawingml/2006/main" xmlns:r="http://schemas.openxmlformats.org/officeDocument/2006/relationships" xmlns:p="http://schemas.openxmlformats.org/presentationml/2006/main">
+  <p:cSld>
+    <p:spTree>
+      <p:nvGrpSpPr>
+        <p:cNvPr id="1" name=""/>
+        <p:cNvGrpSpPr/>
+        <p:nvPr/>
+      </p:nvGrpSpPr>
+      <p:grpSpPr>
+        <a:xfrm>
+          <a:off x="0" y="0"/>
+          <a:ext cx="0" cy="0"/>
+          <a:chOff x="0" y="0"/>
+          <a:chExt cx="0" cy="0"/>
+        </a:xfrm>
+      </p:grpSpPr>
+      <p:sp>
+        <p:nvSpPr>
+          <p:cNvPr id="5" name="標題 4"/>
+          <p:cNvSpPr>
+            <a:spLocks noGrp="1"/>
+          </p:cNvSpPr>
+          <p:nvPr>
+            <p:ph type="ctrTitle"/>
+          </p:nvPr>
+        </p:nvSpPr>
+        <p:spPr/>
+        <p:txBody>
+          <a:bodyPr/>
+          <a:lstStyle/>
+          <a:p>
+            <a:r>
+              <a:rPr lang="en-US" altLang="zh-TW" b="1" dirty="0" smtClean="0">
+                <a:latin typeface="微軟正黑體" panose="020B0604030504040204" pitchFamily="34" charset="-120"/>
+                <a:ea typeface="微軟正黑體" panose="020B0604030504040204" pitchFamily="34" charset="-120"/>
+              </a:rPr>
+              <a:t>Thank you</a:t>
+            </a:r>
+            <a:endParaRPr lang="zh-TW" altLang="en-US" b="1" dirty="0">
               <a:latin typeface="微軟正黑體" panose="020B0604030504040204" pitchFamily="34" charset="-120"/>
               <a:ea typeface="微軟正黑體" panose="020B0604030504040204" pitchFamily="34" charset="-120"/>
             </a:endParaRPr>
           </a:p>
-          <a:p>
-            <a:pPr marL="342900" indent="-342900">
-              <a:buFont typeface="+mj-lt"/>
-              <a:buAutoNum type="arabicPeriod"/>
-            </a:pPr>
-            <a:r>
-              <a:rPr lang="en-US" altLang="zh-TW" sz="2000" dirty="0" smtClean="0">
-                <a:latin typeface="微軟正黑體" panose="020B0604030504040204" pitchFamily="34" charset="-120"/>
-                <a:ea typeface="微軟正黑體" panose="020B0604030504040204" pitchFamily="34" charset="-120"/>
-              </a:rPr>
-              <a:t>Python</a:t>
-            </a:r>
-            <a:r>
-              <a:rPr lang="zh-TW" altLang="en-US" sz="2000" dirty="0" smtClean="0">
-                <a:latin typeface="微軟正黑體" panose="020B0604030504040204" pitchFamily="34" charset="-120"/>
-                <a:ea typeface="微軟正黑體" panose="020B0604030504040204" pitchFamily="34" charset="-120"/>
-              </a:rPr>
-              <a:t>的物件導向</a:t>
-            </a:r>
-            <a:endParaRPr lang="en-US" altLang="zh-TW" sz="2000" dirty="0" smtClean="0">
-              <a:latin typeface="微軟正黑體" panose="020B0604030504040204" pitchFamily="34" charset="-120"/>
-              <a:ea typeface="微軟正黑體" panose="020B0604030504040204" pitchFamily="34" charset="-120"/>
-            </a:endParaRPr>
-          </a:p>
-          <a:p>
-            <a:pPr marL="342900" indent="-342900">
-              <a:buFont typeface="+mj-lt"/>
-              <a:buAutoNum type="arabicPeriod"/>
-            </a:pPr>
-            <a:r>
-              <a:rPr lang="zh-TW" altLang="en-US" sz="2000" dirty="0" smtClean="0">
-                <a:latin typeface="微軟正黑體" panose="020B0604030504040204" pitchFamily="34" charset="-120"/>
-                <a:ea typeface="微軟正黑體" panose="020B0604030504040204" pitchFamily="34" charset="-120"/>
-              </a:rPr>
-              <a:t>建立類</a:t>
-            </a:r>
-            <a:endParaRPr lang="en-US" altLang="zh-TW" sz="2000" dirty="0" smtClean="0">
-              <a:latin typeface="微軟正黑體" panose="020B0604030504040204" pitchFamily="34" charset="-120"/>
-              <a:ea typeface="微軟正黑體" panose="020B0604030504040204" pitchFamily="34" charset="-120"/>
-            </a:endParaRPr>
-          </a:p>
-          <a:p>
-            <a:pPr marL="342900" indent="-342900">
-              <a:buFont typeface="+mj-lt"/>
-              <a:buAutoNum type="arabicPeriod"/>
-            </a:pPr>
-            <a:r>
-              <a:rPr lang="en-US" altLang="zh-TW" sz="2000" dirty="0" smtClean="0">
-                <a:latin typeface="微軟正黑體" panose="020B0604030504040204" pitchFamily="34" charset="-120"/>
-                <a:ea typeface="微軟正黑體" panose="020B0604030504040204" pitchFamily="34" charset="-120"/>
-              </a:rPr>
-              <a:t>Self</a:t>
-            </a:r>
-            <a:r>
-              <a:rPr lang="zh-TW" altLang="en-US" sz="2000" dirty="0" smtClean="0">
-                <a:latin typeface="微軟正黑體" panose="020B0604030504040204" pitchFamily="34" charset="-120"/>
-                <a:ea typeface="微軟正黑體" panose="020B0604030504040204" pitchFamily="34" charset="-120"/>
-              </a:rPr>
-              <a:t>的重要性</a:t>
-            </a:r>
-            <a:endParaRPr lang="en-US" altLang="zh-TW" sz="2000" dirty="0" smtClean="0">
-              <a:latin typeface="微軟正黑體" panose="020B0604030504040204" pitchFamily="34" charset="-120"/>
-              <a:ea typeface="微軟正黑體" panose="020B0604030504040204" pitchFamily="34" charset="-120"/>
-            </a:endParaRPr>
-          </a:p>
-          <a:p>
-            <a:pPr marL="342900" indent="-342900">
-              <a:buFont typeface="+mj-lt"/>
-              <a:buAutoNum type="arabicPeriod"/>
-            </a:pPr>
-            <a:r>
-              <a:rPr lang="zh-TW" altLang="en-US" sz="2000" dirty="0" smtClean="0">
-                <a:latin typeface="微軟正黑體" panose="020B0604030504040204" pitchFamily="34" charset="-120"/>
-                <a:ea typeface="微軟正黑體" panose="020B0604030504040204" pitchFamily="34" charset="-120"/>
-              </a:rPr>
-              <a:t>理解建構函式</a:t>
-            </a:r>
-            <a:endParaRPr lang="en-US" altLang="zh-TW" sz="2000" dirty="0" smtClean="0">
-              <a:latin typeface="微軟正黑體" panose="020B0604030504040204" pitchFamily="34" charset="-120"/>
-              <a:ea typeface="微軟正黑體" panose="020B0604030504040204" pitchFamily="34" charset="-120"/>
-            </a:endParaRPr>
-          </a:p>
-          <a:p>
-            <a:pPr marL="342900" indent="-342900">
-              <a:buFont typeface="+mj-lt"/>
-              <a:buAutoNum type="arabicPeriod"/>
-            </a:pPr>
-            <a:r>
-              <a:rPr lang="zh-TW" altLang="en-US" sz="2000" dirty="0" smtClean="0">
-                <a:latin typeface="微軟正黑體" panose="020B0604030504040204" pitchFamily="34" charset="-120"/>
-                <a:ea typeface="微軟正黑體" panose="020B0604030504040204" pitchFamily="34" charset="-120"/>
-              </a:rPr>
-              <a:t>通過</a:t>
-            </a:r>
-            <a:r>
-              <a:rPr lang="en-US" altLang="zh-TW" sz="2000" dirty="0" smtClean="0">
-                <a:latin typeface="微軟正黑體" panose="020B0604030504040204" pitchFamily="34" charset="-120"/>
-                <a:ea typeface="微軟正黑體" panose="020B0604030504040204" pitchFamily="34" charset="-120"/>
-              </a:rPr>
-              <a:t>type</a:t>
-            </a:r>
-            <a:r>
-              <a:rPr lang="zh-TW" altLang="en-US" sz="2000" dirty="0" smtClean="0">
-                <a:latin typeface="微軟正黑體" panose="020B0604030504040204" pitchFamily="34" charset="-120"/>
-                <a:ea typeface="微軟正黑體" panose="020B0604030504040204" pitchFamily="34" charset="-120"/>
-              </a:rPr>
-              <a:t>類建立物件</a:t>
-            </a:r>
-            <a:endParaRPr lang="en-US" altLang="zh-TW" sz="2000" dirty="0" smtClean="0">
-              <a:latin typeface="微軟正黑體" panose="020B0604030504040204" pitchFamily="34" charset="-120"/>
-              <a:ea typeface="微軟正黑體" panose="020B0604030504040204" pitchFamily="34" charset="-120"/>
-            </a:endParaRPr>
-          </a:p>
-          <a:p>
-            <a:pPr marL="342900" indent="-342900">
-              <a:buFont typeface="+mj-lt"/>
-              <a:buAutoNum type="arabicPeriod"/>
-            </a:pPr>
-            <a:r>
-              <a:rPr lang="en-US" altLang="zh-TW" sz="2000" dirty="0" smtClean="0">
-                <a:latin typeface="微軟正黑體" panose="020B0604030504040204" pitchFamily="34" charset="-120"/>
-                <a:ea typeface="微軟正黑體" panose="020B0604030504040204" pitchFamily="34" charset="-120"/>
-              </a:rPr>
-              <a:t>_new_</a:t>
-            </a:r>
-            <a:r>
-              <a:rPr lang="zh-TW" altLang="en-US" sz="2000" dirty="0" smtClean="0">
-                <a:latin typeface="微軟正黑體" panose="020B0604030504040204" pitchFamily="34" charset="-120"/>
-                <a:ea typeface="微軟正黑體" panose="020B0604030504040204" pitchFamily="34" charset="-120"/>
-              </a:rPr>
-              <a:t> 和 </a:t>
-            </a:r>
-            <a:r>
-              <a:rPr lang="en-US" altLang="zh-TW" sz="2000" dirty="0" smtClean="0">
-                <a:latin typeface="微軟正黑體" panose="020B0604030504040204" pitchFamily="34" charset="-120"/>
-                <a:ea typeface="微軟正黑體" panose="020B0604030504040204" pitchFamily="34" charset="-120"/>
-              </a:rPr>
-              <a:t>_</a:t>
-            </a:r>
-            <a:r>
-              <a:rPr lang="en-US" altLang="zh-TW" sz="2000" dirty="0" err="1" smtClean="0">
-                <a:latin typeface="微軟正黑體" panose="020B0604030504040204" pitchFamily="34" charset="-120"/>
-                <a:ea typeface="微軟正黑體" panose="020B0604030504040204" pitchFamily="34" charset="-120"/>
-              </a:rPr>
-              <a:t>init</a:t>
-            </a:r>
-            <a:r>
-              <a:rPr lang="zh-TW" altLang="en-US" sz="2000" dirty="0" smtClean="0">
-                <a:latin typeface="微軟正黑體" panose="020B0604030504040204" pitchFamily="34" charset="-120"/>
-                <a:ea typeface="微軟正黑體" panose="020B0604030504040204" pitchFamily="34" charset="-120"/>
-              </a:rPr>
-              <a:t> </a:t>
-            </a:r>
-            <a:r>
-              <a:rPr lang="zh-TW" altLang="en-US" sz="2000" dirty="0">
-                <a:latin typeface="微軟正黑體" panose="020B0604030504040204" pitchFamily="34" charset="-120"/>
-                <a:ea typeface="微軟正黑體" panose="020B0604030504040204" pitchFamily="34" charset="-120"/>
-              </a:rPr>
-              <a:t>的</a:t>
-            </a:r>
-            <a:r>
-              <a:rPr lang="zh-TW" altLang="en-US" sz="2000" dirty="0" smtClean="0">
-                <a:latin typeface="微軟正黑體" panose="020B0604030504040204" pitchFamily="34" charset="-120"/>
-                <a:ea typeface="微軟正黑體" panose="020B0604030504040204" pitchFamily="34" charset="-120"/>
-              </a:rPr>
-              <a:t>區別</a:t>
-            </a:r>
-            <a:endParaRPr lang="en-US" altLang="zh-TW" sz="2000" dirty="0" smtClean="0">
-              <a:latin typeface="微軟正黑體" panose="020B0604030504040204" pitchFamily="34" charset="-120"/>
-              <a:ea typeface="微軟正黑體" panose="020B0604030504040204" pitchFamily="34" charset="-120"/>
-            </a:endParaRPr>
-          </a:p>
-          <a:p>
-            <a:pPr marL="342900" indent="-342900">
-              <a:buFont typeface="+mj-lt"/>
-              <a:buAutoNum type="arabicPeriod"/>
-            </a:pPr>
-            <a:r>
-              <a:rPr lang="zh-TW" altLang="en-US" sz="2000" dirty="0" smtClean="0">
-                <a:latin typeface="微軟正黑體" panose="020B0604030504040204" pitchFamily="34" charset="-120"/>
-                <a:ea typeface="微軟正黑體" panose="020B0604030504040204" pitchFamily="34" charset="-120"/>
-              </a:rPr>
-              <a:t>類變數和例項變數</a:t>
-            </a:r>
-            <a:endParaRPr lang="zh-TW" altLang="en-US" sz="2000" dirty="0">
-              <a:latin typeface="微軟正黑體" panose="020B0604030504040204" pitchFamily="34" charset="-120"/>
-              <a:ea typeface="微軟正黑體" panose="020B0604030504040204" pitchFamily="34" charset="-120"/>
-            </a:endParaRPr>
-          </a:p>
-        </p:txBody>
-      </p:sp>
-      <p:sp>
-        <p:nvSpPr>
-          <p:cNvPr id="7" name="投影片編號版面配置區 6"/>
+        </p:txBody>
+      </p:sp>
+      <p:sp>
+        <p:nvSpPr>
+          <p:cNvPr id="6" name="副標題 5"/>
+          <p:cNvSpPr>
+            <a:spLocks noGrp="1"/>
+          </p:cNvSpPr>
+          <p:nvPr>
+            <p:ph type="subTitle" idx="1"/>
+          </p:nvPr>
+        </p:nvSpPr>
+        <p:spPr/>
+        <p:txBody>
+          <a:bodyPr/>
+          <a:lstStyle/>
+          <a:p>
+            <a:endParaRPr lang="zh-TW" altLang="en-US"/>
+          </a:p>
+        </p:txBody>
+      </p:sp>
+      <p:sp>
+        <p:nvSpPr>
+          <p:cNvPr id="4" name="投影片編號版面配置區 3"/>
           <p:cNvSpPr>
             <a:spLocks noGrp="1"/>
           </p:cNvSpPr>
@@ -6874,7 +8220,7 @@
           <a:p>
             <a:fld id="{40239712-B949-4373-B1C1-D7AF2BF342BE}" type="slidenum">
               <a:rPr lang="zh-TW" altLang="en-US" smtClean="0"/>
-              <a:t>2</a:t>
+              <a:t>21</a:t>
             </a:fld>
             <a:endParaRPr lang="zh-TW" altLang="en-US"/>
           </a:p>
@@ -6883,7 +8229,7 @@
     </p:spTree>
     <p:extLst>
       <p:ext uri="{BB962C8B-B14F-4D97-AF65-F5344CB8AC3E}">
-        <p14:creationId xmlns:p14="http://schemas.microsoft.com/office/powerpoint/2010/main" val="3464751735"/>
+        <p14:creationId xmlns:p14="http://schemas.microsoft.com/office/powerpoint/2010/main" val="3623437115"/>
       </p:ext>
     </p:extLst>
   </p:cSld>
@@ -6912,7 +8258,7 @@
       </p:grpSpPr>
       <p:sp>
         <p:nvSpPr>
-          <p:cNvPr id="4" name="標題 3"/>
+          <p:cNvPr id="5" name="標題 4"/>
           <p:cNvSpPr>
             <a:spLocks noGrp="1"/>
           </p:cNvSpPr>
@@ -6933,9 +8279,53 @@
                 <a:latin typeface="微軟正黑體" panose="020B0604030504040204" pitchFamily="34" charset="-120"/>
                 <a:ea typeface="微軟正黑體" panose="020B0604030504040204" pitchFamily="34" charset="-120"/>
               </a:rPr>
-              <a:t>程序導向與物件導向</a:t>
+              <a:t>從 </a:t>
+            </a:r>
+            <a:r>
+              <a:rPr lang="en-US" altLang="zh-TW" sz="4000" b="1" dirty="0" smtClean="0">
+                <a:latin typeface="微軟正黑體" panose="020B0604030504040204" pitchFamily="34" charset="-120"/>
+                <a:ea typeface="微軟正黑體" panose="020B0604030504040204" pitchFamily="34" charset="-120"/>
+              </a:rPr>
+              <a:t>Data Frame</a:t>
+            </a:r>
+            <a:r>
+              <a:rPr lang="zh-TW" altLang="en-US" sz="4000" b="1" dirty="0" smtClean="0">
+                <a:latin typeface="微軟正黑體" panose="020B0604030504040204" pitchFamily="34" charset="-120"/>
+                <a:ea typeface="微軟正黑體" panose="020B0604030504040204" pitchFamily="34" charset="-120"/>
+              </a:rPr>
+              <a:t> 了解</a:t>
+            </a:r>
+            <a:r>
+              <a:rPr lang="zh-TW" altLang="en-US" sz="4000" b="1" dirty="0" smtClean="0">
+                <a:solidFill>
+                  <a:srgbClr val="FFFF00"/>
+                </a:solidFill>
+                <a:latin typeface="微軟正黑體" panose="020B0604030504040204" pitchFamily="34" charset="-120"/>
+                <a:ea typeface="微軟正黑體" panose="020B0604030504040204" pitchFamily="34" charset="-120"/>
+              </a:rPr>
+              <a:t>屬性</a:t>
+            </a:r>
+            <a:r>
+              <a:rPr lang="zh-TW" altLang="en-US" sz="4000" b="1" dirty="0" smtClean="0">
+                <a:latin typeface="微軟正黑體" panose="020B0604030504040204" pitchFamily="34" charset="-120"/>
+                <a:ea typeface="微軟正黑體" panose="020B0604030504040204" pitchFamily="34" charset="-120"/>
+              </a:rPr>
+              <a:t>與</a:t>
+            </a:r>
+            <a:r>
+              <a:rPr lang="zh-TW" altLang="en-US" sz="4000" b="1" dirty="0" smtClean="0">
+                <a:solidFill>
+                  <a:srgbClr val="FFFF00"/>
+                </a:solidFill>
+                <a:latin typeface="微軟正黑體" panose="020B0604030504040204" pitchFamily="34" charset="-120"/>
+                <a:ea typeface="微軟正黑體" panose="020B0604030504040204" pitchFamily="34" charset="-120"/>
+              </a:rPr>
+              <a:t>方法</a:t>
             </a:r>
             <a:endParaRPr lang="zh-TW" altLang="en-US" sz="4000" b="1" dirty="0">
+              <a:solidFill>
+                <a:srgbClr val="FFFF00"/>
+              </a:solidFill>
               <a:latin typeface="微軟正黑體" panose="020B0604030504040204" pitchFamily="34" charset="-120"/>
               <a:ea typeface="微軟正黑體" panose="020B0604030504040204" pitchFamily="34" charset="-120"/>
             </a:endParaRPr>
@@ -6944,136 +8334,7 @@
       </p:sp>
       <p:sp>
         <p:nvSpPr>
-          <p:cNvPr id="5" name="內容版面配置區 4"/>
-          <p:cNvSpPr>
-            <a:spLocks noGrp="1"/>
-          </p:cNvSpPr>
-          <p:nvPr>
-            <p:ph idx="1"/>
-          </p:nvPr>
-        </p:nvSpPr>
-        <p:spPr>
-          <a:xfrm>
-            <a:off x="1837944" y="2212849"/>
-            <a:ext cx="8211312" cy="3944112"/>
-          </a:xfrm>
-        </p:spPr>
-        <p:txBody>
-          <a:bodyPr>
-            <a:normAutofit lnSpcReduction="10000"/>
-          </a:bodyPr>
-          <a:lstStyle/>
-          <a:p>
-            <a:r>
-              <a:rPr lang="zh-TW" altLang="en-US" sz="2400" b="1" dirty="0">
-                <a:solidFill>
-                  <a:srgbClr val="FFFF00"/>
-                </a:solidFill>
-                <a:latin typeface="微軟正黑體" panose="020B0604030504040204" pitchFamily="34" charset="-120"/>
-                <a:ea typeface="微軟正黑體" panose="020B0604030504040204" pitchFamily="34" charset="-120"/>
-              </a:rPr>
-              <a:t>程序導向</a:t>
-            </a:r>
-            <a:r>
-              <a:rPr lang="zh-TW" altLang="en-US" sz="2400" dirty="0">
-                <a:latin typeface="微軟正黑體" panose="020B0604030504040204" pitchFamily="34" charset="-120"/>
-                <a:ea typeface="微軟正黑體" panose="020B0604030504040204" pitchFamily="34" charset="-120"/>
-              </a:rPr>
-              <a:t>的程式設計把函式作為程式的基本單元。程式設計時，編寫一組一組的函式，然後一步一步按照順序的執行各個函式。通常為了簡化程式，將大塊函式通過切割成小塊函式來降低系統的複雜度</a:t>
-            </a:r>
-            <a:r>
-              <a:rPr lang="zh-TW" altLang="en-US" sz="2400" dirty="0" smtClean="0">
-                <a:latin typeface="微軟正黑體" panose="020B0604030504040204" pitchFamily="34" charset="-120"/>
-                <a:ea typeface="微軟正黑體" panose="020B0604030504040204" pitchFamily="34" charset="-120"/>
-              </a:rPr>
-              <a:t>。</a:t>
-            </a:r>
-            <a:endParaRPr lang="en-US" altLang="zh-TW" sz="2400" dirty="0" smtClean="0">
-              <a:latin typeface="微軟正黑體" panose="020B0604030504040204" pitchFamily="34" charset="-120"/>
-              <a:ea typeface="微軟正黑體" panose="020B0604030504040204" pitchFamily="34" charset="-120"/>
-            </a:endParaRPr>
-          </a:p>
-          <a:p>
-            <a:endParaRPr lang="en-US" altLang="zh-TW" sz="2400" dirty="0">
-              <a:latin typeface="微軟正黑體" panose="020B0604030504040204" pitchFamily="34" charset="-120"/>
-              <a:ea typeface="微軟正黑體" panose="020B0604030504040204" pitchFamily="34" charset="-120"/>
-            </a:endParaRPr>
-          </a:p>
-          <a:p>
-            <a:r>
-              <a:rPr lang="zh-TW" altLang="en-US" sz="2400" b="1" dirty="0">
-                <a:solidFill>
-                  <a:srgbClr val="FFFF00"/>
-                </a:solidFill>
-                <a:latin typeface="微軟正黑體" panose="020B0604030504040204" pitchFamily="34" charset="-120"/>
-                <a:ea typeface="微軟正黑體" panose="020B0604030504040204" pitchFamily="34" charset="-120"/>
-              </a:rPr>
-              <a:t>物件</a:t>
-            </a:r>
-            <a:r>
-              <a:rPr lang="zh-TW" altLang="en-US" sz="2400" b="1" dirty="0" smtClean="0">
-                <a:solidFill>
-                  <a:srgbClr val="FFFF00"/>
-                </a:solidFill>
-                <a:latin typeface="微軟正黑體" panose="020B0604030504040204" pitchFamily="34" charset="-120"/>
-                <a:ea typeface="微軟正黑體" panose="020B0604030504040204" pitchFamily="34" charset="-120"/>
-              </a:rPr>
-              <a:t>導向</a:t>
-            </a:r>
-            <a:r>
-              <a:rPr lang="en-US" altLang="zh-TW" sz="2400" b="1" dirty="0">
-                <a:solidFill>
-                  <a:srgbClr val="FFFF00"/>
-                </a:solidFill>
-                <a:latin typeface="微軟正黑體" panose="020B0604030504040204" pitchFamily="34" charset="-120"/>
-                <a:ea typeface="微軟正黑體" panose="020B0604030504040204" pitchFamily="34" charset="-120"/>
-              </a:rPr>
-              <a:t>(Object-oriented </a:t>
-            </a:r>
-            <a:r>
-              <a:rPr lang="en-US" altLang="zh-TW" sz="2400" b="1" dirty="0" smtClean="0">
-                <a:solidFill>
-                  <a:srgbClr val="FFFF00"/>
-                </a:solidFill>
-                <a:latin typeface="微軟正黑體" panose="020B0604030504040204" pitchFamily="34" charset="-120"/>
-                <a:ea typeface="微軟正黑體" panose="020B0604030504040204" pitchFamily="34" charset="-120"/>
-              </a:rPr>
-              <a:t>programming, OOP)</a:t>
-            </a:r>
-            <a:r>
-              <a:rPr lang="zh-TW" altLang="en-US" sz="2400" dirty="0" smtClean="0">
-                <a:latin typeface="微軟正黑體" panose="020B0604030504040204" pitchFamily="34" charset="-120"/>
-                <a:ea typeface="微軟正黑體" panose="020B0604030504040204" pitchFamily="34" charset="-120"/>
-              </a:rPr>
-              <a:t>的</a:t>
-            </a:r>
-            <a:r>
-              <a:rPr lang="zh-TW" altLang="en-US" sz="2400" dirty="0">
-                <a:latin typeface="微軟正黑體" panose="020B0604030504040204" pitchFamily="34" charset="-120"/>
-                <a:ea typeface="微軟正黑體" panose="020B0604030504040204" pitchFamily="34" charset="-120"/>
-              </a:rPr>
-              <a:t>程式設計把物件作為程式的基本單元</a:t>
-            </a:r>
-            <a:r>
-              <a:rPr lang="zh-TW" altLang="en-US" sz="2400" dirty="0" smtClean="0">
-                <a:latin typeface="微軟正黑體" panose="020B0604030504040204" pitchFamily="34" charset="-120"/>
-                <a:ea typeface="微軟正黑體" panose="020B0604030504040204" pitchFamily="34" charset="-120"/>
-              </a:rPr>
-              <a:t>，以物件概念設計程式時，每</a:t>
-            </a:r>
-            <a:r>
-              <a:rPr lang="zh-TW" altLang="en-US" sz="2400" dirty="0">
-                <a:latin typeface="微軟正黑體" panose="020B0604030504040204" pitchFamily="34" charset="-120"/>
-                <a:ea typeface="微軟正黑體" panose="020B0604030504040204" pitchFamily="34" charset="-120"/>
-              </a:rPr>
-              <a:t>個物件都可以接收其他物件發過來的訊息，並處理這些訊息，計算機程式的執行就是一系列訊息在各個物件之間傳遞，各個物件呼叫相關的方法。</a:t>
-            </a:r>
-          </a:p>
-        </p:txBody>
-      </p:sp>
-      <p:sp>
-        <p:nvSpPr>
-          <p:cNvPr id="7" name="投影片編號版面配置區 6"/>
+          <p:cNvPr id="4" name="投影片編號版面配置區 3"/>
           <p:cNvSpPr>
             <a:spLocks noGrp="1"/>
           </p:cNvSpPr>
@@ -7094,10 +8355,34 @@
           </a:p>
         </p:txBody>
       </p:sp>
+      <p:pic>
+        <p:nvPicPr>
+          <p:cNvPr id="8" name="圖片 7"/>
+          <p:cNvPicPr>
+            <a:picLocks noChangeAspect="1"/>
+          </p:cNvPicPr>
+          <p:nvPr/>
+        </p:nvPicPr>
+        <p:blipFill>
+          <a:blip r:embed="rId2"/>
+          <a:stretch>
+            <a:fillRect/>
+          </a:stretch>
+        </p:blipFill>
+        <p:spPr>
+          <a:xfrm>
+            <a:off x="1833148" y="2065867"/>
+            <a:ext cx="7989005" cy="4118111"/>
+          </a:xfrm>
+          <a:prstGeom prst="rect">
+            <a:avLst/>
+          </a:prstGeom>
+        </p:spPr>
+      </p:pic>
     </p:spTree>
     <p:extLst>
       <p:ext uri="{BB962C8B-B14F-4D97-AF65-F5344CB8AC3E}">
-        <p14:creationId xmlns:p14="http://schemas.microsoft.com/office/powerpoint/2010/main" val="3827528238"/>
+        <p14:creationId xmlns:p14="http://schemas.microsoft.com/office/powerpoint/2010/main" val="949052975"/>
       </p:ext>
     </p:extLst>
   </p:cSld>
@@ -7143,18 +8428,11 @@
           <a:p>
             <a:pPr algn="ctr"/>
             <a:r>
-              <a:rPr lang="en-US" altLang="zh-TW" sz="4000" b="1" dirty="0" smtClean="0">
-                <a:latin typeface="微軟正黑體" panose="020B0604030504040204" pitchFamily="34" charset="-120"/>
-                <a:ea typeface="微軟正黑體" panose="020B0604030504040204" pitchFamily="34" charset="-120"/>
-              </a:rPr>
-              <a:t>Python</a:t>
-            </a:r>
-            <a:r>
               <a:rPr lang="zh-TW" altLang="en-US" sz="4000" b="1" dirty="0" smtClean="0">
                 <a:latin typeface="微軟正黑體" panose="020B0604030504040204" pitchFamily="34" charset="-120"/>
                 <a:ea typeface="微軟正黑體" panose="020B0604030504040204" pitchFamily="34" charset="-120"/>
               </a:rPr>
-              <a:t>的物件導向</a:t>
+              <a:t>大綱</a:t>
             </a:r>
             <a:endParaRPr lang="zh-TW" altLang="en-US" sz="4000" b="1" dirty="0">
               <a:latin typeface="微軟正黑體" panose="020B0604030504040204" pitchFamily="34" charset="-120"/>
@@ -7175,233 +8453,220 @@
         </p:nvSpPr>
         <p:spPr>
           <a:xfrm>
-            <a:off x="1837944" y="2212849"/>
-            <a:ext cx="8211312" cy="3944112"/>
+            <a:off x="4334256" y="2142067"/>
+            <a:ext cx="6482970" cy="3649133"/>
           </a:xfrm>
         </p:spPr>
         <p:txBody>
           <a:bodyPr>
-            <a:normAutofit fontScale="77500" lnSpcReduction="20000"/>
+            <a:normAutofit/>
           </a:bodyPr>
           <a:lstStyle/>
           <a:p>
-            <a:pPr algn="just"/>
-            <a:r>
-              <a:rPr lang="en-US" altLang="zh-TW" sz="2400" dirty="0">
-                <a:latin typeface="微軟正黑體" panose="020B0604030504040204" pitchFamily="34" charset="-120"/>
-                <a:ea typeface="微軟正黑體" panose="020B0604030504040204" pitchFamily="34" charset="-120"/>
-              </a:rPr>
-              <a:t>OOP</a:t>
-            </a:r>
-            <a:r>
-              <a:rPr lang="zh-TW" altLang="en-US" sz="2400" dirty="0">
-                <a:latin typeface="微軟正黑體" panose="020B0604030504040204" pitchFamily="34" charset="-120"/>
-                <a:ea typeface="微軟正黑體" panose="020B0604030504040204" pitchFamily="34" charset="-120"/>
-              </a:rPr>
-              <a:t>程式設計是利用“類”和“物件”來建立各種模型來實現對真實世界的描述，使用物件導向程式設計的原因一方面是因為它可以使程式的維護和擴充套件變得更簡單，並且可以大大提高程式開發效率 ，另外，基於物件導向的程式可以使它人更加容易理解你的程式碼邏輯，從而使團隊開發變得</a:t>
-            </a:r>
-            <a:r>
-              <a:rPr lang="zh-TW" altLang="en-US" sz="2400" dirty="0" smtClean="0">
-                <a:latin typeface="微軟正黑體" panose="020B0604030504040204" pitchFamily="34" charset="-120"/>
-                <a:ea typeface="微軟正黑體" panose="020B0604030504040204" pitchFamily="34" charset="-120"/>
-              </a:rPr>
-              <a:t>更</a:t>
-            </a:r>
-            <a:r>
-              <a:rPr lang="zh-TW" altLang="en-US" sz="2400" dirty="0">
-                <a:latin typeface="微軟正黑體" panose="020B0604030504040204" pitchFamily="34" charset="-120"/>
-                <a:ea typeface="微軟正黑體" panose="020B0604030504040204" pitchFamily="34" charset="-120"/>
-              </a:rPr>
-              <a:t>容易</a:t>
-            </a:r>
-            <a:r>
-              <a:rPr lang="zh-TW" altLang="en-US" sz="2400" dirty="0" smtClean="0">
-                <a:latin typeface="微軟正黑體" panose="020B0604030504040204" pitchFamily="34" charset="-120"/>
-                <a:ea typeface="微軟正黑體" panose="020B0604030504040204" pitchFamily="34" charset="-120"/>
-              </a:rPr>
-              <a:t>。</a:t>
-            </a:r>
-            <a:endParaRPr lang="en-US" altLang="zh-TW" sz="2400" dirty="0" smtClean="0">
+            <a:pPr marL="342900" indent="-342900">
+              <a:buFont typeface="+mj-lt"/>
+              <a:buAutoNum type="arabicPeriod"/>
+            </a:pPr>
+            <a:r>
+              <a:rPr lang="zh-TW" altLang="en-US" sz="2000" dirty="0" smtClean="0">
+                <a:latin typeface="微軟正黑體" panose="020B0604030504040204" pitchFamily="34" charset="-120"/>
+                <a:ea typeface="微軟正黑體" panose="020B0604030504040204" pitchFamily="34" charset="-120"/>
+              </a:rPr>
+              <a:t>程序導向與物件導向</a:t>
+            </a:r>
+            <a:endParaRPr lang="en-US" altLang="zh-TW" sz="2000" dirty="0" smtClean="0">
               <a:latin typeface="微軟正黑體" panose="020B0604030504040204" pitchFamily="34" charset="-120"/>
               <a:ea typeface="微軟正黑體" panose="020B0604030504040204" pitchFamily="34" charset="-120"/>
             </a:endParaRPr>
           </a:p>
           <a:p>
-            <a:pPr algn="just"/>
-            <a:endParaRPr lang="en-US" altLang="zh-TW" sz="2400" dirty="0">
+            <a:pPr marL="342900" indent="-342900">
+              <a:buFont typeface="+mj-lt"/>
+              <a:buAutoNum type="arabicPeriod"/>
+            </a:pPr>
+            <a:r>
+              <a:rPr lang="en-US" altLang="zh-TW" sz="2000" dirty="0" smtClean="0">
+                <a:latin typeface="微軟正黑體" panose="020B0604030504040204" pitchFamily="34" charset="-120"/>
+                <a:ea typeface="微軟正黑體" panose="020B0604030504040204" pitchFamily="34" charset="-120"/>
+              </a:rPr>
+              <a:t>Python</a:t>
+            </a:r>
+            <a:r>
+              <a:rPr lang="zh-TW" altLang="en-US" sz="2000" dirty="0" smtClean="0">
+                <a:latin typeface="微軟正黑體" panose="020B0604030504040204" pitchFamily="34" charset="-120"/>
+                <a:ea typeface="微軟正黑體" panose="020B0604030504040204" pitchFamily="34" charset="-120"/>
+              </a:rPr>
+              <a:t>的物件導向</a:t>
+            </a:r>
+            <a:endParaRPr lang="en-US" altLang="zh-TW" sz="2000" dirty="0" smtClean="0">
               <a:latin typeface="微軟正黑體" panose="020B0604030504040204" pitchFamily="34" charset="-120"/>
               <a:ea typeface="微軟正黑體" panose="020B0604030504040204" pitchFamily="34" charset="-120"/>
             </a:endParaRPr>
           </a:p>
           <a:p>
-            <a:pPr algn="just"/>
-            <a:r>
-              <a:rPr lang="zh-TW" altLang="en-US" sz="2400" b="1" dirty="0">
-                <a:latin typeface="微軟正黑體" panose="020B0604030504040204" pitchFamily="34" charset="-120"/>
-                <a:ea typeface="微軟正黑體" panose="020B0604030504040204" pitchFamily="34" charset="-120"/>
-              </a:rPr>
-              <a:t>物件導向的幾大核心</a:t>
-            </a:r>
-            <a:r>
-              <a:rPr lang="zh-TW" altLang="en-US" sz="2400" b="1" dirty="0" smtClean="0">
-                <a:latin typeface="微軟正黑體" panose="020B0604030504040204" pitchFamily="34" charset="-120"/>
-                <a:ea typeface="微軟正黑體" panose="020B0604030504040204" pitchFamily="34" charset="-120"/>
-              </a:rPr>
-              <a:t>特性</a:t>
-            </a:r>
-            <a:endParaRPr lang="zh-TW" altLang="en-US" sz="2400" b="1" dirty="0">
+            <a:pPr marL="342900" indent="-342900">
+              <a:buFont typeface="+mj-lt"/>
+              <a:buAutoNum type="arabicPeriod"/>
+            </a:pPr>
+            <a:r>
+              <a:rPr lang="zh-TW" altLang="en-US" sz="2000" dirty="0" smtClean="0">
+                <a:latin typeface="微軟正黑體" panose="020B0604030504040204" pitchFamily="34" charset="-120"/>
+                <a:ea typeface="微軟正黑體" panose="020B0604030504040204" pitchFamily="34" charset="-120"/>
+              </a:rPr>
+              <a:t>建立類</a:t>
+            </a:r>
+            <a:endParaRPr lang="en-US" altLang="zh-TW" sz="2000" dirty="0" smtClean="0">
               <a:latin typeface="微軟正黑體" panose="020B0604030504040204" pitchFamily="34" charset="-120"/>
               <a:ea typeface="微軟正黑體" panose="020B0604030504040204" pitchFamily="34" charset="-120"/>
             </a:endParaRPr>
           </a:p>
           <a:p>
-            <a:pPr marL="914400" lvl="1" indent="-457200" algn="just">
+            <a:pPr marL="342900" indent="-342900">
               <a:buFont typeface="+mj-lt"/>
               <a:buAutoNum type="arabicPeriod"/>
             </a:pPr>
             <a:r>
-              <a:rPr lang="en-US" altLang="zh-TW" sz="2200" b="1" dirty="0">
-                <a:solidFill>
-                  <a:srgbClr val="FFFF00"/>
-                </a:solidFill>
-                <a:latin typeface="微軟正黑體" panose="020B0604030504040204" pitchFamily="34" charset="-120"/>
-                <a:ea typeface="微軟正黑體" panose="020B0604030504040204" pitchFamily="34" charset="-120"/>
-              </a:rPr>
-              <a:t>Class </a:t>
-            </a:r>
-            <a:r>
-              <a:rPr lang="zh-TW" altLang="en-US" sz="2200" b="1" dirty="0">
-                <a:solidFill>
-                  <a:srgbClr val="FFFF00"/>
-                </a:solidFill>
-                <a:latin typeface="微軟正黑體" panose="020B0604030504040204" pitchFamily="34" charset="-120"/>
-                <a:ea typeface="微軟正黑體" panose="020B0604030504040204" pitchFamily="34" charset="-120"/>
-              </a:rPr>
-              <a:t>類</a:t>
-            </a:r>
-            <a:r>
-              <a:rPr lang="zh-TW" altLang="en-US" sz="2200" dirty="0">
-                <a:latin typeface="微軟正黑體" panose="020B0604030504040204" pitchFamily="34" charset="-120"/>
-                <a:ea typeface="微軟正黑體" panose="020B0604030504040204" pitchFamily="34" charset="-120"/>
-              </a:rPr>
-              <a:t>：一個類指相同事物相同特徵提取，把相同的屬性方法提煉出來定義在類中</a:t>
-            </a:r>
-          </a:p>
-          <a:p>
-            <a:pPr marL="914400" lvl="1" indent="-457200" algn="just">
+              <a:rPr lang="en-US" altLang="zh-TW" sz="2000" dirty="0" smtClean="0">
+                <a:latin typeface="微軟正黑體" panose="020B0604030504040204" pitchFamily="34" charset="-120"/>
+                <a:ea typeface="微軟正黑體" panose="020B0604030504040204" pitchFamily="34" charset="-120"/>
+              </a:rPr>
+              <a:t>Self</a:t>
+            </a:r>
+            <a:r>
+              <a:rPr lang="zh-TW" altLang="en-US" sz="2000" dirty="0" smtClean="0">
+                <a:latin typeface="微軟正黑體" panose="020B0604030504040204" pitchFamily="34" charset="-120"/>
+                <a:ea typeface="微軟正黑體" panose="020B0604030504040204" pitchFamily="34" charset="-120"/>
+              </a:rPr>
+              <a:t>的重要性</a:t>
+            </a:r>
+            <a:endParaRPr lang="en-US" altLang="zh-TW" sz="2000" dirty="0" smtClean="0">
+              <a:latin typeface="微軟正黑體" panose="020B0604030504040204" pitchFamily="34" charset="-120"/>
+              <a:ea typeface="微軟正黑體" panose="020B0604030504040204" pitchFamily="34" charset="-120"/>
+            </a:endParaRPr>
+          </a:p>
+          <a:p>
+            <a:pPr marL="342900" indent="-342900">
               <a:buFont typeface="+mj-lt"/>
               <a:buAutoNum type="arabicPeriod"/>
             </a:pPr>
             <a:r>
-              <a:rPr lang="en-US" altLang="zh-TW" sz="2200" b="1" dirty="0">
-                <a:solidFill>
-                  <a:srgbClr val="FFFF00"/>
-                </a:solidFill>
-                <a:latin typeface="微軟正黑體" panose="020B0604030504040204" pitchFamily="34" charset="-120"/>
-                <a:ea typeface="微軟正黑體" panose="020B0604030504040204" pitchFamily="34" charset="-120"/>
-              </a:rPr>
-              <a:t>Object </a:t>
-            </a:r>
-            <a:r>
-              <a:rPr lang="zh-TW" altLang="en-US" sz="2200" b="1" dirty="0">
-                <a:solidFill>
-                  <a:srgbClr val="FFFF00"/>
-                </a:solidFill>
-                <a:latin typeface="微軟正黑體" panose="020B0604030504040204" pitchFamily="34" charset="-120"/>
-                <a:ea typeface="微軟正黑體" panose="020B0604030504040204" pitchFamily="34" charset="-120"/>
-              </a:rPr>
-              <a:t>物件</a:t>
-            </a:r>
-            <a:r>
-              <a:rPr lang="zh-TW" altLang="en-US" sz="2200" dirty="0">
-                <a:latin typeface="微軟正黑體" panose="020B0604030504040204" pitchFamily="34" charset="-120"/>
-                <a:ea typeface="微軟正黑體" panose="020B0604030504040204" pitchFamily="34" charset="-120"/>
-              </a:rPr>
-              <a:t>：一個物件是類的例項，物件是具體的，類是抽象</a:t>
-            </a:r>
-          </a:p>
-          <a:p>
-            <a:pPr marL="914400" lvl="1" indent="-457200" algn="just">
+              <a:rPr lang="zh-TW" altLang="en-US" sz="2000" dirty="0" smtClean="0">
+                <a:latin typeface="微軟正黑體" panose="020B0604030504040204" pitchFamily="34" charset="-120"/>
+                <a:ea typeface="微軟正黑體" panose="020B0604030504040204" pitchFamily="34" charset="-120"/>
+              </a:rPr>
+              <a:t>理解建構函式</a:t>
+            </a:r>
+            <a:endParaRPr lang="en-US" altLang="zh-TW" sz="2000" dirty="0" smtClean="0">
+              <a:latin typeface="微軟正黑體" panose="020B0604030504040204" pitchFamily="34" charset="-120"/>
+              <a:ea typeface="微軟正黑體" panose="020B0604030504040204" pitchFamily="34" charset="-120"/>
+            </a:endParaRPr>
+          </a:p>
+          <a:p>
+            <a:pPr marL="342900" indent="-342900">
               <a:buFont typeface="+mj-lt"/>
               <a:buAutoNum type="arabicPeriod"/>
             </a:pPr>
             <a:r>
-              <a:rPr lang="zh-TW" altLang="en-US" sz="2200" b="1" dirty="0" smtClean="0">
-                <a:solidFill>
-                  <a:srgbClr val="FFFF00"/>
-                </a:solidFill>
-                <a:latin typeface="微軟正黑體" panose="020B0604030504040204" pitchFamily="34" charset="-120"/>
-                <a:ea typeface="微軟正黑體" panose="020B0604030504040204" pitchFamily="34" charset="-120"/>
-              </a:rPr>
-              <a:t>封裝</a:t>
-            </a:r>
-            <a:r>
-              <a:rPr lang="zh-TW" altLang="en-US" sz="2200" dirty="0">
-                <a:latin typeface="微軟正黑體" panose="020B0604030504040204" pitchFamily="34" charset="-120"/>
-                <a:ea typeface="微軟正黑體" panose="020B0604030504040204" pitchFamily="34" charset="-120"/>
-              </a:rPr>
-              <a:t>：</a:t>
-            </a:r>
-            <a:r>
-              <a:rPr lang="zh-TW" altLang="en-US" sz="2200" dirty="0" smtClean="0">
-                <a:latin typeface="微軟正黑體" panose="020B0604030504040204" pitchFamily="34" charset="-120"/>
-                <a:ea typeface="微軟正黑體" panose="020B0604030504040204" pitchFamily="34" charset="-120"/>
-              </a:rPr>
-              <a:t>對</a:t>
-            </a:r>
-            <a:r>
-              <a:rPr lang="zh-TW" altLang="en-US" sz="2200" dirty="0">
-                <a:latin typeface="微軟正黑體" panose="020B0604030504040204" pitchFamily="34" charset="-120"/>
-                <a:ea typeface="微軟正黑體" panose="020B0604030504040204" pitchFamily="34" charset="-120"/>
-              </a:rPr>
-              <a:t>外部世界隱藏物件的工作細節</a:t>
-            </a:r>
-          </a:p>
-          <a:p>
-            <a:pPr marL="914400" lvl="1" indent="-457200" algn="just">
+              <a:rPr lang="zh-TW" altLang="en-US" sz="2000" dirty="0" smtClean="0">
+                <a:latin typeface="微軟正黑體" panose="020B0604030504040204" pitchFamily="34" charset="-120"/>
+                <a:ea typeface="微軟正黑體" panose="020B0604030504040204" pitchFamily="34" charset="-120"/>
+              </a:rPr>
+              <a:t>通過</a:t>
+            </a:r>
+            <a:r>
+              <a:rPr lang="en-US" altLang="zh-TW" sz="2000" dirty="0" smtClean="0">
+                <a:latin typeface="微軟正黑體" panose="020B0604030504040204" pitchFamily="34" charset="-120"/>
+                <a:ea typeface="微軟正黑體" panose="020B0604030504040204" pitchFamily="34" charset="-120"/>
+              </a:rPr>
+              <a:t>type</a:t>
+            </a:r>
+            <a:r>
+              <a:rPr lang="zh-TW" altLang="en-US" sz="2000" dirty="0" smtClean="0">
+                <a:latin typeface="微軟正黑體" panose="020B0604030504040204" pitchFamily="34" charset="-120"/>
+                <a:ea typeface="微軟正黑體" panose="020B0604030504040204" pitchFamily="34" charset="-120"/>
+              </a:rPr>
+              <a:t>類建立物件</a:t>
+            </a:r>
+            <a:endParaRPr lang="en-US" altLang="zh-TW" sz="2000" dirty="0" smtClean="0">
+              <a:latin typeface="微軟正黑體" panose="020B0604030504040204" pitchFamily="34" charset="-120"/>
+              <a:ea typeface="微軟正黑體" panose="020B0604030504040204" pitchFamily="34" charset="-120"/>
+            </a:endParaRPr>
+          </a:p>
+          <a:p>
+            <a:pPr marL="342900" indent="-342900">
               <a:buFont typeface="+mj-lt"/>
               <a:buAutoNum type="arabicPeriod"/>
             </a:pPr>
             <a:r>
-              <a:rPr lang="zh-TW" altLang="en-US" sz="2200" b="1" dirty="0">
-                <a:solidFill>
-                  <a:srgbClr val="FFFF00"/>
-                </a:solidFill>
-                <a:latin typeface="微軟正黑體" panose="020B0604030504040204" pitchFamily="34" charset="-120"/>
-                <a:ea typeface="微軟正黑體" panose="020B0604030504040204" pitchFamily="34" charset="-120"/>
-              </a:rPr>
-              <a:t>繼承</a:t>
-            </a:r>
-            <a:r>
-              <a:rPr lang="zh-TW" altLang="en-US" sz="2200" dirty="0">
-                <a:latin typeface="微軟正黑體" panose="020B0604030504040204" pitchFamily="34" charset="-120"/>
-                <a:ea typeface="微軟正黑體" panose="020B0604030504040204" pitchFamily="34" charset="-120"/>
-              </a:rPr>
-              <a:t>：一個子類繼承基類的欄位和方法</a:t>
-            </a:r>
-          </a:p>
-          <a:p>
-            <a:pPr marL="914400" lvl="1" indent="-457200" algn="just">
+              <a:rPr lang="en-US" altLang="zh-TW" sz="2000" dirty="0" smtClean="0">
+                <a:latin typeface="微軟正黑體" panose="020B0604030504040204" pitchFamily="34" charset="-120"/>
+                <a:ea typeface="微軟正黑體" panose="020B0604030504040204" pitchFamily="34" charset="-120"/>
+              </a:rPr>
+              <a:t>_new_</a:t>
+            </a:r>
+            <a:r>
+              <a:rPr lang="zh-TW" altLang="en-US" sz="2000" dirty="0" smtClean="0">
+                <a:latin typeface="微軟正黑體" panose="020B0604030504040204" pitchFamily="34" charset="-120"/>
+                <a:ea typeface="微軟正黑體" panose="020B0604030504040204" pitchFamily="34" charset="-120"/>
+              </a:rPr>
+              <a:t> 和 </a:t>
+            </a:r>
+            <a:r>
+              <a:rPr lang="en-US" altLang="zh-TW" sz="2000" dirty="0" smtClean="0">
+                <a:latin typeface="微軟正黑體" panose="020B0604030504040204" pitchFamily="34" charset="-120"/>
+                <a:ea typeface="微軟正黑體" panose="020B0604030504040204" pitchFamily="34" charset="-120"/>
+              </a:rPr>
+              <a:t>_</a:t>
+            </a:r>
+            <a:r>
+              <a:rPr lang="en-US" altLang="zh-TW" sz="2000" dirty="0" err="1" smtClean="0">
+                <a:latin typeface="微軟正黑體" panose="020B0604030504040204" pitchFamily="34" charset="-120"/>
+                <a:ea typeface="微軟正黑體" panose="020B0604030504040204" pitchFamily="34" charset="-120"/>
+              </a:rPr>
+              <a:t>init</a:t>
+            </a:r>
+            <a:r>
+              <a:rPr lang="zh-TW" altLang="en-US" sz="2000" dirty="0" smtClean="0">
+                <a:latin typeface="微軟正黑體" panose="020B0604030504040204" pitchFamily="34" charset="-120"/>
+                <a:ea typeface="微軟正黑體" panose="020B0604030504040204" pitchFamily="34" charset="-120"/>
+              </a:rPr>
+              <a:t> </a:t>
+            </a:r>
+            <a:r>
+              <a:rPr lang="zh-TW" altLang="en-US" sz="2000" dirty="0">
+                <a:latin typeface="微軟正黑體" panose="020B0604030504040204" pitchFamily="34" charset="-120"/>
+                <a:ea typeface="微軟正黑體" panose="020B0604030504040204" pitchFamily="34" charset="-120"/>
+              </a:rPr>
+              <a:t>的</a:t>
+            </a:r>
+            <a:r>
+              <a:rPr lang="zh-TW" altLang="en-US" sz="2000" dirty="0" smtClean="0">
+                <a:latin typeface="微軟正黑體" panose="020B0604030504040204" pitchFamily="34" charset="-120"/>
+                <a:ea typeface="微軟正黑體" panose="020B0604030504040204" pitchFamily="34" charset="-120"/>
+              </a:rPr>
+              <a:t>區別</a:t>
+            </a:r>
+            <a:endParaRPr lang="en-US" altLang="zh-TW" sz="2000" dirty="0" smtClean="0">
+              <a:latin typeface="微軟正黑體" panose="020B0604030504040204" pitchFamily="34" charset="-120"/>
+              <a:ea typeface="微軟正黑體" panose="020B0604030504040204" pitchFamily="34" charset="-120"/>
+            </a:endParaRPr>
+          </a:p>
+          <a:p>
+            <a:pPr marL="342900" indent="-342900">
               <a:buFont typeface="+mj-lt"/>
               <a:buAutoNum type="arabicPeriod"/>
             </a:pPr>
             <a:r>
-              <a:rPr lang="zh-TW" altLang="en-US" sz="2200" b="1" dirty="0">
-                <a:solidFill>
-                  <a:srgbClr val="FFFF00"/>
-                </a:solidFill>
-                <a:latin typeface="微軟正黑體" panose="020B0604030504040204" pitchFamily="34" charset="-120"/>
-                <a:ea typeface="微軟正黑體" panose="020B0604030504040204" pitchFamily="34" charset="-120"/>
-              </a:rPr>
-              <a:t>多型</a:t>
-            </a:r>
-            <a:r>
-              <a:rPr lang="zh-TW" altLang="en-US" sz="2200" dirty="0">
-                <a:latin typeface="微軟正黑體" panose="020B0604030504040204" pitchFamily="34" charset="-120"/>
-                <a:ea typeface="微軟正黑體" panose="020B0604030504040204" pitchFamily="34" charset="-120"/>
-              </a:rPr>
-              <a:t>：對不同類的物件使用同樣的操作</a:t>
-            </a:r>
+              <a:rPr lang="zh-TW" altLang="en-US" sz="2000" dirty="0" smtClean="0">
+                <a:latin typeface="微軟正黑體" panose="020B0604030504040204" pitchFamily="34" charset="-120"/>
+                <a:ea typeface="微軟正黑體" panose="020B0604030504040204" pitchFamily="34" charset="-120"/>
+              </a:rPr>
+              <a:t>類變數和例項變數</a:t>
+            </a:r>
+            <a:endParaRPr lang="zh-TW" altLang="en-US" sz="2000" dirty="0">
+              <a:latin typeface="微軟正黑體" panose="020B0604030504040204" pitchFamily="34" charset="-120"/>
+              <a:ea typeface="微軟正黑體" panose="020B0604030504040204" pitchFamily="34" charset="-120"/>
+            </a:endParaRPr>
           </a:p>
         </p:txBody>
       </p:sp>
@@ -7431,7 +8696,7 @@
     </p:spTree>
     <p:extLst>
       <p:ext uri="{BB962C8B-B14F-4D97-AF65-F5344CB8AC3E}">
-        <p14:creationId xmlns:p14="http://schemas.microsoft.com/office/powerpoint/2010/main" val="1592463862"/>
+        <p14:creationId xmlns:p14="http://schemas.microsoft.com/office/powerpoint/2010/main" val="3464751735"/>
       </p:ext>
     </p:extLst>
   </p:cSld>
@@ -7481,7 +8746,7 @@
                 <a:latin typeface="微軟正黑體" panose="020B0604030504040204" pitchFamily="34" charset="-120"/>
                 <a:ea typeface="微軟正黑體" panose="020B0604030504040204" pitchFamily="34" charset="-120"/>
               </a:rPr>
-              <a:t>建立類</a:t>
+              <a:t>程序導向與物件導向</a:t>
             </a:r>
             <a:endParaRPr lang="zh-TW" altLang="en-US" sz="4000" b="1" dirty="0">
               <a:latin typeface="微軟正黑體" panose="020B0604030504040204" pitchFamily="34" charset="-120"/>
@@ -7502,78 +8767,32 @@
         </p:nvSpPr>
         <p:spPr>
           <a:xfrm>
-            <a:off x="850392" y="2139697"/>
-            <a:ext cx="4498848" cy="3803903"/>
+            <a:off x="1837944" y="2212849"/>
+            <a:ext cx="8211312" cy="3944112"/>
           </a:xfrm>
         </p:spPr>
         <p:txBody>
           <a:bodyPr>
-            <a:normAutofit fontScale="92500"/>
+            <a:normAutofit lnSpcReduction="10000"/>
           </a:bodyPr>
           <a:lstStyle/>
           <a:p>
-            <a:pPr algn="just"/>
-            <a:r>
-              <a:rPr lang="en-US" altLang="zh-TW" sz="2400" dirty="0" smtClean="0">
-                <a:latin typeface="微軟正黑體" panose="020B0604030504040204" pitchFamily="34" charset="-120"/>
-                <a:ea typeface="微軟正黑體" panose="020B0604030504040204" pitchFamily="34" charset="-120"/>
-              </a:rPr>
-              <a:t>Python</a:t>
+            <a:r>
+              <a:rPr lang="zh-TW" altLang="en-US" sz="2400" b="1" dirty="0">
+                <a:solidFill>
+                  <a:srgbClr val="FFFF00"/>
+                </a:solidFill>
+                <a:latin typeface="微軟正黑體" panose="020B0604030504040204" pitchFamily="34" charset="-120"/>
+                <a:ea typeface="微軟正黑體" panose="020B0604030504040204" pitchFamily="34" charset="-120"/>
+              </a:rPr>
+              <a:t>程序導向</a:t>
             </a:r>
             <a:r>
               <a:rPr lang="zh-TW" altLang="en-US" sz="2400" dirty="0">
                 <a:latin typeface="微軟正黑體" panose="020B0604030504040204" pitchFamily="34" charset="-120"/>
                 <a:ea typeface="微軟正黑體" panose="020B0604030504040204" pitchFamily="34" charset="-120"/>
               </a:rPr>
-              <a:t>中</a:t>
-            </a:r>
-            <a:r>
-              <a:rPr lang="zh-TW" altLang="en-US" sz="2400" dirty="0" smtClean="0">
-                <a:latin typeface="微軟正黑體" panose="020B0604030504040204" pitchFamily="34" charset="-120"/>
-                <a:ea typeface="微軟正黑體" panose="020B0604030504040204" pitchFamily="34" charset="-120"/>
-              </a:rPr>
-              <a:t>使用 </a:t>
-            </a:r>
-            <a:r>
-              <a:rPr lang="en-US" altLang="zh-TW" sz="2400" b="1" dirty="0" smtClean="0">
-                <a:solidFill>
-                  <a:srgbClr val="FFFF00"/>
-                </a:solidFill>
-                <a:latin typeface="微軟正黑體" panose="020B0604030504040204" pitchFamily="34" charset="-120"/>
-                <a:ea typeface="微軟正黑體" panose="020B0604030504040204" pitchFamily="34" charset="-120"/>
-              </a:rPr>
-              <a:t>class</a:t>
-            </a:r>
-            <a:r>
-              <a:rPr lang="zh-TW" altLang="en-US" sz="2400" b="1" dirty="0" smtClean="0">
-                <a:solidFill>
-                  <a:srgbClr val="FFFF00"/>
-                </a:solidFill>
-                <a:latin typeface="微軟正黑體" panose="020B0604030504040204" pitchFamily="34" charset="-120"/>
-                <a:ea typeface="微軟正黑體" panose="020B0604030504040204" pitchFamily="34" charset="-120"/>
-              </a:rPr>
-              <a:t> </a:t>
-            </a:r>
-            <a:r>
-              <a:rPr lang="zh-TW" altLang="en-US" sz="2400" dirty="0" smtClean="0">
-                <a:latin typeface="微軟正黑體" panose="020B0604030504040204" pitchFamily="34" charset="-120"/>
-                <a:ea typeface="微軟正黑體" panose="020B0604030504040204" pitchFamily="34" charset="-120"/>
-              </a:rPr>
-              <a:t>關鍵字</a:t>
-            </a:r>
-            <a:r>
-              <a:rPr lang="zh-TW" altLang="en-US" sz="2400" dirty="0">
-                <a:latin typeface="微軟正黑體" panose="020B0604030504040204" pitchFamily="34" charset="-120"/>
-                <a:ea typeface="微軟正黑體" panose="020B0604030504040204" pitchFamily="34" charset="-120"/>
-              </a:rPr>
-              <a:t>修飾類，類名一般採用首字母大寫，小闊號裡面表示繼承，所有類最後都繼承自</a:t>
-            </a:r>
-            <a:r>
-              <a:rPr lang="en-US" altLang="zh-TW" sz="2400" dirty="0" smtClean="0">
-                <a:latin typeface="微軟正黑體" panose="020B0604030504040204" pitchFamily="34" charset="-120"/>
-                <a:ea typeface="微軟正黑體" panose="020B0604030504040204" pitchFamily="34" charset="-120"/>
-              </a:rPr>
-              <a:t>object</a:t>
+              <a:t>的程式設計把函式作為程式的基本單元。程式設計時，編寫一組一組的函式，然後一步一步按照順序的執行各個函式。通常為了簡化程式，將大塊函式通過切割成小塊函式來降低系統的複雜度</a:t>
             </a:r>
             <a:r>
               <a:rPr lang="zh-TW" altLang="en-US" sz="2400" dirty="0" smtClean="0">
@@ -7588,101 +8807,81 @@
             </a:endParaRPr>
           </a:p>
           <a:p>
-            <a:pPr algn="just"/>
-            <a:r>
-              <a:rPr lang="zh-TW" altLang="en-US" sz="2400" dirty="0">
-                <a:latin typeface="微軟正黑體" panose="020B0604030504040204" pitchFamily="34" charset="-120"/>
-                <a:ea typeface="微軟正黑體" panose="020B0604030504040204" pitchFamily="34" charset="-120"/>
-              </a:rPr>
-              <a:t>在類中我們可以定義</a:t>
-            </a:r>
-            <a:r>
-              <a:rPr lang="zh-TW" altLang="en-US" sz="2400" dirty="0">
-                <a:solidFill>
-                  <a:srgbClr val="FFFF00"/>
-                </a:solidFill>
-                <a:latin typeface="微軟正黑體" panose="020B0604030504040204" pitchFamily="34" charset="-120"/>
-                <a:ea typeface="微軟正黑體" panose="020B0604030504040204" pitchFamily="34" charset="-120"/>
-              </a:rPr>
-              <a:t>屬性</a:t>
-            </a:r>
-            <a:r>
-              <a:rPr lang="zh-TW" altLang="en-US" sz="2400" dirty="0">
-                <a:latin typeface="微軟正黑體" panose="020B0604030504040204" pitchFamily="34" charset="-120"/>
-                <a:ea typeface="微軟正黑體" panose="020B0604030504040204" pitchFamily="34" charset="-120"/>
-              </a:rPr>
-              <a:t>和</a:t>
-            </a:r>
-            <a:r>
-              <a:rPr lang="zh-TW" altLang="en-US" sz="2400" dirty="0">
-                <a:solidFill>
-                  <a:srgbClr val="FFFF00"/>
-                </a:solidFill>
-                <a:latin typeface="微軟正黑體" panose="020B0604030504040204" pitchFamily="34" charset="-120"/>
-                <a:ea typeface="微軟正黑體" panose="020B0604030504040204" pitchFamily="34" charset="-120"/>
-              </a:rPr>
-              <a:t>方法</a:t>
-            </a:r>
-            <a:r>
-              <a:rPr lang="zh-TW" altLang="en-US" sz="2400" dirty="0">
-                <a:latin typeface="微軟正黑體" panose="020B0604030504040204" pitchFamily="34" charset="-120"/>
-                <a:ea typeface="微軟正黑體" panose="020B0604030504040204" pitchFamily="34" charset="-120"/>
-              </a:rPr>
-              <a:t>，注意這個地方有一個叫法問題，方法其實和之前寫的函式一樣，但是在</a:t>
-            </a:r>
-            <a:r>
-              <a:rPr lang="zh-TW" altLang="en-US" sz="2400" dirty="0">
-                <a:solidFill>
-                  <a:srgbClr val="FFFF00"/>
-                </a:solidFill>
-                <a:latin typeface="微軟正黑體" panose="020B0604030504040204" pitchFamily="34" charset="-120"/>
-                <a:ea typeface="微軟正黑體" panose="020B0604030504040204" pitchFamily="34" charset="-120"/>
-              </a:rPr>
-              <a:t>類中定義的稱為方法</a:t>
-            </a:r>
-            <a:r>
-              <a:rPr lang="zh-TW" altLang="en-US" sz="2400" dirty="0">
-                <a:latin typeface="微軟正黑體" panose="020B0604030504040204" pitchFamily="34" charset="-120"/>
-                <a:ea typeface="微軟正黑體" panose="020B0604030504040204" pitchFamily="34" charset="-120"/>
-              </a:rPr>
-              <a:t>，兩個的區別在呼叫的時候，</a:t>
-            </a:r>
-            <a:r>
-              <a:rPr lang="zh-TW" altLang="en-US" sz="2400" dirty="0">
-                <a:solidFill>
-                  <a:srgbClr val="FFFF00"/>
-                </a:solidFill>
-                <a:latin typeface="微軟正黑體" panose="020B0604030504040204" pitchFamily="34" charset="-120"/>
-                <a:ea typeface="微軟正黑體" panose="020B0604030504040204" pitchFamily="34" charset="-120"/>
-              </a:rPr>
-              <a:t>方法需要特定的物件</a:t>
-            </a:r>
-            <a:r>
-              <a:rPr lang="zh-TW" altLang="en-US" sz="2400" dirty="0">
-                <a:latin typeface="微軟正黑體" panose="020B0604030504040204" pitchFamily="34" charset="-120"/>
-                <a:ea typeface="微軟正黑體" panose="020B0604030504040204" pitchFamily="34" charset="-120"/>
-              </a:rPr>
-              <a:t>，而函式不</a:t>
-            </a:r>
-            <a:r>
-              <a:rPr lang="zh-TW" altLang="en-US" sz="2400" dirty="0" smtClean="0">
-                <a:latin typeface="微軟正黑體" panose="020B0604030504040204" pitchFamily="34" charset="-120"/>
-                <a:ea typeface="微軟正黑體" panose="020B0604030504040204" pitchFamily="34" charset="-120"/>
-              </a:rPr>
-              <a:t>需要</a:t>
-            </a:r>
-            <a:r>
-              <a:rPr lang="zh-TW" altLang="en-US" sz="2400" dirty="0">
-                <a:latin typeface="微軟正黑體" panose="020B0604030504040204" pitchFamily="34" charset="-120"/>
-                <a:ea typeface="微軟正黑體" panose="020B0604030504040204" pitchFamily="34" charset="-120"/>
-              </a:rPr>
-              <a:t>。</a:t>
-            </a:r>
             <a:endParaRPr lang="en-US" altLang="zh-TW" sz="2400" dirty="0">
               <a:latin typeface="微軟正黑體" panose="020B0604030504040204" pitchFamily="34" charset="-120"/>
               <a:ea typeface="微軟正黑體" panose="020B0604030504040204" pitchFamily="34" charset="-120"/>
             </a:endParaRPr>
           </a:p>
+          <a:p>
+            <a:r>
+              <a:rPr lang="zh-TW" altLang="en-US" sz="2400" b="1" dirty="0">
+                <a:solidFill>
+                  <a:srgbClr val="FFFF00"/>
+                </a:solidFill>
+                <a:latin typeface="微軟正黑體" panose="020B0604030504040204" pitchFamily="34" charset="-120"/>
+                <a:ea typeface="微軟正黑體" panose="020B0604030504040204" pitchFamily="34" charset="-120"/>
+              </a:rPr>
+              <a:t>物件</a:t>
+            </a:r>
+            <a:r>
+              <a:rPr lang="zh-TW" altLang="en-US" sz="2400" b="1" dirty="0" smtClean="0">
+                <a:solidFill>
+                  <a:srgbClr val="FFFF00"/>
+                </a:solidFill>
+                <a:latin typeface="微軟正黑體" panose="020B0604030504040204" pitchFamily="34" charset="-120"/>
+                <a:ea typeface="微軟正黑體" panose="020B0604030504040204" pitchFamily="34" charset="-120"/>
+              </a:rPr>
+              <a:t>導向</a:t>
+            </a:r>
+            <a:r>
+              <a:rPr lang="en-US" altLang="zh-TW" sz="2400" b="1" dirty="0">
+                <a:solidFill>
+                  <a:srgbClr val="FFFF00"/>
+                </a:solidFill>
+                <a:latin typeface="微軟正黑體" panose="020B0604030504040204" pitchFamily="34" charset="-120"/>
+                <a:ea typeface="微軟正黑體" panose="020B0604030504040204" pitchFamily="34" charset="-120"/>
+              </a:rPr>
+              <a:t>(Object-oriented </a:t>
+            </a:r>
+            <a:r>
+              <a:rPr lang="en-US" altLang="zh-TW" sz="2400" b="1" dirty="0" smtClean="0">
+                <a:solidFill>
+                  <a:srgbClr val="FFFF00"/>
+                </a:solidFill>
+                <a:latin typeface="微軟正黑體" panose="020B0604030504040204" pitchFamily="34" charset="-120"/>
+                <a:ea typeface="微軟正黑體" panose="020B0604030504040204" pitchFamily="34" charset="-120"/>
+              </a:rPr>
+              <a:t>programming, OOP)</a:t>
+            </a:r>
+            <a:r>
+              <a:rPr lang="zh-TW" altLang="en-US" sz="2400" dirty="0" smtClean="0">
+                <a:latin typeface="微軟正黑體" panose="020B0604030504040204" pitchFamily="34" charset="-120"/>
+                <a:ea typeface="微軟正黑體" panose="020B0604030504040204" pitchFamily="34" charset="-120"/>
+              </a:rPr>
+              <a:t>的</a:t>
+            </a:r>
+            <a:r>
+              <a:rPr lang="zh-TW" altLang="en-US" sz="2400" dirty="0">
+                <a:latin typeface="微軟正黑體" panose="020B0604030504040204" pitchFamily="34" charset="-120"/>
+                <a:ea typeface="微軟正黑體" panose="020B0604030504040204" pitchFamily="34" charset="-120"/>
+              </a:rPr>
+              <a:t>程式設計把物件作為程式的基本單元</a:t>
+            </a:r>
+            <a:r>
+              <a:rPr lang="zh-TW" altLang="en-US" sz="2400" dirty="0" smtClean="0">
+                <a:latin typeface="微軟正黑體" panose="020B0604030504040204" pitchFamily="34" charset="-120"/>
+                <a:ea typeface="微軟正黑體" panose="020B0604030504040204" pitchFamily="34" charset="-120"/>
+              </a:rPr>
+              <a:t>，以物件概念設計程式時，每</a:t>
+            </a:r>
+            <a:r>
+              <a:rPr lang="zh-TW" altLang="en-US" sz="2400" dirty="0">
+                <a:latin typeface="微軟正黑體" panose="020B0604030504040204" pitchFamily="34" charset="-120"/>
+                <a:ea typeface="微軟正黑體" panose="020B0604030504040204" pitchFamily="34" charset="-120"/>
+              </a:rPr>
+              <a:t>個物件都可以接收其他物件發過來的訊息，並處理這些訊息，計算機程式的執行就是一系列訊息在各個物件之間傳遞，各個物件呼叫相關的方法。</a:t>
+            </a:r>
+          </a:p>
         </p:txBody>
       </p:sp>
       <p:sp>
@@ -7708,95 +8907,10 @@
           </a:p>
         </p:txBody>
       </p:sp>
-      <p:pic>
-        <p:nvPicPr>
-          <p:cNvPr id="2" name="圖片 1"/>
-          <p:cNvPicPr>
-            <a:picLocks noChangeAspect="1"/>
-          </p:cNvPicPr>
-          <p:nvPr/>
-        </p:nvPicPr>
-        <p:blipFill>
-          <a:blip r:embed="rId2"/>
-          <a:stretch>
-            <a:fillRect/>
-          </a:stretch>
-        </p:blipFill>
-        <p:spPr>
-          <a:xfrm>
-            <a:off x="5767569" y="2240281"/>
-            <a:ext cx="5049657" cy="3630294"/>
-          </a:xfrm>
-          <a:prstGeom prst="rect">
-            <a:avLst/>
-          </a:prstGeom>
-        </p:spPr>
-      </p:pic>
-      <p:sp>
-        <p:nvSpPr>
-          <p:cNvPr id="3" name="矩形 2"/>
-          <p:cNvSpPr/>
-          <p:nvPr/>
-        </p:nvSpPr>
-        <p:spPr>
-          <a:xfrm>
-            <a:off x="5669217" y="5897880"/>
-            <a:ext cx="5057795" cy="338554"/>
-          </a:xfrm>
-          <a:prstGeom prst="rect">
-            <a:avLst/>
-          </a:prstGeom>
-        </p:spPr>
-        <p:txBody>
-          <a:bodyPr wrap="none">
-            <a:spAutoFit/>
-          </a:bodyPr>
-          <a:lstStyle/>
-          <a:p>
-            <a:r>
-              <a:rPr lang="zh-TW" altLang="en-US" sz="1600" dirty="0" smtClean="0">
-                <a:solidFill>
-                  <a:srgbClr val="FFFF00"/>
-                </a:solidFill>
-                <a:latin typeface="微軟正黑體" panose="020B0604030504040204" pitchFamily="34" charset="-120"/>
-                <a:ea typeface="微軟正黑體" panose="020B0604030504040204" pitchFamily="34" charset="-120"/>
-              </a:rPr>
-              <a:t>*在類中定義方法的要求，就是第一個引數必須時</a:t>
-            </a:r>
-            <a:r>
-              <a:rPr lang="en-US" altLang="zh-TW" sz="1600" dirty="0" smtClean="0">
-                <a:solidFill>
-                  <a:srgbClr val="FFFF00"/>
-                </a:solidFill>
-                <a:latin typeface="微軟正黑體" panose="020B0604030504040204" pitchFamily="34" charset="-120"/>
-                <a:ea typeface="微軟正黑體" panose="020B0604030504040204" pitchFamily="34" charset="-120"/>
-              </a:rPr>
-              <a:t>self</a:t>
-            </a:r>
-            <a:r>
-              <a:rPr lang="zh-TW" altLang="en-US" sz="1600" dirty="0" smtClean="0">
-                <a:solidFill>
-                  <a:srgbClr val="FFFF00"/>
-                </a:solidFill>
-                <a:latin typeface="微軟正黑體" panose="020B0604030504040204" pitchFamily="34" charset="-120"/>
-                <a:ea typeface="微軟正黑體" panose="020B0604030504040204" pitchFamily="34" charset="-120"/>
-              </a:rPr>
-              <a:t> *</a:t>
-            </a:r>
-            <a:endParaRPr lang="zh-TW" altLang="en-US" sz="1600" dirty="0">
-              <a:solidFill>
-                <a:srgbClr val="FFFF00"/>
-              </a:solidFill>
-              <a:latin typeface="微軟正黑體" panose="020B0604030504040204" pitchFamily="34" charset="-120"/>
-              <a:ea typeface="微軟正黑體" panose="020B0604030504040204" pitchFamily="34" charset="-120"/>
-            </a:endParaRPr>
-          </a:p>
-        </p:txBody>
-      </p:sp>
     </p:spTree>
     <p:extLst>
       <p:ext uri="{BB962C8B-B14F-4D97-AF65-F5344CB8AC3E}">
-        <p14:creationId xmlns:p14="http://schemas.microsoft.com/office/powerpoint/2010/main" val="1892087603"/>
+        <p14:creationId xmlns:p14="http://schemas.microsoft.com/office/powerpoint/2010/main" val="3827528238"/>
       </p:ext>
     </p:extLst>
   </p:cSld>
@@ -7846,14 +8960,341 @@
                 <a:latin typeface="微軟正黑體" panose="020B0604030504040204" pitchFamily="34" charset="-120"/>
                 <a:ea typeface="微軟正黑體" panose="020B0604030504040204" pitchFamily="34" charset="-120"/>
               </a:rPr>
-              <a:t>SELF</a:t>
+              <a:t>Python</a:t>
             </a:r>
             <a:r>
               <a:rPr lang="zh-TW" altLang="en-US" sz="4000" b="1" dirty="0" smtClean="0">
                 <a:latin typeface="微軟正黑體" panose="020B0604030504040204" pitchFamily="34" charset="-120"/>
                 <a:ea typeface="微軟正黑體" panose="020B0604030504040204" pitchFamily="34" charset="-120"/>
               </a:rPr>
-              <a:t> 的重要性</a:t>
+              <a:t>的物件導向</a:t>
+            </a:r>
+            <a:endParaRPr lang="zh-TW" altLang="en-US" sz="4000" b="1" dirty="0">
+              <a:latin typeface="微軟正黑體" panose="020B0604030504040204" pitchFamily="34" charset="-120"/>
+              <a:ea typeface="微軟正黑體" panose="020B0604030504040204" pitchFamily="34" charset="-120"/>
+            </a:endParaRPr>
+          </a:p>
+        </p:txBody>
+      </p:sp>
+      <p:sp>
+        <p:nvSpPr>
+          <p:cNvPr id="5" name="內容版面配置區 4"/>
+          <p:cNvSpPr>
+            <a:spLocks noGrp="1"/>
+          </p:cNvSpPr>
+          <p:nvPr>
+            <p:ph idx="1"/>
+          </p:nvPr>
+        </p:nvSpPr>
+        <p:spPr>
+          <a:xfrm>
+            <a:off x="1837944" y="2212849"/>
+            <a:ext cx="8211312" cy="3944112"/>
+          </a:xfrm>
+        </p:spPr>
+        <p:txBody>
+          <a:bodyPr>
+            <a:normAutofit fontScale="77500" lnSpcReduction="20000"/>
+          </a:bodyPr>
+          <a:lstStyle/>
+          <a:p>
+            <a:pPr algn="just"/>
+            <a:r>
+              <a:rPr lang="en-US" altLang="zh-TW" sz="2400" dirty="0">
+                <a:latin typeface="微軟正黑體" panose="020B0604030504040204" pitchFamily="34" charset="-120"/>
+                <a:ea typeface="微軟正黑體" panose="020B0604030504040204" pitchFamily="34" charset="-120"/>
+              </a:rPr>
+              <a:t>OOP</a:t>
+            </a:r>
+            <a:r>
+              <a:rPr lang="zh-TW" altLang="en-US" sz="2400" dirty="0">
+                <a:latin typeface="微軟正黑體" panose="020B0604030504040204" pitchFamily="34" charset="-120"/>
+                <a:ea typeface="微軟正黑體" panose="020B0604030504040204" pitchFamily="34" charset="-120"/>
+              </a:rPr>
+              <a:t>程式設計是利用“類”和“物件”來建立各種模型來實現對真實世界的描述，使用物件導向程式設計的原因一方面是因為它可以使程式的維護和擴充套件變得更簡單，並且可以大大提高程式開發效率 ，另外，基於物件導向的程式可以使它人更加容易理解你的程式碼邏輯，從而使團隊開發變得</a:t>
+            </a:r>
+            <a:r>
+              <a:rPr lang="zh-TW" altLang="en-US" sz="2400" dirty="0" smtClean="0">
+                <a:latin typeface="微軟正黑體" panose="020B0604030504040204" pitchFamily="34" charset="-120"/>
+                <a:ea typeface="微軟正黑體" panose="020B0604030504040204" pitchFamily="34" charset="-120"/>
+              </a:rPr>
+              <a:t>更</a:t>
+            </a:r>
+            <a:r>
+              <a:rPr lang="zh-TW" altLang="en-US" sz="2400" dirty="0">
+                <a:latin typeface="微軟正黑體" panose="020B0604030504040204" pitchFamily="34" charset="-120"/>
+                <a:ea typeface="微軟正黑體" panose="020B0604030504040204" pitchFamily="34" charset="-120"/>
+              </a:rPr>
+              <a:t>容易</a:t>
+            </a:r>
+            <a:r>
+              <a:rPr lang="zh-TW" altLang="en-US" sz="2400" dirty="0" smtClean="0">
+                <a:latin typeface="微軟正黑體" panose="020B0604030504040204" pitchFamily="34" charset="-120"/>
+                <a:ea typeface="微軟正黑體" panose="020B0604030504040204" pitchFamily="34" charset="-120"/>
+              </a:rPr>
+              <a:t>。</a:t>
+            </a:r>
+            <a:endParaRPr lang="en-US" altLang="zh-TW" sz="2400" dirty="0" smtClean="0">
+              <a:latin typeface="微軟正黑體" panose="020B0604030504040204" pitchFamily="34" charset="-120"/>
+              <a:ea typeface="微軟正黑體" panose="020B0604030504040204" pitchFamily="34" charset="-120"/>
+            </a:endParaRPr>
+          </a:p>
+          <a:p>
+            <a:pPr algn="just"/>
+            <a:endParaRPr lang="en-US" altLang="zh-TW" sz="2400" dirty="0">
+              <a:latin typeface="微軟正黑體" panose="020B0604030504040204" pitchFamily="34" charset="-120"/>
+              <a:ea typeface="微軟正黑體" panose="020B0604030504040204" pitchFamily="34" charset="-120"/>
+            </a:endParaRPr>
+          </a:p>
+          <a:p>
+            <a:pPr algn="just"/>
+            <a:r>
+              <a:rPr lang="zh-TW" altLang="en-US" sz="2400" b="1" dirty="0">
+                <a:latin typeface="微軟正黑體" panose="020B0604030504040204" pitchFamily="34" charset="-120"/>
+                <a:ea typeface="微軟正黑體" panose="020B0604030504040204" pitchFamily="34" charset="-120"/>
+              </a:rPr>
+              <a:t>物件導向的幾大核心</a:t>
+            </a:r>
+            <a:r>
+              <a:rPr lang="zh-TW" altLang="en-US" sz="2400" b="1" dirty="0" smtClean="0">
+                <a:latin typeface="微軟正黑體" panose="020B0604030504040204" pitchFamily="34" charset="-120"/>
+                <a:ea typeface="微軟正黑體" panose="020B0604030504040204" pitchFamily="34" charset="-120"/>
+              </a:rPr>
+              <a:t>特性</a:t>
+            </a:r>
+            <a:endParaRPr lang="zh-TW" altLang="en-US" sz="2400" b="1" dirty="0">
+              <a:latin typeface="微軟正黑體" panose="020B0604030504040204" pitchFamily="34" charset="-120"/>
+              <a:ea typeface="微軟正黑體" panose="020B0604030504040204" pitchFamily="34" charset="-120"/>
+            </a:endParaRPr>
+          </a:p>
+          <a:p>
+            <a:pPr marL="914400" lvl="1" indent="-457200" algn="just">
+              <a:buFont typeface="+mj-lt"/>
+              <a:buAutoNum type="arabicPeriod"/>
+            </a:pPr>
+            <a:r>
+              <a:rPr lang="en-US" altLang="zh-TW" sz="2200" b="1" dirty="0">
+                <a:solidFill>
+                  <a:srgbClr val="FFFF00"/>
+                </a:solidFill>
+                <a:latin typeface="微軟正黑體" panose="020B0604030504040204" pitchFamily="34" charset="-120"/>
+                <a:ea typeface="微軟正黑體" panose="020B0604030504040204" pitchFamily="34" charset="-120"/>
+              </a:rPr>
+              <a:t>Class </a:t>
+            </a:r>
+            <a:r>
+              <a:rPr lang="zh-TW" altLang="en-US" sz="2200" b="1" dirty="0">
+                <a:solidFill>
+                  <a:srgbClr val="FFFF00"/>
+                </a:solidFill>
+                <a:latin typeface="微軟正黑體" panose="020B0604030504040204" pitchFamily="34" charset="-120"/>
+                <a:ea typeface="微軟正黑體" panose="020B0604030504040204" pitchFamily="34" charset="-120"/>
+              </a:rPr>
+              <a:t>類</a:t>
+            </a:r>
+            <a:r>
+              <a:rPr lang="zh-TW" altLang="en-US" sz="2200" dirty="0">
+                <a:latin typeface="微軟正黑體" panose="020B0604030504040204" pitchFamily="34" charset="-120"/>
+                <a:ea typeface="微軟正黑體" panose="020B0604030504040204" pitchFamily="34" charset="-120"/>
+              </a:rPr>
+              <a:t>：一個類指相同事物相同特徵提取，把相同的屬性方法提煉出來定義在類中</a:t>
+            </a:r>
+          </a:p>
+          <a:p>
+            <a:pPr marL="914400" lvl="1" indent="-457200" algn="just">
+              <a:buFont typeface="+mj-lt"/>
+              <a:buAutoNum type="arabicPeriod"/>
+            </a:pPr>
+            <a:r>
+              <a:rPr lang="en-US" altLang="zh-TW" sz="2200" b="1" dirty="0">
+                <a:solidFill>
+                  <a:srgbClr val="FFFF00"/>
+                </a:solidFill>
+                <a:latin typeface="微軟正黑體" panose="020B0604030504040204" pitchFamily="34" charset="-120"/>
+                <a:ea typeface="微軟正黑體" panose="020B0604030504040204" pitchFamily="34" charset="-120"/>
+              </a:rPr>
+              <a:t>Object </a:t>
+            </a:r>
+            <a:r>
+              <a:rPr lang="zh-TW" altLang="en-US" sz="2200" b="1" dirty="0">
+                <a:solidFill>
+                  <a:srgbClr val="FFFF00"/>
+                </a:solidFill>
+                <a:latin typeface="微軟正黑體" panose="020B0604030504040204" pitchFamily="34" charset="-120"/>
+                <a:ea typeface="微軟正黑體" panose="020B0604030504040204" pitchFamily="34" charset="-120"/>
+              </a:rPr>
+              <a:t>物件</a:t>
+            </a:r>
+            <a:r>
+              <a:rPr lang="zh-TW" altLang="en-US" sz="2200" dirty="0">
+                <a:latin typeface="微軟正黑體" panose="020B0604030504040204" pitchFamily="34" charset="-120"/>
+                <a:ea typeface="微軟正黑體" panose="020B0604030504040204" pitchFamily="34" charset="-120"/>
+              </a:rPr>
+              <a:t>：一個物件是類的例項，物件是具體的，類是抽象</a:t>
+            </a:r>
+          </a:p>
+          <a:p>
+            <a:pPr marL="914400" lvl="1" indent="-457200" algn="just">
+              <a:buFont typeface="+mj-lt"/>
+              <a:buAutoNum type="arabicPeriod"/>
+            </a:pPr>
+            <a:r>
+              <a:rPr lang="zh-TW" altLang="en-US" sz="2200" b="1" dirty="0" smtClean="0">
+                <a:solidFill>
+                  <a:srgbClr val="FFFF00"/>
+                </a:solidFill>
+                <a:latin typeface="微軟正黑體" panose="020B0604030504040204" pitchFamily="34" charset="-120"/>
+                <a:ea typeface="微軟正黑體" panose="020B0604030504040204" pitchFamily="34" charset="-120"/>
+              </a:rPr>
+              <a:t>封裝</a:t>
+            </a:r>
+            <a:r>
+              <a:rPr lang="zh-TW" altLang="en-US" sz="2200" dirty="0">
+                <a:latin typeface="微軟正黑體" panose="020B0604030504040204" pitchFamily="34" charset="-120"/>
+                <a:ea typeface="微軟正黑體" panose="020B0604030504040204" pitchFamily="34" charset="-120"/>
+              </a:rPr>
+              <a:t>：</a:t>
+            </a:r>
+            <a:r>
+              <a:rPr lang="zh-TW" altLang="en-US" sz="2200" dirty="0" smtClean="0">
+                <a:latin typeface="微軟正黑體" panose="020B0604030504040204" pitchFamily="34" charset="-120"/>
+                <a:ea typeface="微軟正黑體" panose="020B0604030504040204" pitchFamily="34" charset="-120"/>
+              </a:rPr>
+              <a:t>對</a:t>
+            </a:r>
+            <a:r>
+              <a:rPr lang="zh-TW" altLang="en-US" sz="2200" dirty="0">
+                <a:latin typeface="微軟正黑體" panose="020B0604030504040204" pitchFamily="34" charset="-120"/>
+                <a:ea typeface="微軟正黑體" panose="020B0604030504040204" pitchFamily="34" charset="-120"/>
+              </a:rPr>
+              <a:t>外部世界隱藏物件的工作細節</a:t>
+            </a:r>
+          </a:p>
+          <a:p>
+            <a:pPr marL="914400" lvl="1" indent="-457200" algn="just">
+              <a:buFont typeface="+mj-lt"/>
+              <a:buAutoNum type="arabicPeriod"/>
+            </a:pPr>
+            <a:r>
+              <a:rPr lang="zh-TW" altLang="en-US" sz="2200" b="1" dirty="0">
+                <a:solidFill>
+                  <a:srgbClr val="FFFF00"/>
+                </a:solidFill>
+                <a:latin typeface="微軟正黑體" panose="020B0604030504040204" pitchFamily="34" charset="-120"/>
+                <a:ea typeface="微軟正黑體" panose="020B0604030504040204" pitchFamily="34" charset="-120"/>
+              </a:rPr>
+              <a:t>繼承</a:t>
+            </a:r>
+            <a:r>
+              <a:rPr lang="zh-TW" altLang="en-US" sz="2200" dirty="0">
+                <a:latin typeface="微軟正黑體" panose="020B0604030504040204" pitchFamily="34" charset="-120"/>
+                <a:ea typeface="微軟正黑體" panose="020B0604030504040204" pitchFamily="34" charset="-120"/>
+              </a:rPr>
+              <a:t>：一個子類繼承基類的欄位和方法</a:t>
+            </a:r>
+          </a:p>
+          <a:p>
+            <a:pPr marL="914400" lvl="1" indent="-457200" algn="just">
+              <a:buFont typeface="+mj-lt"/>
+              <a:buAutoNum type="arabicPeriod"/>
+            </a:pPr>
+            <a:r>
+              <a:rPr lang="zh-TW" altLang="en-US" sz="2200" b="1" dirty="0">
+                <a:solidFill>
+                  <a:srgbClr val="FFFF00"/>
+                </a:solidFill>
+                <a:latin typeface="微軟正黑體" panose="020B0604030504040204" pitchFamily="34" charset="-120"/>
+                <a:ea typeface="微軟正黑體" panose="020B0604030504040204" pitchFamily="34" charset="-120"/>
+              </a:rPr>
+              <a:t>多型</a:t>
+            </a:r>
+            <a:r>
+              <a:rPr lang="zh-TW" altLang="en-US" sz="2200" dirty="0">
+                <a:latin typeface="微軟正黑體" panose="020B0604030504040204" pitchFamily="34" charset="-120"/>
+                <a:ea typeface="微軟正黑體" panose="020B0604030504040204" pitchFamily="34" charset="-120"/>
+              </a:rPr>
+              <a:t>：對不同類的物件使用同樣的操作</a:t>
+            </a:r>
+          </a:p>
+        </p:txBody>
+      </p:sp>
+      <p:sp>
+        <p:nvSpPr>
+          <p:cNvPr id="7" name="投影片編號版面配置區 6"/>
+          <p:cNvSpPr>
+            <a:spLocks noGrp="1"/>
+          </p:cNvSpPr>
+          <p:nvPr>
+            <p:ph type="sldNum" sz="quarter" idx="12"/>
+          </p:nvPr>
+        </p:nvSpPr>
+        <p:spPr/>
+        <p:txBody>
+          <a:bodyPr/>
+          <a:lstStyle/>
+          <a:p>
+            <a:fld id="{40239712-B949-4373-B1C1-D7AF2BF342BE}" type="slidenum">
+              <a:rPr lang="zh-TW" altLang="en-US" smtClean="0"/>
+              <a:t>6</a:t>
+            </a:fld>
+            <a:endParaRPr lang="zh-TW" altLang="en-US"/>
+          </a:p>
+        </p:txBody>
+      </p:sp>
+    </p:spTree>
+    <p:extLst>
+      <p:ext uri="{BB962C8B-B14F-4D97-AF65-F5344CB8AC3E}">
+        <p14:creationId xmlns:p14="http://schemas.microsoft.com/office/powerpoint/2010/main" val="1592463862"/>
+      </p:ext>
+    </p:extLst>
+  </p:cSld>
+  <p:clrMapOvr>
+    <a:masterClrMapping/>
+  </p:clrMapOvr>
+</p:sld>
+</file>
+
+<file path=ppt/slides/slide7.xml><?xml version="1.0" encoding="utf-8"?>
+<p:sld xmlns:a="http://schemas.openxmlformats.org/drawingml/2006/main" xmlns:r="http://schemas.openxmlformats.org/officeDocument/2006/relationships" xmlns:p="http://schemas.openxmlformats.org/presentationml/2006/main">
+  <p:cSld>
+    <p:spTree>
+      <p:nvGrpSpPr>
+        <p:cNvPr id="1" name=""/>
+        <p:cNvGrpSpPr/>
+        <p:nvPr/>
+      </p:nvGrpSpPr>
+      <p:grpSpPr>
+        <a:xfrm>
+          <a:off x="0" y="0"/>
+          <a:ext cx="0" cy="0"/>
+          <a:chOff x="0" y="0"/>
+          <a:chExt cx="0" cy="0"/>
+        </a:xfrm>
+      </p:grpSpPr>
+      <p:sp>
+        <p:nvSpPr>
+          <p:cNvPr id="4" name="標題 3"/>
+          <p:cNvSpPr>
+            <a:spLocks noGrp="1"/>
+          </p:cNvSpPr>
+          <p:nvPr>
+            <p:ph type="title"/>
+          </p:nvPr>
+        </p:nvSpPr>
+        <p:spPr/>
+        <p:txBody>
+          <a:bodyPr>
+            <a:normAutofit/>
+          </a:bodyPr>
+          <a:lstStyle/>
+          <a:p>
+            <a:pPr algn="ctr"/>
+            <a:r>
+              <a:rPr lang="zh-TW" altLang="en-US" sz="4000" b="1" dirty="0" smtClean="0">
+                <a:latin typeface="微軟正黑體" panose="020B0604030504040204" pitchFamily="34" charset="-120"/>
+                <a:ea typeface="微軟正黑體" panose="020B0604030504040204" pitchFamily="34" charset="-120"/>
+              </a:rPr>
+              <a:t>建立類</a:t>
             </a:r>
             <a:endParaRPr lang="zh-TW" altLang="en-US" sz="4000" b="1" dirty="0">
               <a:latin typeface="微軟正黑體" panose="020B0604030504040204" pitchFamily="34" charset="-120"/>
@@ -7880,59 +9321,72 @@
         </p:spPr>
         <p:txBody>
           <a:bodyPr>
-            <a:normAutofit/>
+            <a:normAutofit fontScale="92500"/>
           </a:bodyPr>
           <a:lstStyle/>
           <a:p>
             <a:pPr algn="just"/>
             <a:r>
+              <a:rPr lang="en-US" altLang="zh-TW" sz="2400" dirty="0" smtClean="0">
+                <a:latin typeface="微軟正黑體" panose="020B0604030504040204" pitchFamily="34" charset="-120"/>
+                <a:ea typeface="微軟正黑體" panose="020B0604030504040204" pitchFamily="34" charset="-120"/>
+              </a:rPr>
+              <a:t>Python</a:t>
+            </a:r>
+            <a:r>
               <a:rPr lang="zh-TW" altLang="en-US" sz="2400" dirty="0">
                 <a:latin typeface="微軟正黑體" panose="020B0604030504040204" pitchFamily="34" charset="-120"/>
                 <a:ea typeface="微軟正黑體" panose="020B0604030504040204" pitchFamily="34" charset="-120"/>
               </a:rPr>
-              <a:t>不僅是</a:t>
-            </a:r>
-            <a:r>
-              <a:rPr lang="en-US" altLang="zh-TW" sz="2400" dirty="0">
-                <a:latin typeface="微軟正黑體" panose="020B0604030504040204" pitchFamily="34" charset="-120"/>
-                <a:ea typeface="微軟正黑體" panose="020B0604030504040204" pitchFamily="34" charset="-120"/>
-              </a:rPr>
-              <a:t>__</a:t>
-            </a:r>
-            <a:r>
-              <a:rPr lang="en-US" altLang="zh-TW" sz="2400" dirty="0" err="1">
-                <a:latin typeface="微軟正黑體" panose="020B0604030504040204" pitchFamily="34" charset="-120"/>
-                <a:ea typeface="微軟正黑體" panose="020B0604030504040204" pitchFamily="34" charset="-120"/>
-              </a:rPr>
-              <a:t>init</a:t>
-            </a:r>
-            <a:r>
-              <a:rPr lang="en-US" altLang="zh-TW" sz="2400" dirty="0">
-                <a:latin typeface="微軟正黑體" panose="020B0604030504040204" pitchFamily="34" charset="-120"/>
-                <a:ea typeface="微軟正黑體" panose="020B0604030504040204" pitchFamily="34" charset="-120"/>
-              </a:rPr>
-              <a:t>__</a:t>
+              <a:t>中</a:t>
+            </a:r>
+            <a:r>
+              <a:rPr lang="zh-TW" altLang="en-US" sz="2400" dirty="0" smtClean="0">
+                <a:latin typeface="微軟正黑體" panose="020B0604030504040204" pitchFamily="34" charset="-120"/>
+                <a:ea typeface="微軟正黑體" panose="020B0604030504040204" pitchFamily="34" charset="-120"/>
+              </a:rPr>
+              <a:t>使用 </a:t>
+            </a:r>
+            <a:r>
+              <a:rPr lang="en-US" altLang="zh-TW" sz="2400" b="1" dirty="0" smtClean="0">
+                <a:solidFill>
+                  <a:srgbClr val="FFFF00"/>
+                </a:solidFill>
+                <a:latin typeface="微軟正黑體" panose="020B0604030504040204" pitchFamily="34" charset="-120"/>
+                <a:ea typeface="微軟正黑體" panose="020B0604030504040204" pitchFamily="34" charset="-120"/>
+              </a:rPr>
+              <a:t>class</a:t>
+            </a:r>
+            <a:r>
+              <a:rPr lang="zh-TW" altLang="en-US" sz="2400" b="1" dirty="0" smtClean="0">
+                <a:solidFill>
+                  <a:srgbClr val="FFFF00"/>
+                </a:solidFill>
+                <a:latin typeface="微軟正黑體" panose="020B0604030504040204" pitchFamily="34" charset="-120"/>
+                <a:ea typeface="微軟正黑體" panose="020B0604030504040204" pitchFamily="34" charset="-120"/>
+              </a:rPr>
+              <a:t> </a:t>
+            </a:r>
+            <a:r>
+              <a:rPr lang="zh-TW" altLang="en-US" sz="2400" dirty="0" smtClean="0">
+                <a:latin typeface="微軟正黑體" panose="020B0604030504040204" pitchFamily="34" charset="-120"/>
+                <a:ea typeface="微軟正黑體" panose="020B0604030504040204" pitchFamily="34" charset="-120"/>
+              </a:rPr>
+              <a:t>關鍵字</a:t>
             </a:r>
             <a:r>
               <a:rPr lang="zh-TW" altLang="en-US" sz="2400" dirty="0">
                 <a:latin typeface="微軟正黑體" panose="020B0604030504040204" pitchFamily="34" charset="-120"/>
                 <a:ea typeface="微軟正黑體" panose="020B0604030504040204" pitchFamily="34" charset="-120"/>
               </a:rPr>
-              <a:t>需要</a:t>
-            </a:r>
-            <a:r>
-              <a:rPr lang="en-US" altLang="zh-TW" sz="2400" dirty="0">
-                <a:latin typeface="微軟正黑體" panose="020B0604030504040204" pitchFamily="34" charset="-120"/>
-                <a:ea typeface="微軟正黑體" panose="020B0604030504040204" pitchFamily="34" charset="-120"/>
-              </a:rPr>
-              <a:t>self</a:t>
-            </a:r>
-            <a:r>
-              <a:rPr lang="zh-TW" altLang="en-US" sz="2400" dirty="0">
-                <a:latin typeface="微軟正黑體" panose="020B0604030504040204" pitchFamily="34" charset="-120"/>
-                <a:ea typeface="微軟正黑體" panose="020B0604030504040204" pitchFamily="34" charset="-120"/>
-              </a:rPr>
-              <a:t>作為第一個引數，類中定義的所有方法都需要</a:t>
+              <a:t>修飾類，類名一般採用首字母大寫，小闊號裡面表示繼承，所有類最後都繼承自</a:t>
+            </a:r>
+            <a:r>
+              <a:rPr lang="en-US" altLang="zh-TW" sz="2400" dirty="0" smtClean="0">
+                <a:latin typeface="微軟正黑體" panose="020B0604030504040204" pitchFamily="34" charset="-120"/>
+                <a:ea typeface="微軟正黑體" panose="020B0604030504040204" pitchFamily="34" charset="-120"/>
+              </a:rPr>
+              <a:t>object</a:t>
             </a:r>
             <a:r>
               <a:rPr lang="zh-TW" altLang="en-US" sz="2400" dirty="0" smtClean="0">
@@ -7953,27 +9407,85 @@
                 <a:latin typeface="微軟正黑體" panose="020B0604030504040204" pitchFamily="34" charset="-120"/>
                 <a:ea typeface="微軟正黑體" panose="020B0604030504040204" pitchFamily="34" charset="-120"/>
               </a:rPr>
-              <a:t>類程式碼設計為在所有物件例項間共享，</a:t>
-            </a:r>
-            <a:r>
-              <a:rPr lang="en-US" altLang="zh-TW" sz="2400" dirty="0">
+              <a:t>在類中我們可以定義</a:t>
+            </a:r>
+            <a:r>
+              <a:rPr lang="zh-TW" altLang="en-US" sz="2400" dirty="0">
                 <a:solidFill>
                   <a:srgbClr val="FFFF00"/>
                 </a:solidFill>
                 <a:latin typeface="微軟正黑體" panose="020B0604030504040204" pitchFamily="34" charset="-120"/>
                 <a:ea typeface="微軟正黑體" panose="020B0604030504040204" pitchFamily="34" charset="-120"/>
               </a:rPr>
-              <a:t>self</a:t>
+              <a:t>屬性</a:t>
             </a:r>
             <a:r>
               <a:rPr lang="zh-TW" altLang="en-US" sz="2400" dirty="0">
                 <a:latin typeface="微軟正黑體" panose="020B0604030504040204" pitchFamily="34" charset="-120"/>
                 <a:ea typeface="微軟正黑體" panose="020B0604030504040204" pitchFamily="34" charset="-120"/>
               </a:rPr>
-              <a:t>可以幫助標示要處理哪個物件例項的資料</a:t>
+              <a:t>和</a:t>
+            </a:r>
+            <a:r>
+              <a:rPr lang="zh-TW" altLang="en-US" sz="2400" dirty="0">
+                <a:solidFill>
+                  <a:srgbClr val="FFFF00"/>
+                </a:solidFill>
+                <a:latin typeface="微軟正黑體" panose="020B0604030504040204" pitchFamily="34" charset="-120"/>
+                <a:ea typeface="微軟正黑體" panose="020B0604030504040204" pitchFamily="34" charset="-120"/>
+              </a:rPr>
+              <a:t>方法</a:t>
+            </a:r>
+            <a:r>
+              <a:rPr lang="zh-TW" altLang="en-US" sz="2400" dirty="0">
+                <a:latin typeface="微軟正黑體" panose="020B0604030504040204" pitchFamily="34" charset="-120"/>
+                <a:ea typeface="微軟正黑體" panose="020B0604030504040204" pitchFamily="34" charset="-120"/>
+              </a:rPr>
+              <a:t>，注意這個地方有一個叫法問題，方法其實和之前寫的函式一樣，但是在</a:t>
+            </a:r>
+            <a:r>
+              <a:rPr lang="zh-TW" altLang="en-US" sz="2400" dirty="0">
+                <a:solidFill>
+                  <a:srgbClr val="FFFF00"/>
+                </a:solidFill>
+                <a:latin typeface="微軟正黑體" panose="020B0604030504040204" pitchFamily="34" charset="-120"/>
+                <a:ea typeface="微軟正黑體" panose="020B0604030504040204" pitchFamily="34" charset="-120"/>
+              </a:rPr>
+              <a:t>類中定義的稱為方法</a:t>
+            </a:r>
+            <a:r>
+              <a:rPr lang="zh-TW" altLang="en-US" sz="2400" dirty="0">
+                <a:latin typeface="微軟正黑體" panose="020B0604030504040204" pitchFamily="34" charset="-120"/>
+                <a:ea typeface="微軟正黑體" panose="020B0604030504040204" pitchFamily="34" charset="-120"/>
+              </a:rPr>
+              <a:t>，兩個的區別在呼叫的時候，</a:t>
+            </a:r>
+            <a:r>
+              <a:rPr lang="zh-TW" altLang="en-US" sz="2400" dirty="0">
+                <a:solidFill>
+                  <a:srgbClr val="FFFF00"/>
+                </a:solidFill>
+                <a:latin typeface="微軟正黑體" panose="020B0604030504040204" pitchFamily="34" charset="-120"/>
+                <a:ea typeface="微軟正黑體" panose="020B0604030504040204" pitchFamily="34" charset="-120"/>
+              </a:rPr>
+              <a:t>方法需要特定的物件</a:t>
+            </a:r>
+            <a:r>
+              <a:rPr lang="zh-TW" altLang="en-US" sz="2400" dirty="0">
+                <a:latin typeface="微軟正黑體" panose="020B0604030504040204" pitchFamily="34" charset="-120"/>
+                <a:ea typeface="微軟正黑體" panose="020B0604030504040204" pitchFamily="34" charset="-120"/>
+              </a:rPr>
+              <a:t>，而函式不</a:t>
             </a:r>
             <a:r>
               <a:rPr lang="zh-TW" altLang="en-US" sz="2400" dirty="0" smtClean="0">
+                <a:latin typeface="微軟正黑體" panose="020B0604030504040204" pitchFamily="34" charset="-120"/>
+                <a:ea typeface="微軟正黑體" panose="020B0604030504040204" pitchFamily="34" charset="-120"/>
+              </a:rPr>
+              <a:t>需要</a:t>
+            </a:r>
+            <a:r>
+              <a:rPr lang="zh-TW" altLang="en-US" sz="2400" dirty="0">
                 <a:latin typeface="微軟正黑體" panose="020B0604030504040204" pitchFamily="34" charset="-120"/>
                 <a:ea typeface="微軟正黑體" panose="020B0604030504040204" pitchFamily="34" charset="-120"/>
               </a:rPr>
@@ -8003,7 +9515,308 @@
           <a:p>
             <a:fld id="{40239712-B949-4373-B1C1-D7AF2BF342BE}" type="slidenum">
               <a:rPr lang="zh-TW" altLang="en-US" smtClean="0"/>
-              <a:t>6</a:t>
+              <a:t>7</a:t>
+            </a:fld>
+            <a:endParaRPr lang="zh-TW" altLang="en-US"/>
+          </a:p>
+        </p:txBody>
+      </p:sp>
+      <p:pic>
+        <p:nvPicPr>
+          <p:cNvPr id="2" name="圖片 1"/>
+          <p:cNvPicPr>
+            <a:picLocks noChangeAspect="1"/>
+          </p:cNvPicPr>
+          <p:nvPr/>
+        </p:nvPicPr>
+        <p:blipFill>
+          <a:blip r:embed="rId2"/>
+          <a:stretch>
+            <a:fillRect/>
+          </a:stretch>
+        </p:blipFill>
+        <p:spPr>
+          <a:xfrm>
+            <a:off x="5767569" y="2240281"/>
+            <a:ext cx="5049657" cy="3630294"/>
+          </a:xfrm>
+          <a:prstGeom prst="rect">
+            <a:avLst/>
+          </a:prstGeom>
+        </p:spPr>
+      </p:pic>
+      <p:sp>
+        <p:nvSpPr>
+          <p:cNvPr id="3" name="矩形 2"/>
+          <p:cNvSpPr/>
+          <p:nvPr/>
+        </p:nvSpPr>
+        <p:spPr>
+          <a:xfrm>
+            <a:off x="5669217" y="5897880"/>
+            <a:ext cx="5057795" cy="338554"/>
+          </a:xfrm>
+          <a:prstGeom prst="rect">
+            <a:avLst/>
+          </a:prstGeom>
+        </p:spPr>
+        <p:txBody>
+          <a:bodyPr wrap="none">
+            <a:spAutoFit/>
+          </a:bodyPr>
+          <a:lstStyle/>
+          <a:p>
+            <a:r>
+              <a:rPr lang="zh-TW" altLang="en-US" sz="1600" dirty="0" smtClean="0">
+                <a:solidFill>
+                  <a:srgbClr val="FFFF00"/>
+                </a:solidFill>
+                <a:latin typeface="微軟正黑體" panose="020B0604030504040204" pitchFamily="34" charset="-120"/>
+                <a:ea typeface="微軟正黑體" panose="020B0604030504040204" pitchFamily="34" charset="-120"/>
+              </a:rPr>
+              <a:t>*在類中定義方法的要求，就是第一個引數必須時</a:t>
+            </a:r>
+            <a:r>
+              <a:rPr lang="en-US" altLang="zh-TW" sz="1600" dirty="0" smtClean="0">
+                <a:solidFill>
+                  <a:srgbClr val="FFFF00"/>
+                </a:solidFill>
+                <a:latin typeface="微軟正黑體" panose="020B0604030504040204" pitchFamily="34" charset="-120"/>
+                <a:ea typeface="微軟正黑體" panose="020B0604030504040204" pitchFamily="34" charset="-120"/>
+              </a:rPr>
+              <a:t>self</a:t>
+            </a:r>
+            <a:r>
+              <a:rPr lang="zh-TW" altLang="en-US" sz="1600" dirty="0" smtClean="0">
+                <a:solidFill>
+                  <a:srgbClr val="FFFF00"/>
+                </a:solidFill>
+                <a:latin typeface="微軟正黑體" panose="020B0604030504040204" pitchFamily="34" charset="-120"/>
+                <a:ea typeface="微軟正黑體" panose="020B0604030504040204" pitchFamily="34" charset="-120"/>
+              </a:rPr>
+              <a:t> *</a:t>
+            </a:r>
+            <a:endParaRPr lang="zh-TW" altLang="en-US" sz="1600" dirty="0">
+              <a:solidFill>
+                <a:srgbClr val="FFFF00"/>
+              </a:solidFill>
+              <a:latin typeface="微軟正黑體" panose="020B0604030504040204" pitchFamily="34" charset="-120"/>
+              <a:ea typeface="微軟正黑體" panose="020B0604030504040204" pitchFamily="34" charset="-120"/>
+            </a:endParaRPr>
+          </a:p>
+        </p:txBody>
+      </p:sp>
+    </p:spTree>
+    <p:extLst>
+      <p:ext uri="{BB962C8B-B14F-4D97-AF65-F5344CB8AC3E}">
+        <p14:creationId xmlns:p14="http://schemas.microsoft.com/office/powerpoint/2010/main" val="1892087603"/>
+      </p:ext>
+    </p:extLst>
+  </p:cSld>
+  <p:clrMapOvr>
+    <a:masterClrMapping/>
+  </p:clrMapOvr>
+</p:sld>
+</file>
+
+<file path=ppt/slides/slide8.xml><?xml version="1.0" encoding="utf-8"?>
+<p:sld xmlns:a="http://schemas.openxmlformats.org/drawingml/2006/main" xmlns:r="http://schemas.openxmlformats.org/officeDocument/2006/relationships" xmlns:p="http://schemas.openxmlformats.org/presentationml/2006/main">
+  <p:cSld>
+    <p:spTree>
+      <p:nvGrpSpPr>
+        <p:cNvPr id="1" name=""/>
+        <p:cNvGrpSpPr/>
+        <p:nvPr/>
+      </p:nvGrpSpPr>
+      <p:grpSpPr>
+        <a:xfrm>
+          <a:off x="0" y="0"/>
+          <a:ext cx="0" cy="0"/>
+          <a:chOff x="0" y="0"/>
+          <a:chExt cx="0" cy="0"/>
+        </a:xfrm>
+      </p:grpSpPr>
+      <p:sp>
+        <p:nvSpPr>
+          <p:cNvPr id="4" name="標題 3"/>
+          <p:cNvSpPr>
+            <a:spLocks noGrp="1"/>
+          </p:cNvSpPr>
+          <p:nvPr>
+            <p:ph type="title"/>
+          </p:nvPr>
+        </p:nvSpPr>
+        <p:spPr/>
+        <p:txBody>
+          <a:bodyPr>
+            <a:normAutofit/>
+          </a:bodyPr>
+          <a:lstStyle/>
+          <a:p>
+            <a:pPr algn="ctr"/>
+            <a:r>
+              <a:rPr lang="en-US" altLang="zh-TW" sz="4000" b="1" dirty="0" smtClean="0">
+                <a:latin typeface="微軟正黑體" panose="020B0604030504040204" pitchFamily="34" charset="-120"/>
+                <a:ea typeface="微軟正黑體" panose="020B0604030504040204" pitchFamily="34" charset="-120"/>
+              </a:rPr>
+              <a:t>SELF</a:t>
+            </a:r>
+            <a:r>
+              <a:rPr lang="zh-TW" altLang="en-US" sz="4000" b="1" dirty="0" smtClean="0">
+                <a:latin typeface="微軟正黑體" panose="020B0604030504040204" pitchFamily="34" charset="-120"/>
+                <a:ea typeface="微軟正黑體" panose="020B0604030504040204" pitchFamily="34" charset="-120"/>
+              </a:rPr>
+              <a:t> 的重要性</a:t>
+            </a:r>
+            <a:endParaRPr lang="zh-TW" altLang="en-US" sz="4000" b="1" dirty="0">
+              <a:latin typeface="微軟正黑體" panose="020B0604030504040204" pitchFamily="34" charset="-120"/>
+              <a:ea typeface="微軟正黑體" panose="020B0604030504040204" pitchFamily="34" charset="-120"/>
+            </a:endParaRPr>
+          </a:p>
+        </p:txBody>
+      </p:sp>
+      <p:sp>
+        <p:nvSpPr>
+          <p:cNvPr id="5" name="內容版面配置區 4"/>
+          <p:cNvSpPr>
+            <a:spLocks noGrp="1"/>
+          </p:cNvSpPr>
+          <p:nvPr>
+            <p:ph idx="1"/>
+          </p:nvPr>
+        </p:nvSpPr>
+        <p:spPr>
+          <a:xfrm>
+            <a:off x="850392" y="2139697"/>
+            <a:ext cx="4498848" cy="3803903"/>
+          </a:xfrm>
+        </p:spPr>
+        <p:txBody>
+          <a:bodyPr>
+            <a:normAutofit/>
+          </a:bodyPr>
+          <a:lstStyle/>
+          <a:p>
+            <a:pPr algn="just"/>
+            <a:r>
+              <a:rPr lang="zh-TW" altLang="en-US" sz="2400" dirty="0">
+                <a:latin typeface="微軟正黑體" panose="020B0604030504040204" pitchFamily="34" charset="-120"/>
+                <a:ea typeface="微軟正黑體" panose="020B0604030504040204" pitchFamily="34" charset="-120"/>
+              </a:rPr>
+              <a:t>不僅是</a:t>
+            </a:r>
+            <a:r>
+              <a:rPr lang="en-US" altLang="zh-TW" sz="2400" dirty="0">
+                <a:latin typeface="微軟正黑體" panose="020B0604030504040204" pitchFamily="34" charset="-120"/>
+                <a:ea typeface="微軟正黑體" panose="020B0604030504040204" pitchFamily="34" charset="-120"/>
+              </a:rPr>
+              <a:t>__</a:t>
+            </a:r>
+            <a:r>
+              <a:rPr lang="en-US" altLang="zh-TW" sz="2400" dirty="0" err="1">
+                <a:latin typeface="微軟正黑體" panose="020B0604030504040204" pitchFamily="34" charset="-120"/>
+                <a:ea typeface="微軟正黑體" panose="020B0604030504040204" pitchFamily="34" charset="-120"/>
+              </a:rPr>
+              <a:t>init</a:t>
+            </a:r>
+            <a:r>
+              <a:rPr lang="en-US" altLang="zh-TW" sz="2400" dirty="0">
+                <a:latin typeface="微軟正黑體" panose="020B0604030504040204" pitchFamily="34" charset="-120"/>
+                <a:ea typeface="微軟正黑體" panose="020B0604030504040204" pitchFamily="34" charset="-120"/>
+              </a:rPr>
+              <a:t>__</a:t>
+            </a:r>
+            <a:r>
+              <a:rPr lang="zh-TW" altLang="en-US" sz="2400" dirty="0">
+                <a:latin typeface="微軟正黑體" panose="020B0604030504040204" pitchFamily="34" charset="-120"/>
+                <a:ea typeface="微軟正黑體" panose="020B0604030504040204" pitchFamily="34" charset="-120"/>
+              </a:rPr>
+              <a:t>需要</a:t>
+            </a:r>
+            <a:r>
+              <a:rPr lang="en-US" altLang="zh-TW" sz="2400" dirty="0">
+                <a:latin typeface="微軟正黑體" panose="020B0604030504040204" pitchFamily="34" charset="-120"/>
+                <a:ea typeface="微軟正黑體" panose="020B0604030504040204" pitchFamily="34" charset="-120"/>
+              </a:rPr>
+              <a:t>self</a:t>
+            </a:r>
+            <a:r>
+              <a:rPr lang="zh-TW" altLang="en-US" sz="2400" dirty="0">
+                <a:latin typeface="微軟正黑體" panose="020B0604030504040204" pitchFamily="34" charset="-120"/>
+                <a:ea typeface="微軟正黑體" panose="020B0604030504040204" pitchFamily="34" charset="-120"/>
+              </a:rPr>
+              <a:t>作為第一個引數，類中定義的所有方法都需要</a:t>
+            </a:r>
+            <a:r>
+              <a:rPr lang="zh-TW" altLang="en-US" sz="2400" dirty="0" smtClean="0">
+                <a:latin typeface="微軟正黑體" panose="020B0604030504040204" pitchFamily="34" charset="-120"/>
+                <a:ea typeface="微軟正黑體" panose="020B0604030504040204" pitchFamily="34" charset="-120"/>
+              </a:rPr>
+              <a:t>。</a:t>
+            </a:r>
+            <a:endParaRPr lang="en-US" altLang="zh-TW" sz="2400" dirty="0" smtClean="0">
+              <a:latin typeface="微軟正黑體" panose="020B0604030504040204" pitchFamily="34" charset="-120"/>
+              <a:ea typeface="微軟正黑體" panose="020B0604030504040204" pitchFamily="34" charset="-120"/>
+            </a:endParaRPr>
+          </a:p>
+          <a:p>
+            <a:pPr algn="just"/>
+            <a:r>
+              <a:rPr lang="zh-TW" altLang="en-US" sz="2400" dirty="0">
+                <a:latin typeface="微軟正黑體" panose="020B0604030504040204" pitchFamily="34" charset="-120"/>
+                <a:ea typeface="微軟正黑體" panose="020B0604030504040204" pitchFamily="34" charset="-120"/>
+              </a:rPr>
+              <a:t>類程式碼設計為在所有物件例項間共享，</a:t>
+            </a:r>
+            <a:r>
+              <a:rPr lang="en-US" altLang="zh-TW" sz="2400" dirty="0">
+                <a:solidFill>
+                  <a:srgbClr val="FFFF00"/>
+                </a:solidFill>
+                <a:latin typeface="微軟正黑體" panose="020B0604030504040204" pitchFamily="34" charset="-120"/>
+                <a:ea typeface="微軟正黑體" panose="020B0604030504040204" pitchFamily="34" charset="-120"/>
+              </a:rPr>
+              <a:t>self</a:t>
+            </a:r>
+            <a:r>
+              <a:rPr lang="zh-TW" altLang="en-US" sz="2400" dirty="0">
+                <a:latin typeface="微軟正黑體" panose="020B0604030504040204" pitchFamily="34" charset="-120"/>
+                <a:ea typeface="微軟正黑體" panose="020B0604030504040204" pitchFamily="34" charset="-120"/>
+              </a:rPr>
+              <a:t>可以幫助標示要處理哪個物件例項的資料</a:t>
+            </a:r>
+            <a:r>
+              <a:rPr lang="zh-TW" altLang="en-US" sz="2400" dirty="0" smtClean="0">
+                <a:latin typeface="微軟正黑體" panose="020B0604030504040204" pitchFamily="34" charset="-120"/>
+                <a:ea typeface="微軟正黑體" panose="020B0604030504040204" pitchFamily="34" charset="-120"/>
+              </a:rPr>
+              <a:t>。</a:t>
+            </a:r>
+            <a:endParaRPr lang="en-US" altLang="zh-TW" sz="2400" dirty="0">
+              <a:latin typeface="微軟正黑體" panose="020B0604030504040204" pitchFamily="34" charset="-120"/>
+              <a:ea typeface="微軟正黑體" panose="020B0604030504040204" pitchFamily="34" charset="-120"/>
+            </a:endParaRPr>
+          </a:p>
+        </p:txBody>
+      </p:sp>
+      <p:sp>
+        <p:nvSpPr>
+          <p:cNvPr id="7" name="投影片編號版面配置區 6"/>
+          <p:cNvSpPr>
+            <a:spLocks noGrp="1"/>
+          </p:cNvSpPr>
+          <p:nvPr>
+            <p:ph type="sldNum" sz="quarter" idx="12"/>
+          </p:nvPr>
+        </p:nvSpPr>
+        <p:spPr/>
+        <p:txBody>
+          <a:bodyPr/>
+          <a:lstStyle/>
+          <a:p>
+            <a:fld id="{40239712-B949-4373-B1C1-D7AF2BF342BE}" type="slidenum">
+              <a:rPr lang="zh-TW" altLang="en-US" smtClean="0"/>
+              <a:t>8</a:t>
             </a:fld>
             <a:endParaRPr lang="zh-TW" altLang="en-US"/>
           </a:p>
@@ -8046,7 +9859,7 @@
 </p:sld>
 </file>
 
-<file path=ppt/slides/slide7.xml><?xml version="1.0" encoding="utf-8"?>
+<file path=ppt/slides/slide9.xml><?xml version="1.0" encoding="utf-8"?>
 <p:sld xmlns:a="http://schemas.openxmlformats.org/drawingml/2006/main" xmlns:r="http://schemas.openxmlformats.org/officeDocument/2006/relationships" xmlns:p="http://schemas.openxmlformats.org/presentationml/2006/main">
   <p:cSld>
     <p:spTree>
@@ -8343,7 +10156,7 @@
           <a:p>
             <a:fld id="{40239712-B949-4373-B1C1-D7AF2BF342BE}" type="slidenum">
               <a:rPr lang="zh-TW" altLang="en-US" smtClean="0"/>
-              <a:t>7</a:t>
+              <a:t>9</a:t>
             </a:fld>
             <a:endParaRPr lang="zh-TW" altLang="en-US"/>
           </a:p>
@@ -8377,415 +10190,6 @@
     <p:extLst>
       <p:ext uri="{BB962C8B-B14F-4D97-AF65-F5344CB8AC3E}">
         <p14:creationId xmlns:p14="http://schemas.microsoft.com/office/powerpoint/2010/main" val="3779414540"/>
-      </p:ext>
-    </p:extLst>
-  </p:cSld>
-  <p:clrMapOvr>
-    <a:masterClrMapping/>
-  </p:clrMapOvr>
-</p:sld>
-</file>
-
-<file path=ppt/slides/slide8.xml><?xml version="1.0" encoding="utf-8"?>
-<p:sld xmlns:a="http://schemas.openxmlformats.org/drawingml/2006/main" xmlns:r="http://schemas.openxmlformats.org/officeDocument/2006/relationships" xmlns:p="http://schemas.openxmlformats.org/presentationml/2006/main">
-  <p:cSld>
-    <p:spTree>
-      <p:nvGrpSpPr>
-        <p:cNvPr id="1" name=""/>
-        <p:cNvGrpSpPr/>
-        <p:nvPr/>
-      </p:nvGrpSpPr>
-      <p:grpSpPr>
-        <a:xfrm>
-          <a:off x="0" y="0"/>
-          <a:ext cx="0" cy="0"/>
-          <a:chOff x="0" y="0"/>
-          <a:chExt cx="0" cy="0"/>
-        </a:xfrm>
-      </p:grpSpPr>
-      <p:sp>
-        <p:nvSpPr>
-          <p:cNvPr id="4" name="標題 3"/>
-          <p:cNvSpPr>
-            <a:spLocks noGrp="1"/>
-          </p:cNvSpPr>
-          <p:nvPr>
-            <p:ph type="title"/>
-          </p:nvPr>
-        </p:nvSpPr>
-        <p:spPr/>
-        <p:txBody>
-          <a:bodyPr>
-            <a:normAutofit/>
-          </a:bodyPr>
-          <a:lstStyle/>
-          <a:p>
-            <a:pPr algn="ctr"/>
-            <a:r>
-              <a:rPr lang="zh-TW" altLang="en-US" sz="4000" b="1" dirty="0">
-                <a:latin typeface="微軟正黑體" panose="020B0604030504040204" pitchFamily="34" charset="-120"/>
-                <a:ea typeface="微軟正黑體" panose="020B0604030504040204" pitchFamily="34" charset="-120"/>
-              </a:rPr>
-              <a:t>通過</a:t>
-            </a:r>
-            <a:r>
-              <a:rPr lang="en-US" altLang="zh-TW" sz="4000" b="1" dirty="0">
-                <a:latin typeface="微軟正黑體" panose="020B0604030504040204" pitchFamily="34" charset="-120"/>
-                <a:ea typeface="微軟正黑體" panose="020B0604030504040204" pitchFamily="34" charset="-120"/>
-              </a:rPr>
-              <a:t>type</a:t>
-            </a:r>
-            <a:r>
-              <a:rPr lang="zh-TW" altLang="en-US" sz="4000" b="1" dirty="0">
-                <a:latin typeface="微軟正黑體" panose="020B0604030504040204" pitchFamily="34" charset="-120"/>
-                <a:ea typeface="微軟正黑體" panose="020B0604030504040204" pitchFamily="34" charset="-120"/>
-              </a:rPr>
-              <a:t>類建立物件</a:t>
-            </a:r>
-          </a:p>
-        </p:txBody>
-      </p:sp>
-      <p:sp>
-        <p:nvSpPr>
-          <p:cNvPr id="7" name="投影片編號版面配置區 6"/>
-          <p:cNvSpPr>
-            <a:spLocks noGrp="1"/>
-          </p:cNvSpPr>
-          <p:nvPr>
-            <p:ph type="sldNum" sz="quarter" idx="12"/>
-          </p:nvPr>
-        </p:nvSpPr>
-        <p:spPr/>
-        <p:txBody>
-          <a:bodyPr/>
-          <a:lstStyle/>
-          <a:p>
-            <a:fld id="{40239712-B949-4373-B1C1-D7AF2BF342BE}" type="slidenum">
-              <a:rPr lang="zh-TW" altLang="en-US" smtClean="0"/>
-              <a:t>8</a:t>
-            </a:fld>
-            <a:endParaRPr lang="zh-TW" altLang="en-US"/>
-          </a:p>
-        </p:txBody>
-      </p:sp>
-      <p:pic>
-        <p:nvPicPr>
-          <p:cNvPr id="3" name="圖片 2"/>
-          <p:cNvPicPr>
-            <a:picLocks noChangeAspect="1"/>
-          </p:cNvPicPr>
-          <p:nvPr/>
-        </p:nvPicPr>
-        <p:blipFill>
-          <a:blip r:embed="rId2"/>
-          <a:stretch>
-            <a:fillRect/>
-          </a:stretch>
-        </p:blipFill>
-        <p:spPr>
-          <a:xfrm>
-            <a:off x="5463682" y="2719387"/>
-            <a:ext cx="5245403" cy="2415646"/>
-          </a:xfrm>
-          <a:prstGeom prst="rect">
-            <a:avLst/>
-          </a:prstGeom>
-        </p:spPr>
-      </p:pic>
-      <p:pic>
-        <p:nvPicPr>
-          <p:cNvPr id="8" name="圖片 7"/>
-          <p:cNvPicPr>
-            <a:picLocks noChangeAspect="1"/>
-          </p:cNvPicPr>
-          <p:nvPr/>
-        </p:nvPicPr>
-        <p:blipFill>
-          <a:blip r:embed="rId3"/>
-          <a:stretch>
-            <a:fillRect/>
-          </a:stretch>
-        </p:blipFill>
-        <p:spPr>
-          <a:xfrm>
-            <a:off x="770382" y="2719387"/>
-            <a:ext cx="4365330" cy="2415646"/>
-          </a:xfrm>
-          <a:prstGeom prst="rect">
-            <a:avLst/>
-          </a:prstGeom>
-        </p:spPr>
-      </p:pic>
-    </p:spTree>
-    <p:extLst>
-      <p:ext uri="{BB962C8B-B14F-4D97-AF65-F5344CB8AC3E}">
-        <p14:creationId xmlns:p14="http://schemas.microsoft.com/office/powerpoint/2010/main" val="1156148585"/>
-      </p:ext>
-    </p:extLst>
-  </p:cSld>
-  <p:clrMapOvr>
-    <a:masterClrMapping/>
-  </p:clrMapOvr>
-</p:sld>
-</file>
-
-<file path=ppt/slides/slide9.xml><?xml version="1.0" encoding="utf-8"?>
-<p:sld xmlns:a="http://schemas.openxmlformats.org/drawingml/2006/main" xmlns:r="http://schemas.openxmlformats.org/officeDocument/2006/relationships" xmlns:p="http://schemas.openxmlformats.org/presentationml/2006/main">
-  <p:cSld>
-    <p:spTree>
-      <p:nvGrpSpPr>
-        <p:cNvPr id="1" name=""/>
-        <p:cNvGrpSpPr/>
-        <p:nvPr/>
-      </p:nvGrpSpPr>
-      <p:grpSpPr>
-        <a:xfrm>
-          <a:off x="0" y="0"/>
-          <a:ext cx="0" cy="0"/>
-          <a:chOff x="0" y="0"/>
-          <a:chExt cx="0" cy="0"/>
-        </a:xfrm>
-      </p:grpSpPr>
-      <p:sp>
-        <p:nvSpPr>
-          <p:cNvPr id="4" name="標題 3"/>
-          <p:cNvSpPr>
-            <a:spLocks noGrp="1"/>
-          </p:cNvSpPr>
-          <p:nvPr>
-            <p:ph type="title"/>
-          </p:nvPr>
-        </p:nvSpPr>
-        <p:spPr/>
-        <p:txBody>
-          <a:bodyPr>
-            <a:normAutofit/>
-          </a:bodyPr>
-          <a:lstStyle/>
-          <a:p>
-            <a:pPr algn="ctr"/>
-            <a:r>
-              <a:rPr lang="en-US" altLang="zh-TW" sz="4000" b="1" dirty="0">
-                <a:latin typeface="微軟正黑體" panose="020B0604030504040204" pitchFamily="34" charset="-120"/>
-                <a:ea typeface="微軟正黑體" panose="020B0604030504040204" pitchFamily="34" charset="-120"/>
-              </a:rPr>
-              <a:t>__new__</a:t>
-            </a:r>
-            <a:r>
-              <a:rPr lang="zh-TW" altLang="en-US" sz="4000" b="1" dirty="0">
-                <a:latin typeface="微軟正黑體" panose="020B0604030504040204" pitchFamily="34" charset="-120"/>
-                <a:ea typeface="微軟正黑體" panose="020B0604030504040204" pitchFamily="34" charset="-120"/>
-              </a:rPr>
-              <a:t>和</a:t>
-            </a:r>
-            <a:r>
-              <a:rPr lang="en-US" altLang="zh-TW" sz="4000" b="1" dirty="0">
-                <a:latin typeface="微軟正黑體" panose="020B0604030504040204" pitchFamily="34" charset="-120"/>
-                <a:ea typeface="微軟正黑體" panose="020B0604030504040204" pitchFamily="34" charset="-120"/>
-              </a:rPr>
-              <a:t>__</a:t>
-            </a:r>
-            <a:r>
-              <a:rPr lang="en-US" altLang="zh-TW" sz="4000" b="1" dirty="0" err="1">
-                <a:latin typeface="微軟正黑體" panose="020B0604030504040204" pitchFamily="34" charset="-120"/>
-                <a:ea typeface="微軟正黑體" panose="020B0604030504040204" pitchFamily="34" charset="-120"/>
-              </a:rPr>
-              <a:t>init</a:t>
-            </a:r>
-            <a:r>
-              <a:rPr lang="zh-TW" altLang="en-US" sz="4000" b="1" dirty="0">
-                <a:latin typeface="微軟正黑體" panose="020B0604030504040204" pitchFamily="34" charset="-120"/>
-                <a:ea typeface="微軟正黑體" panose="020B0604030504040204" pitchFamily="34" charset="-120"/>
-              </a:rPr>
-              <a:t>區別</a:t>
-            </a:r>
-          </a:p>
-        </p:txBody>
-      </p:sp>
-      <p:sp>
-        <p:nvSpPr>
-          <p:cNvPr id="7" name="投影片編號版面配置區 6"/>
-          <p:cNvSpPr>
-            <a:spLocks noGrp="1"/>
-          </p:cNvSpPr>
-          <p:nvPr>
-            <p:ph type="sldNum" sz="quarter" idx="12"/>
-          </p:nvPr>
-        </p:nvSpPr>
-        <p:spPr/>
-        <p:txBody>
-          <a:bodyPr/>
-          <a:lstStyle/>
-          <a:p>
-            <a:fld id="{40239712-B949-4373-B1C1-D7AF2BF342BE}" type="slidenum">
-              <a:rPr lang="zh-TW" altLang="en-US" smtClean="0"/>
-              <a:t>9</a:t>
-            </a:fld>
-            <a:endParaRPr lang="zh-TW" altLang="en-US"/>
-          </a:p>
-        </p:txBody>
-      </p:sp>
-      <p:pic>
-        <p:nvPicPr>
-          <p:cNvPr id="5" name="圖片 4"/>
-          <p:cNvPicPr>
-            <a:picLocks noChangeAspect="1"/>
-          </p:cNvPicPr>
-          <p:nvPr/>
-        </p:nvPicPr>
-        <p:blipFill>
-          <a:blip r:embed="rId2"/>
-          <a:stretch>
-            <a:fillRect/>
-          </a:stretch>
-        </p:blipFill>
-        <p:spPr>
-          <a:xfrm>
-            <a:off x="5664201" y="2354770"/>
-            <a:ext cx="5153025" cy="2733675"/>
-          </a:xfrm>
-          <a:prstGeom prst="rect">
-            <a:avLst/>
-          </a:prstGeom>
-        </p:spPr>
-      </p:pic>
-      <p:sp>
-        <p:nvSpPr>
-          <p:cNvPr id="9" name="內容版面配置區 4"/>
-          <p:cNvSpPr>
-            <a:spLocks noGrp="1"/>
-          </p:cNvSpPr>
-          <p:nvPr>
-            <p:ph idx="1"/>
-          </p:nvPr>
-        </p:nvSpPr>
-        <p:spPr>
-          <a:xfrm>
-            <a:off x="850392" y="2139697"/>
-            <a:ext cx="4498848" cy="3803903"/>
-          </a:xfrm>
-        </p:spPr>
-        <p:txBody>
-          <a:bodyPr>
-            <a:normAutofit/>
-          </a:bodyPr>
-          <a:lstStyle/>
-          <a:p>
-            <a:pPr algn="just"/>
-            <a:r>
-              <a:rPr lang="en-US" altLang="zh-TW" sz="2400" dirty="0">
-                <a:solidFill>
-                  <a:srgbClr val="FFFF00"/>
-                </a:solidFill>
-                <a:latin typeface="微軟正黑體" panose="020B0604030504040204" pitchFamily="34" charset="-120"/>
-                <a:ea typeface="微軟正黑體" panose="020B0604030504040204" pitchFamily="34" charset="-120"/>
-              </a:rPr>
-              <a:t>new </a:t>
-            </a:r>
-            <a:r>
-              <a:rPr lang="zh-TW" altLang="en-US" sz="2400" dirty="0">
-                <a:latin typeface="微軟正黑體" panose="020B0604030504040204" pitchFamily="34" charset="-120"/>
-                <a:ea typeface="微軟正黑體" panose="020B0604030504040204" pitchFamily="34" charset="-120"/>
-              </a:rPr>
-              <a:t>用來建立例項，在返回的例項上執行</a:t>
-            </a:r>
-            <a:r>
-              <a:rPr lang="en-US" altLang="zh-TW" sz="2400" dirty="0">
-                <a:latin typeface="微軟正黑體" panose="020B0604030504040204" pitchFamily="34" charset="-120"/>
-                <a:ea typeface="微軟正黑體" panose="020B0604030504040204" pitchFamily="34" charset="-120"/>
-              </a:rPr>
-              <a:t>__</a:t>
-            </a:r>
-            <a:r>
-              <a:rPr lang="en-US" altLang="zh-TW" sz="2400" dirty="0" err="1">
-                <a:latin typeface="微軟正黑體" panose="020B0604030504040204" pitchFamily="34" charset="-120"/>
-                <a:ea typeface="微軟正黑體" panose="020B0604030504040204" pitchFamily="34" charset="-120"/>
-              </a:rPr>
-              <a:t>init</a:t>
-            </a:r>
-            <a:r>
-              <a:rPr lang="en-US" altLang="zh-TW" sz="2400" dirty="0">
-                <a:latin typeface="微軟正黑體" panose="020B0604030504040204" pitchFamily="34" charset="-120"/>
-                <a:ea typeface="微軟正黑體" panose="020B0604030504040204" pitchFamily="34" charset="-120"/>
-              </a:rPr>
-              <a:t>__</a:t>
-            </a:r>
-            <a:r>
-              <a:rPr lang="zh-TW" altLang="en-US" sz="2400" dirty="0">
-                <a:latin typeface="微軟正黑體" panose="020B0604030504040204" pitchFamily="34" charset="-120"/>
-                <a:ea typeface="微軟正黑體" panose="020B0604030504040204" pitchFamily="34" charset="-120"/>
-              </a:rPr>
-              <a:t>，如果不返回例項那麼</a:t>
-            </a:r>
-            <a:r>
-              <a:rPr lang="en-US" altLang="zh-TW" sz="2400" dirty="0">
-                <a:latin typeface="微軟正黑體" panose="020B0604030504040204" pitchFamily="34" charset="-120"/>
-                <a:ea typeface="微軟正黑體" panose="020B0604030504040204" pitchFamily="34" charset="-120"/>
-              </a:rPr>
-              <a:t>__</a:t>
-            </a:r>
-            <a:r>
-              <a:rPr lang="en-US" altLang="zh-TW" sz="2400" dirty="0" err="1">
-                <a:latin typeface="微軟正黑體" panose="020B0604030504040204" pitchFamily="34" charset="-120"/>
-                <a:ea typeface="微軟正黑體" panose="020B0604030504040204" pitchFamily="34" charset="-120"/>
-              </a:rPr>
-              <a:t>init</a:t>
-            </a:r>
-            <a:r>
-              <a:rPr lang="en-US" altLang="zh-TW" sz="2400" dirty="0">
-                <a:latin typeface="微軟正黑體" panose="020B0604030504040204" pitchFamily="34" charset="-120"/>
-                <a:ea typeface="微軟正黑體" panose="020B0604030504040204" pitchFamily="34" charset="-120"/>
-              </a:rPr>
-              <a:t>__</a:t>
-            </a:r>
-            <a:r>
-              <a:rPr lang="zh-TW" altLang="en-US" sz="2400" dirty="0">
-                <a:latin typeface="微軟正黑體" panose="020B0604030504040204" pitchFamily="34" charset="-120"/>
-                <a:ea typeface="微軟正黑體" panose="020B0604030504040204" pitchFamily="34" charset="-120"/>
-              </a:rPr>
-              <a:t>將不會執行</a:t>
-            </a:r>
-          </a:p>
-          <a:p>
-            <a:pPr algn="just"/>
-            <a:r>
-              <a:rPr lang="en-US" altLang="zh-TW" sz="2400" dirty="0" err="1">
-                <a:solidFill>
-                  <a:srgbClr val="FFFF00"/>
-                </a:solidFill>
-                <a:latin typeface="微軟正黑體" panose="020B0604030504040204" pitchFamily="34" charset="-120"/>
-                <a:ea typeface="微軟正黑體" panose="020B0604030504040204" pitchFamily="34" charset="-120"/>
-              </a:rPr>
-              <a:t>init</a:t>
-            </a:r>
-            <a:r>
-              <a:rPr lang="en-US" altLang="zh-TW" sz="2400" dirty="0">
-                <a:solidFill>
-                  <a:srgbClr val="FFFF00"/>
-                </a:solidFill>
-                <a:latin typeface="微軟正黑體" panose="020B0604030504040204" pitchFamily="34" charset="-120"/>
-                <a:ea typeface="微軟正黑體" panose="020B0604030504040204" pitchFamily="34" charset="-120"/>
-              </a:rPr>
-              <a:t> </a:t>
-            </a:r>
-            <a:r>
-              <a:rPr lang="zh-TW" altLang="en-US" sz="2400" dirty="0">
-                <a:latin typeface="微軟正黑體" panose="020B0604030504040204" pitchFamily="34" charset="-120"/>
-                <a:ea typeface="微軟正黑體" panose="020B0604030504040204" pitchFamily="34" charset="-120"/>
-              </a:rPr>
-              <a:t>用來初始化例項，設定屬性什麼的</a:t>
-            </a:r>
-            <a:endParaRPr lang="en-US" altLang="zh-TW" sz="2400" dirty="0">
-              <a:latin typeface="微軟正黑體" panose="020B0604030504040204" pitchFamily="34" charset="-120"/>
-              <a:ea typeface="微軟正黑體" panose="020B0604030504040204" pitchFamily="34" charset="-120"/>
-            </a:endParaRPr>
-          </a:p>
-        </p:txBody>
-      </p:sp>
-    </p:spTree>
-    <p:extLst>
-      <p:ext uri="{BB962C8B-B14F-4D97-AF65-F5344CB8AC3E}">
-        <p14:creationId xmlns:p14="http://schemas.microsoft.com/office/powerpoint/2010/main" val="836432294"/>
       </p:ext>
     </p:extLst>
   </p:cSld>

--- a/slides/10801/Python進階程式設計/[W2] OOP in Python.pptx
+++ b/slides/10801/Python進階程式設計/[W2] OOP in Python.pptx
@@ -217,7 +217,7 @@
           <a:p>
             <a:fld id="{A6B8042F-DD52-4BEF-B10F-42BE4FF859B7}" type="datetimeFigureOut">
               <a:rPr lang="zh-TW" altLang="en-US" smtClean="0"/>
-              <a:t>2019/9/17</a:t>
+              <a:t>2020/3/19</a:t>
             </a:fld>
             <a:endParaRPr lang="zh-TW" altLang="en-US"/>
           </a:p>
@@ -714,7 +714,7 @@
           <a:p>
             <a:fld id="{69A16C07-AB0F-4312-86D7-8500AE850141}" type="datetime1">
               <a:rPr lang="zh-TW" altLang="en-US" smtClean="0"/>
-              <a:t>2019/9/17</a:t>
+              <a:t>2020/3/19</a:t>
             </a:fld>
             <a:endParaRPr lang="zh-TW" altLang="en-US"/>
           </a:p>
@@ -1048,7 +1048,7 @@
           <a:p>
             <a:fld id="{3BEAF975-1CB3-4131-83CB-239EED1F079E}" type="datetime1">
               <a:rPr lang="zh-TW" altLang="en-US" smtClean="0"/>
-              <a:t>2019/9/17</a:t>
+              <a:t>2020/3/19</a:t>
             </a:fld>
             <a:endParaRPr lang="zh-TW" altLang="en-US"/>
           </a:p>
@@ -1326,7 +1326,7 @@
           <a:p>
             <a:fld id="{F909829C-93DB-48CA-8A35-655FC847EAE2}" type="datetime1">
               <a:rPr lang="zh-TW" altLang="en-US" smtClean="0"/>
-              <a:t>2019/9/17</a:t>
+              <a:t>2020/3/19</a:t>
             </a:fld>
             <a:endParaRPr lang="zh-TW" altLang="en-US"/>
           </a:p>
@@ -1894,7 +1894,7 @@
           <a:p>
             <a:fld id="{CD225578-E034-4670-B516-C30AFFCDD57D}" type="datetime1">
               <a:rPr lang="zh-TW" altLang="en-US" smtClean="0"/>
-              <a:t>2019/9/17</a:t>
+              <a:t>2020/3/19</a:t>
             </a:fld>
             <a:endParaRPr lang="zh-TW" altLang="en-US"/>
           </a:p>
@@ -2172,7 +2172,7 @@
           <a:p>
             <a:fld id="{A21F373E-6C29-4626-B848-E1A2D4FEAB29}" type="datetime1">
               <a:rPr lang="zh-TW" altLang="en-US" smtClean="0"/>
-              <a:t>2019/9/17</a:t>
+              <a:t>2020/3/19</a:t>
             </a:fld>
             <a:endParaRPr lang="zh-TW" altLang="en-US"/>
           </a:p>
@@ -2734,7 +2734,7 @@
           <a:p>
             <a:fld id="{CFE76FED-0F2B-49B6-AD1A-8DD9EC8F6C33}" type="datetime1">
               <a:rPr lang="zh-TW" altLang="en-US" smtClean="0"/>
-              <a:t>2019/9/17</a:t>
+              <a:t>2020/3/19</a:t>
             </a:fld>
             <a:endParaRPr lang="zh-TW" altLang="en-US"/>
           </a:p>
@@ -3061,7 +3061,7 @@
           <a:p>
             <a:fld id="{2072F5F6-693D-47E3-A084-9BE48E93105C}" type="datetime1">
               <a:rPr lang="zh-TW" altLang="en-US" smtClean="0"/>
-              <a:t>2019/9/17</a:t>
+              <a:t>2020/3/19</a:t>
             </a:fld>
             <a:endParaRPr lang="zh-TW" altLang="en-US"/>
           </a:p>
@@ -3266,7 +3266,7 @@
           <a:p>
             <a:fld id="{95A5CAE3-ADE7-4F26-B041-E50ED5B03B7C}" type="datetime1">
               <a:rPr lang="zh-TW" altLang="en-US" smtClean="0"/>
-              <a:t>2019/9/17</a:t>
+              <a:t>2020/3/19</a:t>
             </a:fld>
             <a:endParaRPr lang="zh-TW" altLang="en-US"/>
           </a:p>
@@ -3476,7 +3476,7 @@
           <a:p>
             <a:fld id="{1C2A7491-21AA-46A8-A4DE-9643861CB4D0}" type="datetime1">
               <a:rPr lang="zh-TW" altLang="en-US" smtClean="0"/>
-              <a:t>2019/9/17</a:t>
+              <a:t>2020/3/19</a:t>
             </a:fld>
             <a:endParaRPr lang="zh-TW" altLang="en-US"/>
           </a:p>
@@ -3676,7 +3676,7 @@
           <a:p>
             <a:fld id="{251855FF-12C7-4A48-AC56-93074FCB96B7}" type="datetime1">
               <a:rPr lang="zh-TW" altLang="en-US" smtClean="0"/>
-              <a:t>2019/9/17</a:t>
+              <a:t>2020/3/19</a:t>
             </a:fld>
             <a:endParaRPr lang="zh-TW" altLang="en-US"/>
           </a:p>
@@ -3952,7 +3952,7 @@
           <a:p>
             <a:fld id="{24D16097-3370-4C5A-8288-210252B3B476}" type="datetime1">
               <a:rPr lang="zh-TW" altLang="en-US" smtClean="0"/>
-              <a:t>2019/9/17</a:t>
+              <a:t>2020/3/19</a:t>
             </a:fld>
             <a:endParaRPr lang="zh-TW" altLang="en-US"/>
           </a:p>
@@ -4218,7 +4218,7 @@
           <a:p>
             <a:fld id="{BA13DDF9-83A6-4CBD-941E-80F76B715D16}" type="datetime1">
               <a:rPr lang="zh-TW" altLang="en-US" smtClean="0"/>
-              <a:t>2019/9/17</a:t>
+              <a:t>2020/3/19</a:t>
             </a:fld>
             <a:endParaRPr lang="zh-TW" altLang="en-US"/>
           </a:p>
@@ -4592,7 +4592,7 @@
           <a:p>
             <a:fld id="{F613EB1E-022A-4329-9791-D583CBC7FBF9}" type="datetime1">
               <a:rPr lang="zh-TW" altLang="en-US" smtClean="0"/>
-              <a:t>2019/9/17</a:t>
+              <a:t>2020/3/19</a:t>
             </a:fld>
             <a:endParaRPr lang="zh-TW" altLang="en-US"/>
           </a:p>
@@ -4740,7 +4740,7 @@
           <a:p>
             <a:fld id="{ABD98F2A-671D-4726-81B0-4E36D8B054C9}" type="datetime1">
               <a:rPr lang="zh-TW" altLang="en-US" smtClean="0"/>
-              <a:t>2019/9/17</a:t>
+              <a:t>2020/3/19</a:t>
             </a:fld>
             <a:endParaRPr lang="zh-TW" altLang="en-US"/>
           </a:p>
@@ -4865,7 +4865,7 @@
           <a:p>
             <a:fld id="{FBD20EE6-B653-43A1-9588-7678B77C7421}" type="datetime1">
               <a:rPr lang="zh-TW" altLang="en-US" smtClean="0"/>
-              <a:t>2019/9/17</a:t>
+              <a:t>2020/3/19</a:t>
             </a:fld>
             <a:endParaRPr lang="zh-TW" altLang="en-US"/>
           </a:p>
@@ -5150,7 +5150,7 @@
           <a:p>
             <a:fld id="{C33CFCD3-3504-4738-AF3F-46342956F4C6}" type="datetime1">
               <a:rPr lang="zh-TW" altLang="en-US" smtClean="0"/>
-              <a:t>2019/9/17</a:t>
+              <a:t>2020/3/19</a:t>
             </a:fld>
             <a:endParaRPr lang="zh-TW" altLang="en-US"/>
           </a:p>
@@ -5474,7 +5474,7 @@
           <a:p>
             <a:fld id="{1CBBA2B9-34A7-410F-9ECA-BC5372D303F7}" type="datetime1">
               <a:rPr lang="zh-TW" altLang="en-US" smtClean="0"/>
-              <a:t>2019/9/17</a:t>
+              <a:t>2020/3/19</a:t>
             </a:fld>
             <a:endParaRPr lang="zh-TW" altLang="en-US"/>
           </a:p>
@@ -5688,7 +5688,7 @@
           <a:p>
             <a:fld id="{CE60E297-7E7B-4838-9B51-0C159CBEC7E3}" type="datetime1">
               <a:rPr lang="zh-TW" altLang="en-US" smtClean="0"/>
-              <a:t>2019/9/17</a:t>
+              <a:t>2020/3/19</a:t>
             </a:fld>
             <a:endParaRPr lang="zh-TW" altLang="en-US"/>
           </a:p>
@@ -6564,19 +6564,30 @@
               <a:t>__</a:t>
             </a:r>
             <a:r>
-              <a:rPr lang="en-US" altLang="zh-TW" sz="4000" b="1" dirty="0" err="1">
+              <a:rPr lang="en-US" altLang="zh-TW" sz="4000" b="1" dirty="0" err="1" smtClean="0">
                 <a:latin typeface="微軟正黑體" panose="020B0604030504040204" pitchFamily="34" charset="-120"/>
                 <a:ea typeface="微軟正黑體" panose="020B0604030504040204" pitchFamily="34" charset="-120"/>
               </a:rPr>
               <a:t>init</a:t>
             </a:r>
             <a:r>
-              <a:rPr lang="zh-TW" altLang="en-US" sz="4000" b="1" dirty="0">
+              <a:rPr lang="en-US" altLang="zh-TW" sz="4000" b="1" smtClean="0">
+                <a:latin typeface="微軟正黑體" panose="020B0604030504040204" pitchFamily="34" charset="-120"/>
+                <a:ea typeface="微軟正黑體" panose="020B0604030504040204" pitchFamily="34" charset="-120"/>
+              </a:rPr>
+              <a:t>__</a:t>
+            </a:r>
+            <a:r>
+              <a:rPr lang="zh-TW" altLang="en-US" sz="4000" b="1" smtClean="0">
                 <a:latin typeface="微軟正黑體" panose="020B0604030504040204" pitchFamily="34" charset="-120"/>
                 <a:ea typeface="微軟正黑體" panose="020B0604030504040204" pitchFamily="34" charset="-120"/>
               </a:rPr>
               <a:t>區別</a:t>
             </a:r>
+            <a:endParaRPr lang="zh-TW" altLang="en-US" sz="4000" b="1" dirty="0">
+              <a:latin typeface="微軟正黑體" panose="020B0604030504040204" pitchFamily="34" charset="-120"/>
+              <a:ea typeface="微軟正黑體" panose="020B0604030504040204" pitchFamily="34" charset="-120"/>
+            </a:endParaRPr>
           </a:p>
         </p:txBody>
       </p:sp>
@@ -7598,10 +7609,6 @@
               </a:rPr>
               <a:t>）</a:t>
             </a:r>
-            <a:endParaRPr lang="zh-TW" altLang="en-US" sz="4000" b="1" dirty="0">
-              <a:latin typeface="微軟正黑體" panose="020B0604030504040204" pitchFamily="34" charset="-120"/>
-              <a:ea typeface="微軟正黑體" panose="020B0604030504040204" pitchFamily="34" charset="-120"/>
-            </a:endParaRPr>
           </a:p>
         </p:txBody>
       </p:sp>
@@ -7721,10 +7728,6 @@
               </a:rPr>
               <a:t>）</a:t>
             </a:r>
-            <a:endParaRPr lang="zh-TW" altLang="en-US" sz="4000" b="1" dirty="0">
-              <a:latin typeface="微軟正黑體" panose="020B0604030504040204" pitchFamily="34" charset="-120"/>
-              <a:ea typeface="微軟正黑體" panose="020B0604030504040204" pitchFamily="34" charset="-120"/>
-            </a:endParaRPr>
           </a:p>
         </p:txBody>
       </p:sp>
@@ -8071,10 +8074,6 @@
               </a:rPr>
               <a:t>）</a:t>
             </a:r>
-            <a:endParaRPr lang="zh-TW" altLang="en-US" sz="4000" b="1" dirty="0">
-              <a:latin typeface="微軟正黑體" panose="020B0604030504040204" pitchFamily="34" charset="-120"/>
-              <a:ea typeface="微軟正黑體" panose="020B0604030504040204" pitchFamily="34" charset="-120"/>
-            </a:endParaRPr>
           </a:p>
         </p:txBody>
       </p:sp>
